--- a/introPython3.pptx
+++ b/introPython3.pptx
@@ -1,29 +1,29 @@
 
 <file path=ppt/presentation.xml><?xml version="1.0" encoding="utf-8"?>
-<p:presentation xmlns:a="http://schemas.openxmlformats.org/drawingml/2006/main" xmlns:r="http://schemas.openxmlformats.org/officeDocument/2006/relationships" xmlns:mc="http://schemas.openxmlformats.org/markup-compatibility/2006" xmlns:mv="urn:schemas-microsoft-com:mac:vml" xmlns:p="http://schemas.openxmlformats.org/presentationml/2006/main" xmlns:c="http://schemas.openxmlformats.org/drawingml/2006/chart" xmlns:dgm="http://schemas.openxmlformats.org/drawingml/2006/diagram" xmlns:o="urn:schemas-microsoft-com:office:office" xmlns:v="urn:schemas-microsoft-com:vml" xmlns:pvml="urn:schemas-microsoft-com:office:powerpoint" xmlns:com="http://schemas.openxmlformats.org/drawingml/2006/compatibility" xmlns:p14="http://schemas.microsoft.com/office/powerpoint/2010/main" xmlns:p15="http://schemas.microsoft.com/office/powerpoint/2012/main" autoCompressPictures="0" strictFirstAndLastChars="0" saveSubsetFonts="1">
+<p:presentation xmlns:a="http://schemas.openxmlformats.org/drawingml/2006/main" xmlns:r="http://schemas.openxmlformats.org/officeDocument/2006/relationships" xmlns:p="http://schemas.openxmlformats.org/presentationml/2006/main" strictFirstAndLastChars="0" saveSubsetFonts="1" autoCompressPictures="0">
   <p:sldMasterIdLst>
-    <p:sldMasterId id="2147483659" r:id="rId3"/>
+    <p:sldMasterId id="2147483659" r:id="rId1"/>
   </p:sldMasterIdLst>
   <p:notesMasterIdLst>
-    <p:notesMasterId r:id="rId4"/>
+    <p:notesMasterId r:id="rId13"/>
   </p:notesMasterIdLst>
   <p:sldIdLst>
-    <p:sldId id="256" r:id="rId5"/>
-    <p:sldId id="257" r:id="rId6"/>
-    <p:sldId id="258" r:id="rId7"/>
-    <p:sldId id="259" r:id="rId8"/>
-    <p:sldId id="260" r:id="rId9"/>
-    <p:sldId id="261" r:id="rId10"/>
-    <p:sldId id="262" r:id="rId11"/>
-    <p:sldId id="263" r:id="rId12"/>
-    <p:sldId id="264" r:id="rId13"/>
-    <p:sldId id="265" r:id="rId14"/>
-    <p:sldId id="266" r:id="rId15"/>
+    <p:sldId id="256" r:id="rId2"/>
+    <p:sldId id="257" r:id="rId3"/>
+    <p:sldId id="258" r:id="rId4"/>
+    <p:sldId id="259" r:id="rId5"/>
+    <p:sldId id="260" r:id="rId6"/>
+    <p:sldId id="261" r:id="rId7"/>
+    <p:sldId id="262" r:id="rId8"/>
+    <p:sldId id="263" r:id="rId9"/>
+    <p:sldId id="264" r:id="rId10"/>
+    <p:sldId id="265" r:id="rId11"/>
+    <p:sldId id="266" r:id="rId12"/>
   </p:sldIdLst>
-  <p:sldSz cy="5143500" cx="9144000"/>
+  <p:sldSz cx="9144000" cy="5143500" type="screen16x9"/>
   <p:notesSz cx="6858000" cy="9144000"/>
   <p:defaultTextStyle>
-    <a:defPPr lvl="0" marR="0" rtl="0" algn="l">
+    <a:defPPr marR="0" lvl="0" algn="l" rtl="0">
       <a:lnSpc>
         <a:spcPct val="100000"/>
       </a:lnSpc>
@@ -34,7 +34,7 @@
         <a:spcPts val="0"/>
       </a:spcAft>
     </a:defPPr>
-    <a:lvl1pPr lvl="0" marR="0" rtl="0" algn="l">
+    <a:lvl1pPr marR="0" lvl="0" algn="l" rtl="0">
       <a:lnSpc>
         <a:spcPct val="100000"/>
       </a:lnSpc>
@@ -45,7 +45,7 @@
         <a:spcPts val="0"/>
       </a:spcAft>
       <a:buNone/>
-      <a:defRPr b="0" i="0" sz="1400" u="none" cap="none" strike="noStrike">
+      <a:defRPr sz="1400" b="0" i="0" u="none" strike="noStrike" cap="none">
         <a:solidFill>
           <a:srgbClr val="000000"/>
         </a:solidFill>
@@ -55,7 +55,7 @@
         <a:sym typeface="Arial"/>
       </a:defRPr>
     </a:lvl1pPr>
-    <a:lvl2pPr lvl="1" marR="0" rtl="0" algn="l">
+    <a:lvl2pPr marR="0" lvl="1" algn="l" rtl="0">
       <a:lnSpc>
         <a:spcPct val="100000"/>
       </a:lnSpc>
@@ -66,7 +66,7 @@
         <a:spcPts val="0"/>
       </a:spcAft>
       <a:buNone/>
-      <a:defRPr b="0" i="0" sz="1400" u="none" cap="none" strike="noStrike">
+      <a:defRPr sz="1400" b="0" i="0" u="none" strike="noStrike" cap="none">
         <a:solidFill>
           <a:srgbClr val="000000"/>
         </a:solidFill>
@@ -76,7 +76,7 @@
         <a:sym typeface="Arial"/>
       </a:defRPr>
     </a:lvl2pPr>
-    <a:lvl3pPr lvl="2" marR="0" rtl="0" algn="l">
+    <a:lvl3pPr marR="0" lvl="2" algn="l" rtl="0">
       <a:lnSpc>
         <a:spcPct val="100000"/>
       </a:lnSpc>
@@ -87,7 +87,7 @@
         <a:spcPts val="0"/>
       </a:spcAft>
       <a:buNone/>
-      <a:defRPr b="0" i="0" sz="1400" u="none" cap="none" strike="noStrike">
+      <a:defRPr sz="1400" b="0" i="0" u="none" strike="noStrike" cap="none">
         <a:solidFill>
           <a:srgbClr val="000000"/>
         </a:solidFill>
@@ -97,7 +97,7 @@
         <a:sym typeface="Arial"/>
       </a:defRPr>
     </a:lvl3pPr>
-    <a:lvl4pPr lvl="3" marR="0" rtl="0" algn="l">
+    <a:lvl4pPr marR="0" lvl="3" algn="l" rtl="0">
       <a:lnSpc>
         <a:spcPct val="100000"/>
       </a:lnSpc>
@@ -108,7 +108,7 @@
         <a:spcPts val="0"/>
       </a:spcAft>
       <a:buNone/>
-      <a:defRPr b="0" i="0" sz="1400" u="none" cap="none" strike="noStrike">
+      <a:defRPr sz="1400" b="0" i="0" u="none" strike="noStrike" cap="none">
         <a:solidFill>
           <a:srgbClr val="000000"/>
         </a:solidFill>
@@ -118,7 +118,7 @@
         <a:sym typeface="Arial"/>
       </a:defRPr>
     </a:lvl4pPr>
-    <a:lvl5pPr lvl="4" marR="0" rtl="0" algn="l">
+    <a:lvl5pPr marR="0" lvl="4" algn="l" rtl="0">
       <a:lnSpc>
         <a:spcPct val="100000"/>
       </a:lnSpc>
@@ -129,7 +129,7 @@
         <a:spcPts val="0"/>
       </a:spcAft>
       <a:buNone/>
-      <a:defRPr b="0" i="0" sz="1400" u="none" cap="none" strike="noStrike">
+      <a:defRPr sz="1400" b="0" i="0" u="none" strike="noStrike" cap="none">
         <a:solidFill>
           <a:srgbClr val="000000"/>
         </a:solidFill>
@@ -139,7 +139,7 @@
         <a:sym typeface="Arial"/>
       </a:defRPr>
     </a:lvl5pPr>
-    <a:lvl6pPr lvl="5" marR="0" rtl="0" algn="l">
+    <a:lvl6pPr marR="0" lvl="5" algn="l" rtl="0">
       <a:lnSpc>
         <a:spcPct val="100000"/>
       </a:lnSpc>
@@ -150,7 +150,7 @@
         <a:spcPts val="0"/>
       </a:spcAft>
       <a:buNone/>
-      <a:defRPr b="0" i="0" sz="1400" u="none" cap="none" strike="noStrike">
+      <a:defRPr sz="1400" b="0" i="0" u="none" strike="noStrike" cap="none">
         <a:solidFill>
           <a:srgbClr val="000000"/>
         </a:solidFill>
@@ -160,7 +160,7 @@
         <a:sym typeface="Arial"/>
       </a:defRPr>
     </a:lvl6pPr>
-    <a:lvl7pPr lvl="6" marR="0" rtl="0" algn="l">
+    <a:lvl7pPr marR="0" lvl="6" algn="l" rtl="0">
       <a:lnSpc>
         <a:spcPct val="100000"/>
       </a:lnSpc>
@@ -171,7 +171,7 @@
         <a:spcPts val="0"/>
       </a:spcAft>
       <a:buNone/>
-      <a:defRPr b="0" i="0" sz="1400" u="none" cap="none" strike="noStrike">
+      <a:defRPr sz="1400" b="0" i="0" u="none" strike="noStrike" cap="none">
         <a:solidFill>
           <a:srgbClr val="000000"/>
         </a:solidFill>
@@ -181,7 +181,7 @@
         <a:sym typeface="Arial"/>
       </a:defRPr>
     </a:lvl7pPr>
-    <a:lvl8pPr lvl="7" marR="0" rtl="0" algn="l">
+    <a:lvl8pPr marR="0" lvl="7" algn="l" rtl="0">
       <a:lnSpc>
         <a:spcPct val="100000"/>
       </a:lnSpc>
@@ -192,7 +192,7 @@
         <a:spcPts val="0"/>
       </a:spcAft>
       <a:buNone/>
-      <a:defRPr b="0" i="0" sz="1400" u="none" cap="none" strike="noStrike">
+      <a:defRPr sz="1400" b="0" i="0" u="none" strike="noStrike" cap="none">
         <a:solidFill>
           <a:srgbClr val="000000"/>
         </a:solidFill>
@@ -202,7 +202,7 @@
         <a:sym typeface="Arial"/>
       </a:defRPr>
     </a:lvl8pPr>
-    <a:lvl9pPr lvl="8" marR="0" rtl="0" algn="l">
+    <a:lvl9pPr marR="0" lvl="8" algn="l" rtl="0">
       <a:lnSpc>
         <a:spcPct val="100000"/>
       </a:lnSpc>
@@ -213,7 +213,7 @@
         <a:spcPts val="0"/>
       </a:spcAft>
       <a:buNone/>
-      <a:defRPr b="0" i="0" sz="1400" u="none" cap="none" strike="noStrike">
+      <a:defRPr sz="1400" b="0" i="0" u="none" strike="noStrike" cap="none">
         <a:solidFill>
           <a:srgbClr val="000000"/>
         </a:solidFill>
@@ -224,15 +224,29 @@
       </a:defRPr>
     </a:lvl9pPr>
   </p:defaultTextStyle>
+  <p:extLst>
+    <p:ext uri="{EFAFB233-063F-42B5-8137-9DF3F51BA10A}">
+      <p15:sldGuideLst xmlns:p15="http://schemas.microsoft.com/office/powerpoint/2012/main"/>
+    </p:ext>
+  </p:extLst>
 </p:presentation>
 </file>
 
+<file path=ppt/revisionInfo.xml><?xml version="1.0" encoding="utf-8"?>
+<p1510:revInfo xmlns:a="http://schemas.openxmlformats.org/drawingml/2006/main" xmlns:r="http://schemas.openxmlformats.org/officeDocument/2006/relationships" xmlns:p1510="http://schemas.microsoft.com/office/powerpoint/2015/10/main"/>
+</file>
+
 <file path=ppt/notesMasters/notesMaster1.xml><?xml version="1.0" encoding="utf-8"?>
-<p:notesMaster xmlns:a="http://schemas.openxmlformats.org/drawingml/2006/main" xmlns:r="http://schemas.openxmlformats.org/officeDocument/2006/relationships" xmlns:mc="http://schemas.openxmlformats.org/markup-compatibility/2006" xmlns:mv="urn:schemas-microsoft-com:mac:vml" xmlns:p="http://schemas.openxmlformats.org/presentationml/2006/main" xmlns:c="http://schemas.openxmlformats.org/drawingml/2006/chart" xmlns:dgm="http://schemas.openxmlformats.org/drawingml/2006/diagram" xmlns:o="urn:schemas-microsoft-com:office:office" xmlns:v="urn:schemas-microsoft-com:vml" xmlns:pvml="urn:schemas-microsoft-com:office:powerpoint" xmlns:com="http://schemas.openxmlformats.org/drawingml/2006/compatibility" xmlns:p14="http://schemas.microsoft.com/office/powerpoint/2010/main" xmlns:p15="http://schemas.microsoft.com/office/powerpoint/2012/main">
+<p:notesMaster xmlns:a="http://schemas.openxmlformats.org/drawingml/2006/main" xmlns:r="http://schemas.openxmlformats.org/officeDocument/2006/relationships" xmlns:p="http://schemas.openxmlformats.org/presentationml/2006/main">
   <p:cSld>
+    <p:bg>
+      <p:bgRef idx="1001">
+        <a:schemeClr val="bg1"/>
+      </p:bgRef>
+    </p:bg>
     <p:spTree>
       <p:nvGrpSpPr>
-        <p:cNvPr id="2" name="Shape 2"/>
+        <p:cNvPr id="1" name="Shape 2"/>
         <p:cNvGrpSpPr/>
         <p:nvPr/>
       </p:nvGrpSpPr>
@@ -247,9 +261,11 @@
       <p:sp>
         <p:nvSpPr>
           <p:cNvPr id="3" name="Shape 3"/>
-          <p:cNvSpPr/>
+          <p:cNvSpPr>
+            <a:spLocks noGrp="1" noRot="1" noChangeAspect="1"/>
+          </p:cNvSpPr>
           <p:nvPr>
-            <p:ph idx="2" type="sldImg"/>
+            <p:ph type="sldImg" idx="2"/>
           </p:nvPr>
         </p:nvSpPr>
         <p:spPr>
@@ -258,8 +274,13 @@
             <a:ext cx="6096075" cy="3429000"/>
           </a:xfrm>
           <a:custGeom>
+            <a:avLst/>
+            <a:gdLst/>
+            <a:ahLst/>
+            <a:cxnLst/>
+            <a:rect l="0" t="0" r="0" b="0"/>
             <a:pathLst>
-              <a:path extrusionOk="0" h="120000" w="120000">
+              <a:path w="120000" h="120000" extrusionOk="0">
                 <a:moveTo>
                   <a:pt x="0" y="0"/>
                 </a:moveTo>
@@ -277,23 +298,25 @@
             </a:pathLst>
           </a:custGeom>
           <a:noFill/>
-          <a:ln cap="flat" cmpd="sng" w="9525">
+          <a:ln w="9525" cap="flat" cmpd="sng">
             <a:solidFill>
               <a:srgbClr val="000000"/>
             </a:solidFill>
             <a:prstDash val="solid"/>
             <a:round/>
-            <a:headEnd len="med" w="med" type="none"/>
-            <a:tailEnd len="med" w="med" type="none"/>
+            <a:headEnd type="none" w="med" len="med"/>
+            <a:tailEnd type="none" w="med" len="med"/>
           </a:ln>
         </p:spPr>
       </p:sp>
       <p:sp>
         <p:nvSpPr>
           <p:cNvPr id="4" name="Shape 4"/>
-          <p:cNvSpPr txBox="1"/>
+          <p:cNvSpPr txBox="1">
+            <a:spLocks noGrp="1"/>
+          </p:cNvSpPr>
           <p:nvPr>
-            <p:ph idx="1" type="body"/>
+            <p:ph type="body" idx="1"/>
           </p:nvPr>
         </p:nvSpPr>
         <p:spPr>
@@ -310,7 +333,7 @@
           </a:ln>
         </p:spPr>
         <p:txBody>
-          <a:bodyPr anchorCtr="0" anchor="t" bIns="91425" lIns="91425" rIns="91425" wrap="square" tIns="91425"/>
+          <a:bodyPr wrap="square" lIns="91425" tIns="91425" rIns="91425" bIns="91425" anchor="t" anchorCtr="0"/>
           <a:lstStyle>
             <a:lvl1pPr lvl="0">
               <a:spcBef>
@@ -376,21 +399,115 @@
               <a:defRPr sz="1100"/>
             </a:lvl9pPr>
           </a:lstStyle>
-          <a:p/>
+          <a:p>
+            <a:endParaRPr/>
+          </a:p>
         </p:txBody>
       </p:sp>
     </p:spTree>
   </p:cSld>
-  <p:clrMap accent1="accent1" accent2="accent2" accent3="accent3" accent4="accent4" accent5="accent5" accent6="accent6" bg1="lt1" bg2="dk2" tx1="dk1" tx2="lt2" folHlink="folHlink" hlink="hlink"/>
+  <p:clrMap bg1="lt1" tx1="dk1" bg2="dk2" tx2="lt2" accent1="accent1" accent2="accent2" accent3="accent3" accent4="accent4" accent5="accent5" accent6="accent6" hlink="hlink" folHlink="folHlink"/>
+  <p:notesStyle>
+    <a:lvl1pPr marL="0" algn="l" defTabSz="914400" rtl="0" eaLnBrk="1" latinLnBrk="0" hangingPunct="1">
+      <a:defRPr sz="1200" kern="1200">
+        <a:solidFill>
+          <a:schemeClr val="tx1"/>
+        </a:solidFill>
+        <a:latin typeface="+mn-lt"/>
+        <a:ea typeface="+mn-ea"/>
+        <a:cs typeface="+mn-cs"/>
+      </a:defRPr>
+    </a:lvl1pPr>
+    <a:lvl2pPr marL="457200" algn="l" defTabSz="914400" rtl="0" eaLnBrk="1" latinLnBrk="0" hangingPunct="1">
+      <a:defRPr sz="1200" kern="1200">
+        <a:solidFill>
+          <a:schemeClr val="tx1"/>
+        </a:solidFill>
+        <a:latin typeface="+mn-lt"/>
+        <a:ea typeface="+mn-ea"/>
+        <a:cs typeface="+mn-cs"/>
+      </a:defRPr>
+    </a:lvl2pPr>
+    <a:lvl3pPr marL="914400" algn="l" defTabSz="914400" rtl="0" eaLnBrk="1" latinLnBrk="0" hangingPunct="1">
+      <a:defRPr sz="1200" kern="1200">
+        <a:solidFill>
+          <a:schemeClr val="tx1"/>
+        </a:solidFill>
+        <a:latin typeface="+mn-lt"/>
+        <a:ea typeface="+mn-ea"/>
+        <a:cs typeface="+mn-cs"/>
+      </a:defRPr>
+    </a:lvl3pPr>
+    <a:lvl4pPr marL="1371600" algn="l" defTabSz="914400" rtl="0" eaLnBrk="1" latinLnBrk="0" hangingPunct="1">
+      <a:defRPr sz="1200" kern="1200">
+        <a:solidFill>
+          <a:schemeClr val="tx1"/>
+        </a:solidFill>
+        <a:latin typeface="+mn-lt"/>
+        <a:ea typeface="+mn-ea"/>
+        <a:cs typeface="+mn-cs"/>
+      </a:defRPr>
+    </a:lvl4pPr>
+    <a:lvl5pPr marL="1828800" algn="l" defTabSz="914400" rtl="0" eaLnBrk="1" latinLnBrk="0" hangingPunct="1">
+      <a:defRPr sz="1200" kern="1200">
+        <a:solidFill>
+          <a:schemeClr val="tx1"/>
+        </a:solidFill>
+        <a:latin typeface="+mn-lt"/>
+        <a:ea typeface="+mn-ea"/>
+        <a:cs typeface="+mn-cs"/>
+      </a:defRPr>
+    </a:lvl5pPr>
+    <a:lvl6pPr marL="2286000" algn="l" defTabSz="914400" rtl="0" eaLnBrk="1" latinLnBrk="0" hangingPunct="1">
+      <a:defRPr sz="1200" kern="1200">
+        <a:solidFill>
+          <a:schemeClr val="tx1"/>
+        </a:solidFill>
+        <a:latin typeface="+mn-lt"/>
+        <a:ea typeface="+mn-ea"/>
+        <a:cs typeface="+mn-cs"/>
+      </a:defRPr>
+    </a:lvl6pPr>
+    <a:lvl7pPr marL="2743200" algn="l" defTabSz="914400" rtl="0" eaLnBrk="1" latinLnBrk="0" hangingPunct="1">
+      <a:defRPr sz="1200" kern="1200">
+        <a:solidFill>
+          <a:schemeClr val="tx1"/>
+        </a:solidFill>
+        <a:latin typeface="+mn-lt"/>
+        <a:ea typeface="+mn-ea"/>
+        <a:cs typeface="+mn-cs"/>
+      </a:defRPr>
+    </a:lvl7pPr>
+    <a:lvl8pPr marL="3200400" algn="l" defTabSz="914400" rtl="0" eaLnBrk="1" latinLnBrk="0" hangingPunct="1">
+      <a:defRPr sz="1200" kern="1200">
+        <a:solidFill>
+          <a:schemeClr val="tx1"/>
+        </a:solidFill>
+        <a:latin typeface="+mn-lt"/>
+        <a:ea typeface="+mn-ea"/>
+        <a:cs typeface="+mn-cs"/>
+      </a:defRPr>
+    </a:lvl8pPr>
+    <a:lvl9pPr marL="3657600" algn="l" defTabSz="914400" rtl="0" eaLnBrk="1" latinLnBrk="0" hangingPunct="1">
+      <a:defRPr sz="1200" kern="1200">
+        <a:solidFill>
+          <a:schemeClr val="tx1"/>
+        </a:solidFill>
+        <a:latin typeface="+mn-lt"/>
+        <a:ea typeface="+mn-ea"/>
+        <a:cs typeface="+mn-cs"/>
+      </a:defRPr>
+    </a:lvl9pPr>
+  </p:notesStyle>
 </p:notesMaster>
 </file>
 
 <file path=ppt/notesSlides/notesSlide1.xml><?xml version="1.0" encoding="utf-8"?>
-<p:notes xmlns:a="http://schemas.openxmlformats.org/drawingml/2006/main" xmlns:r="http://schemas.openxmlformats.org/officeDocument/2006/relationships" xmlns:mc="http://schemas.openxmlformats.org/markup-compatibility/2006" xmlns:mv="urn:schemas-microsoft-com:mac:vml" xmlns:p="http://schemas.openxmlformats.org/presentationml/2006/main" xmlns:c="http://schemas.openxmlformats.org/drawingml/2006/chart" xmlns:dgm="http://schemas.openxmlformats.org/drawingml/2006/diagram" xmlns:o="urn:schemas-microsoft-com:office:office" xmlns:v="urn:schemas-microsoft-com:vml" xmlns:pvml="urn:schemas-microsoft-com:office:powerpoint" xmlns:com="http://schemas.openxmlformats.org/drawingml/2006/compatibility" xmlns:p14="http://schemas.microsoft.com/office/powerpoint/2010/main" xmlns:p15="http://schemas.microsoft.com/office/powerpoint/2012/main" showMasterPhAnim="0" showMasterSp="0">
+<p:notes xmlns:a="http://schemas.openxmlformats.org/drawingml/2006/main" xmlns:r="http://schemas.openxmlformats.org/officeDocument/2006/relationships" xmlns:p="http://schemas.openxmlformats.org/presentationml/2006/main" showMasterSp="0" showMasterPhAnim="0">
   <p:cSld>
     <p:spTree>
       <p:nvGrpSpPr>
-        <p:cNvPr id="52" name="Shape 52"/>
+        <p:cNvPr id="1" name="Shape 52"/>
         <p:cNvGrpSpPr/>
         <p:nvPr/>
       </p:nvGrpSpPr>
@@ -405,19 +522,26 @@
       <p:sp>
         <p:nvSpPr>
           <p:cNvPr id="53" name="Shape 53"/>
-          <p:cNvSpPr/>
+          <p:cNvSpPr>
+            <a:spLocks noGrp="1" noRot="1" noChangeAspect="1"/>
+          </p:cNvSpPr>
           <p:nvPr>
-            <p:ph idx="2" type="sldImg"/>
+            <p:ph type="sldImg" idx="2"/>
           </p:nvPr>
         </p:nvSpPr>
         <p:spPr>
           <a:xfrm>
-            <a:off x="381300" y="685800"/>
-            <a:ext cx="6096075" cy="3429000"/>
+            <a:off x="381000" y="685800"/>
+            <a:ext cx="6096000" cy="3429000"/>
           </a:xfrm>
           <a:custGeom>
+            <a:avLst/>
+            <a:gdLst/>
+            <a:ahLst/>
+            <a:cxnLst/>
+            <a:rect l="0" t="0" r="0" b="0"/>
             <a:pathLst>
-              <a:path extrusionOk="0" h="120000" w="120000">
+              <a:path w="120000" h="120000" extrusionOk="0">
                 <a:moveTo>
                   <a:pt x="0" y="0"/>
                 </a:moveTo>
@@ -439,9 +563,11 @@
       <p:sp>
         <p:nvSpPr>
           <p:cNvPr id="54" name="Shape 54"/>
-          <p:cNvSpPr txBox="1"/>
+          <p:cNvSpPr txBox="1">
+            <a:spLocks noGrp="1"/>
+          </p:cNvSpPr>
           <p:nvPr>
-            <p:ph idx="1" type="body"/>
+            <p:ph type="body" idx="1"/>
           </p:nvPr>
         </p:nvSpPr>
         <p:spPr>
@@ -454,7 +580,7 @@
           </a:prstGeom>
         </p:spPr>
         <p:txBody>
-          <a:bodyPr anchorCtr="0" anchor="t" bIns="91425" lIns="91425" rIns="91425" wrap="square" tIns="91425">
+          <a:bodyPr wrap="square" lIns="91425" tIns="91425" rIns="91425" bIns="91425" anchor="t" anchorCtr="0">
             <a:noAutofit/>
           </a:bodyPr>
           <a:lstStyle/>
@@ -465,9 +591,6 @@
               </a:spcBef>
               <a:buNone/>
             </a:pPr>
-            <a:r>
-              <a:t/>
-            </a:r>
             <a:endParaRPr/>
           </a:p>
         </p:txBody>
@@ -481,11 +604,11 @@
 </file>
 
 <file path=ppt/notesSlides/notesSlide10.xml><?xml version="1.0" encoding="utf-8"?>
-<p:notes xmlns:a="http://schemas.openxmlformats.org/drawingml/2006/main" xmlns:r="http://schemas.openxmlformats.org/officeDocument/2006/relationships" xmlns:mc="http://schemas.openxmlformats.org/markup-compatibility/2006" xmlns:mv="urn:schemas-microsoft-com:mac:vml" xmlns:p="http://schemas.openxmlformats.org/presentationml/2006/main" xmlns:c="http://schemas.openxmlformats.org/drawingml/2006/chart" xmlns:dgm="http://schemas.openxmlformats.org/drawingml/2006/diagram" xmlns:o="urn:schemas-microsoft-com:office:office" xmlns:v="urn:schemas-microsoft-com:vml" xmlns:pvml="urn:schemas-microsoft-com:office:powerpoint" xmlns:com="http://schemas.openxmlformats.org/drawingml/2006/compatibility" xmlns:p14="http://schemas.microsoft.com/office/powerpoint/2010/main" xmlns:p15="http://schemas.microsoft.com/office/powerpoint/2012/main" showMasterPhAnim="0" showMasterSp="0">
+<p:notes xmlns:a="http://schemas.openxmlformats.org/drawingml/2006/main" xmlns:r="http://schemas.openxmlformats.org/officeDocument/2006/relationships" xmlns:p="http://schemas.openxmlformats.org/presentationml/2006/main" showMasterSp="0" showMasterPhAnim="0">
   <p:cSld>
     <p:spTree>
       <p:nvGrpSpPr>
-        <p:cNvPr id="108" name="Shape 108"/>
+        <p:cNvPr id="1" name="Shape 108"/>
         <p:cNvGrpSpPr/>
         <p:nvPr/>
       </p:nvGrpSpPr>
@@ -500,19 +623,26 @@
       <p:sp>
         <p:nvSpPr>
           <p:cNvPr id="109" name="Shape 109"/>
-          <p:cNvSpPr/>
+          <p:cNvSpPr>
+            <a:spLocks noGrp="1" noRot="1" noChangeAspect="1"/>
+          </p:cNvSpPr>
           <p:nvPr>
-            <p:ph idx="2" type="sldImg"/>
+            <p:ph type="sldImg" idx="2"/>
           </p:nvPr>
         </p:nvSpPr>
         <p:spPr>
           <a:xfrm>
-            <a:off x="381300" y="685800"/>
+            <a:off x="381000" y="685800"/>
             <a:ext cx="6096000" cy="3429000"/>
           </a:xfrm>
           <a:custGeom>
+            <a:avLst/>
+            <a:gdLst/>
+            <a:ahLst/>
+            <a:cxnLst/>
+            <a:rect l="0" t="0" r="0" b="0"/>
             <a:pathLst>
-              <a:path extrusionOk="0" h="120000" w="120000">
+              <a:path w="120000" h="120000" extrusionOk="0">
                 <a:moveTo>
                   <a:pt x="0" y="0"/>
                 </a:moveTo>
@@ -534,9 +664,11 @@
       <p:sp>
         <p:nvSpPr>
           <p:cNvPr id="110" name="Shape 110"/>
-          <p:cNvSpPr txBox="1"/>
+          <p:cNvSpPr txBox="1">
+            <a:spLocks noGrp="1"/>
+          </p:cNvSpPr>
           <p:nvPr>
-            <p:ph idx="1" type="body"/>
+            <p:ph type="body" idx="1"/>
           </p:nvPr>
         </p:nvSpPr>
         <p:spPr>
@@ -549,7 +681,7 @@
           </a:prstGeom>
         </p:spPr>
         <p:txBody>
-          <a:bodyPr anchorCtr="0" anchor="t" bIns="91425" lIns="91425" rIns="91425" wrap="square" tIns="91425">
+          <a:bodyPr wrap="square" lIns="91425" tIns="91425" rIns="91425" bIns="91425" anchor="t" anchorCtr="0">
             <a:noAutofit/>
           </a:bodyPr>
           <a:lstStyle/>
@@ -560,9 +692,6 @@
               </a:spcBef>
               <a:buNone/>
             </a:pPr>
-            <a:r>
-              <a:t/>
-            </a:r>
             <a:endParaRPr/>
           </a:p>
         </p:txBody>
@@ -576,11 +705,11 @@
 </file>
 
 <file path=ppt/notesSlides/notesSlide11.xml><?xml version="1.0" encoding="utf-8"?>
-<p:notes xmlns:a="http://schemas.openxmlformats.org/drawingml/2006/main" xmlns:r="http://schemas.openxmlformats.org/officeDocument/2006/relationships" xmlns:mc="http://schemas.openxmlformats.org/markup-compatibility/2006" xmlns:mv="urn:schemas-microsoft-com:mac:vml" xmlns:p="http://schemas.openxmlformats.org/presentationml/2006/main" xmlns:c="http://schemas.openxmlformats.org/drawingml/2006/chart" xmlns:dgm="http://schemas.openxmlformats.org/drawingml/2006/diagram" xmlns:o="urn:schemas-microsoft-com:office:office" xmlns:v="urn:schemas-microsoft-com:vml" xmlns:pvml="urn:schemas-microsoft-com:office:powerpoint" xmlns:com="http://schemas.openxmlformats.org/drawingml/2006/compatibility" xmlns:p14="http://schemas.microsoft.com/office/powerpoint/2010/main" xmlns:p15="http://schemas.microsoft.com/office/powerpoint/2012/main" showMasterPhAnim="0" showMasterSp="0">
+<p:notes xmlns:a="http://schemas.openxmlformats.org/drawingml/2006/main" xmlns:r="http://schemas.openxmlformats.org/officeDocument/2006/relationships" xmlns:p="http://schemas.openxmlformats.org/presentationml/2006/main" showMasterSp="0" showMasterPhAnim="0">
   <p:cSld>
     <p:spTree>
       <p:nvGrpSpPr>
-        <p:cNvPr id="114" name="Shape 114"/>
+        <p:cNvPr id="1" name="Shape 114"/>
         <p:cNvGrpSpPr/>
         <p:nvPr/>
       </p:nvGrpSpPr>
@@ -595,19 +724,26 @@
       <p:sp>
         <p:nvSpPr>
           <p:cNvPr id="115" name="Shape 115"/>
-          <p:cNvSpPr/>
+          <p:cNvSpPr>
+            <a:spLocks noGrp="1" noRot="1" noChangeAspect="1"/>
+          </p:cNvSpPr>
           <p:nvPr>
-            <p:ph idx="2" type="sldImg"/>
+            <p:ph type="sldImg" idx="2"/>
           </p:nvPr>
         </p:nvSpPr>
         <p:spPr>
           <a:xfrm>
-            <a:off x="381300" y="685800"/>
+            <a:off x="381000" y="685800"/>
             <a:ext cx="6096000" cy="3429000"/>
           </a:xfrm>
           <a:custGeom>
+            <a:avLst/>
+            <a:gdLst/>
+            <a:ahLst/>
+            <a:cxnLst/>
+            <a:rect l="0" t="0" r="0" b="0"/>
             <a:pathLst>
-              <a:path extrusionOk="0" h="120000" w="120000">
+              <a:path w="120000" h="120000" extrusionOk="0">
                 <a:moveTo>
                   <a:pt x="0" y="0"/>
                 </a:moveTo>
@@ -629,9 +765,11 @@
       <p:sp>
         <p:nvSpPr>
           <p:cNvPr id="116" name="Shape 116"/>
-          <p:cNvSpPr txBox="1"/>
+          <p:cNvSpPr txBox="1">
+            <a:spLocks noGrp="1"/>
+          </p:cNvSpPr>
           <p:nvPr>
-            <p:ph idx="1" type="body"/>
+            <p:ph type="body" idx="1"/>
           </p:nvPr>
         </p:nvSpPr>
         <p:spPr>
@@ -644,7 +782,7 @@
           </a:prstGeom>
         </p:spPr>
         <p:txBody>
-          <a:bodyPr anchorCtr="0" anchor="t" bIns="91425" lIns="91425" rIns="91425" wrap="square" tIns="91425">
+          <a:bodyPr wrap="square" lIns="91425" tIns="91425" rIns="91425" bIns="91425" anchor="t" anchorCtr="0">
             <a:noAutofit/>
           </a:bodyPr>
           <a:lstStyle/>
@@ -655,9 +793,6 @@
               </a:spcBef>
               <a:buNone/>
             </a:pPr>
-            <a:r>
-              <a:t/>
-            </a:r>
             <a:endParaRPr/>
           </a:p>
         </p:txBody>
@@ -671,11 +806,11 @@
 </file>
 
 <file path=ppt/notesSlides/notesSlide2.xml><?xml version="1.0" encoding="utf-8"?>
-<p:notes xmlns:a="http://schemas.openxmlformats.org/drawingml/2006/main" xmlns:r="http://schemas.openxmlformats.org/officeDocument/2006/relationships" xmlns:mc="http://schemas.openxmlformats.org/markup-compatibility/2006" xmlns:mv="urn:schemas-microsoft-com:mac:vml" xmlns:p="http://schemas.openxmlformats.org/presentationml/2006/main" xmlns:c="http://schemas.openxmlformats.org/drawingml/2006/chart" xmlns:dgm="http://schemas.openxmlformats.org/drawingml/2006/diagram" xmlns:o="urn:schemas-microsoft-com:office:office" xmlns:v="urn:schemas-microsoft-com:vml" xmlns:pvml="urn:schemas-microsoft-com:office:powerpoint" xmlns:com="http://schemas.openxmlformats.org/drawingml/2006/compatibility" xmlns:p14="http://schemas.microsoft.com/office/powerpoint/2010/main" xmlns:p15="http://schemas.microsoft.com/office/powerpoint/2012/main" showMasterPhAnim="0" showMasterSp="0">
+<p:notes xmlns:a="http://schemas.openxmlformats.org/drawingml/2006/main" xmlns:r="http://schemas.openxmlformats.org/officeDocument/2006/relationships" xmlns:p="http://schemas.openxmlformats.org/presentationml/2006/main" showMasterSp="0" showMasterPhAnim="0">
   <p:cSld>
     <p:spTree>
       <p:nvGrpSpPr>
-        <p:cNvPr id="60" name="Shape 60"/>
+        <p:cNvPr id="1" name="Shape 60"/>
         <p:cNvGrpSpPr/>
         <p:nvPr/>
       </p:nvGrpSpPr>
@@ -690,19 +825,26 @@
       <p:sp>
         <p:nvSpPr>
           <p:cNvPr id="61" name="Shape 61"/>
-          <p:cNvSpPr/>
+          <p:cNvSpPr>
+            <a:spLocks noGrp="1" noRot="1" noChangeAspect="1"/>
+          </p:cNvSpPr>
           <p:nvPr>
-            <p:ph idx="2" type="sldImg"/>
+            <p:ph type="sldImg" idx="2"/>
           </p:nvPr>
         </p:nvSpPr>
         <p:spPr>
           <a:xfrm>
-            <a:off x="381300" y="685800"/>
+            <a:off x="381000" y="685800"/>
             <a:ext cx="6096000" cy="3429000"/>
           </a:xfrm>
           <a:custGeom>
+            <a:avLst/>
+            <a:gdLst/>
+            <a:ahLst/>
+            <a:cxnLst/>
+            <a:rect l="0" t="0" r="0" b="0"/>
             <a:pathLst>
-              <a:path extrusionOk="0" h="120000" w="120000">
+              <a:path w="120000" h="120000" extrusionOk="0">
                 <a:moveTo>
                   <a:pt x="0" y="0"/>
                 </a:moveTo>
@@ -724,9 +866,11 @@
       <p:sp>
         <p:nvSpPr>
           <p:cNvPr id="62" name="Shape 62"/>
-          <p:cNvSpPr txBox="1"/>
+          <p:cNvSpPr txBox="1">
+            <a:spLocks noGrp="1"/>
+          </p:cNvSpPr>
           <p:nvPr>
-            <p:ph idx="1" type="body"/>
+            <p:ph type="body" idx="1"/>
           </p:nvPr>
         </p:nvSpPr>
         <p:spPr>
@@ -739,7 +883,7 @@
           </a:prstGeom>
         </p:spPr>
         <p:txBody>
-          <a:bodyPr anchorCtr="0" anchor="t" bIns="91425" lIns="91425" rIns="91425" wrap="square" tIns="91425">
+          <a:bodyPr wrap="square" lIns="91425" tIns="91425" rIns="91425" bIns="91425" anchor="t" anchorCtr="0">
             <a:noAutofit/>
           </a:bodyPr>
           <a:lstStyle/>
@@ -750,9 +894,6 @@
               </a:spcBef>
               <a:buNone/>
             </a:pPr>
-            <a:r>
-              <a:t/>
-            </a:r>
             <a:endParaRPr/>
           </a:p>
         </p:txBody>
@@ -766,11 +907,11 @@
 </file>
 
 <file path=ppt/notesSlides/notesSlide3.xml><?xml version="1.0" encoding="utf-8"?>
-<p:notes xmlns:a="http://schemas.openxmlformats.org/drawingml/2006/main" xmlns:r="http://schemas.openxmlformats.org/officeDocument/2006/relationships" xmlns:mc="http://schemas.openxmlformats.org/markup-compatibility/2006" xmlns:mv="urn:schemas-microsoft-com:mac:vml" xmlns:p="http://schemas.openxmlformats.org/presentationml/2006/main" xmlns:c="http://schemas.openxmlformats.org/drawingml/2006/chart" xmlns:dgm="http://schemas.openxmlformats.org/drawingml/2006/diagram" xmlns:o="urn:schemas-microsoft-com:office:office" xmlns:v="urn:schemas-microsoft-com:vml" xmlns:pvml="urn:schemas-microsoft-com:office:powerpoint" xmlns:com="http://schemas.openxmlformats.org/drawingml/2006/compatibility" xmlns:p14="http://schemas.microsoft.com/office/powerpoint/2010/main" xmlns:p15="http://schemas.microsoft.com/office/powerpoint/2012/main" showMasterPhAnim="0" showMasterSp="0">
+<p:notes xmlns:a="http://schemas.openxmlformats.org/drawingml/2006/main" xmlns:r="http://schemas.openxmlformats.org/officeDocument/2006/relationships" xmlns:p="http://schemas.openxmlformats.org/presentationml/2006/main" showMasterSp="0" showMasterPhAnim="0">
   <p:cSld>
     <p:spTree>
       <p:nvGrpSpPr>
-        <p:cNvPr id="66" name="Shape 66"/>
+        <p:cNvPr id="1" name="Shape 66"/>
         <p:cNvGrpSpPr/>
         <p:nvPr/>
       </p:nvGrpSpPr>
@@ -785,19 +926,26 @@
       <p:sp>
         <p:nvSpPr>
           <p:cNvPr id="67" name="Shape 67"/>
-          <p:cNvSpPr/>
+          <p:cNvSpPr>
+            <a:spLocks noGrp="1" noRot="1" noChangeAspect="1"/>
+          </p:cNvSpPr>
           <p:nvPr>
-            <p:ph idx="2" type="sldImg"/>
+            <p:ph type="sldImg" idx="2"/>
           </p:nvPr>
         </p:nvSpPr>
         <p:spPr>
           <a:xfrm>
-            <a:off x="381300" y="685800"/>
+            <a:off x="381000" y="685800"/>
             <a:ext cx="6096000" cy="3429000"/>
           </a:xfrm>
           <a:custGeom>
+            <a:avLst/>
+            <a:gdLst/>
+            <a:ahLst/>
+            <a:cxnLst/>
+            <a:rect l="0" t="0" r="0" b="0"/>
             <a:pathLst>
-              <a:path extrusionOk="0" h="120000" w="120000">
+              <a:path w="120000" h="120000" extrusionOk="0">
                 <a:moveTo>
                   <a:pt x="0" y="0"/>
                 </a:moveTo>
@@ -819,9 +967,11 @@
       <p:sp>
         <p:nvSpPr>
           <p:cNvPr id="68" name="Shape 68"/>
-          <p:cNvSpPr txBox="1"/>
+          <p:cNvSpPr txBox="1">
+            <a:spLocks noGrp="1"/>
+          </p:cNvSpPr>
           <p:nvPr>
-            <p:ph idx="1" type="body"/>
+            <p:ph type="body" idx="1"/>
           </p:nvPr>
         </p:nvSpPr>
         <p:spPr>
@@ -834,7 +984,7 @@
           </a:prstGeom>
         </p:spPr>
         <p:txBody>
-          <a:bodyPr anchorCtr="0" anchor="t" bIns="91425" lIns="91425" rIns="91425" wrap="square" tIns="91425">
+          <a:bodyPr wrap="square" lIns="91425" tIns="91425" rIns="91425" bIns="91425" anchor="t" anchorCtr="0">
             <a:noAutofit/>
           </a:bodyPr>
           <a:lstStyle/>
@@ -861,11 +1011,11 @@
 </file>
 
 <file path=ppt/notesSlides/notesSlide4.xml><?xml version="1.0" encoding="utf-8"?>
-<p:notes xmlns:a="http://schemas.openxmlformats.org/drawingml/2006/main" xmlns:r="http://schemas.openxmlformats.org/officeDocument/2006/relationships" xmlns:mc="http://schemas.openxmlformats.org/markup-compatibility/2006" xmlns:mv="urn:schemas-microsoft-com:mac:vml" xmlns:p="http://schemas.openxmlformats.org/presentationml/2006/main" xmlns:c="http://schemas.openxmlformats.org/drawingml/2006/chart" xmlns:dgm="http://schemas.openxmlformats.org/drawingml/2006/diagram" xmlns:o="urn:schemas-microsoft-com:office:office" xmlns:v="urn:schemas-microsoft-com:vml" xmlns:pvml="urn:schemas-microsoft-com:office:powerpoint" xmlns:com="http://schemas.openxmlformats.org/drawingml/2006/compatibility" xmlns:p14="http://schemas.microsoft.com/office/powerpoint/2010/main" xmlns:p15="http://schemas.microsoft.com/office/powerpoint/2012/main" showMasterPhAnim="0" showMasterSp="0">
+<p:notes xmlns:a="http://schemas.openxmlformats.org/drawingml/2006/main" xmlns:r="http://schemas.openxmlformats.org/officeDocument/2006/relationships" xmlns:p="http://schemas.openxmlformats.org/presentationml/2006/main" showMasterSp="0" showMasterPhAnim="0">
   <p:cSld>
     <p:spTree>
       <p:nvGrpSpPr>
-        <p:cNvPr id="72" name="Shape 72"/>
+        <p:cNvPr id="1" name="Shape 72"/>
         <p:cNvGrpSpPr/>
         <p:nvPr/>
       </p:nvGrpSpPr>
@@ -880,19 +1030,26 @@
       <p:sp>
         <p:nvSpPr>
           <p:cNvPr id="73" name="Shape 73"/>
-          <p:cNvSpPr/>
+          <p:cNvSpPr>
+            <a:spLocks noGrp="1" noRot="1" noChangeAspect="1"/>
+          </p:cNvSpPr>
           <p:nvPr>
-            <p:ph idx="2" type="sldImg"/>
+            <p:ph type="sldImg" idx="2"/>
           </p:nvPr>
         </p:nvSpPr>
         <p:spPr>
           <a:xfrm>
-            <a:off x="381300" y="685800"/>
+            <a:off x="381000" y="685800"/>
             <a:ext cx="6096000" cy="3429000"/>
           </a:xfrm>
           <a:custGeom>
+            <a:avLst/>
+            <a:gdLst/>
+            <a:ahLst/>
+            <a:cxnLst/>
+            <a:rect l="0" t="0" r="0" b="0"/>
             <a:pathLst>
-              <a:path extrusionOk="0" h="120000" w="120000">
+              <a:path w="120000" h="120000" extrusionOk="0">
                 <a:moveTo>
                   <a:pt x="0" y="0"/>
                 </a:moveTo>
@@ -914,9 +1071,11 @@
       <p:sp>
         <p:nvSpPr>
           <p:cNvPr id="74" name="Shape 74"/>
-          <p:cNvSpPr txBox="1"/>
+          <p:cNvSpPr txBox="1">
+            <a:spLocks noGrp="1"/>
+          </p:cNvSpPr>
           <p:nvPr>
-            <p:ph idx="1" type="body"/>
+            <p:ph type="body" idx="1"/>
           </p:nvPr>
         </p:nvSpPr>
         <p:spPr>
@@ -929,7 +1088,7 @@
           </a:prstGeom>
         </p:spPr>
         <p:txBody>
-          <a:bodyPr anchorCtr="0" anchor="t" bIns="91425" lIns="91425" rIns="91425" wrap="square" tIns="91425">
+          <a:bodyPr wrap="square" lIns="91425" tIns="91425" rIns="91425" bIns="91425" anchor="t" anchorCtr="0">
             <a:noAutofit/>
           </a:bodyPr>
           <a:lstStyle/>
@@ -956,11 +1115,11 @@
 </file>
 
 <file path=ppt/notesSlides/notesSlide5.xml><?xml version="1.0" encoding="utf-8"?>
-<p:notes xmlns:a="http://schemas.openxmlformats.org/drawingml/2006/main" xmlns:r="http://schemas.openxmlformats.org/officeDocument/2006/relationships" xmlns:mc="http://schemas.openxmlformats.org/markup-compatibility/2006" xmlns:mv="urn:schemas-microsoft-com:mac:vml" xmlns:p="http://schemas.openxmlformats.org/presentationml/2006/main" xmlns:c="http://schemas.openxmlformats.org/drawingml/2006/chart" xmlns:dgm="http://schemas.openxmlformats.org/drawingml/2006/diagram" xmlns:o="urn:schemas-microsoft-com:office:office" xmlns:v="urn:schemas-microsoft-com:vml" xmlns:pvml="urn:schemas-microsoft-com:office:powerpoint" xmlns:com="http://schemas.openxmlformats.org/drawingml/2006/compatibility" xmlns:p14="http://schemas.microsoft.com/office/powerpoint/2010/main" xmlns:p15="http://schemas.microsoft.com/office/powerpoint/2012/main" showMasterPhAnim="0" showMasterSp="0">
+<p:notes xmlns:a="http://schemas.openxmlformats.org/drawingml/2006/main" xmlns:r="http://schemas.openxmlformats.org/officeDocument/2006/relationships" xmlns:p="http://schemas.openxmlformats.org/presentationml/2006/main" showMasterSp="0" showMasterPhAnim="0">
   <p:cSld>
     <p:spTree>
       <p:nvGrpSpPr>
-        <p:cNvPr id="78" name="Shape 78"/>
+        <p:cNvPr id="1" name="Shape 78"/>
         <p:cNvGrpSpPr/>
         <p:nvPr/>
       </p:nvGrpSpPr>
@@ -975,19 +1134,26 @@
       <p:sp>
         <p:nvSpPr>
           <p:cNvPr id="79" name="Shape 79"/>
-          <p:cNvSpPr/>
+          <p:cNvSpPr>
+            <a:spLocks noGrp="1" noRot="1" noChangeAspect="1"/>
+          </p:cNvSpPr>
           <p:nvPr>
-            <p:ph idx="2" type="sldImg"/>
+            <p:ph type="sldImg" idx="2"/>
           </p:nvPr>
         </p:nvSpPr>
         <p:spPr>
           <a:xfrm>
-            <a:off x="381300" y="685800"/>
+            <a:off x="381000" y="685800"/>
             <a:ext cx="6096000" cy="3429000"/>
           </a:xfrm>
           <a:custGeom>
+            <a:avLst/>
+            <a:gdLst/>
+            <a:ahLst/>
+            <a:cxnLst/>
+            <a:rect l="0" t="0" r="0" b="0"/>
             <a:pathLst>
-              <a:path extrusionOk="0" h="120000" w="120000">
+              <a:path w="120000" h="120000" extrusionOk="0">
                 <a:moveTo>
                   <a:pt x="0" y="0"/>
                 </a:moveTo>
@@ -1009,9 +1175,11 @@
       <p:sp>
         <p:nvSpPr>
           <p:cNvPr id="80" name="Shape 80"/>
-          <p:cNvSpPr txBox="1"/>
+          <p:cNvSpPr txBox="1">
+            <a:spLocks noGrp="1"/>
+          </p:cNvSpPr>
           <p:nvPr>
-            <p:ph idx="1" type="body"/>
+            <p:ph type="body" idx="1"/>
           </p:nvPr>
         </p:nvSpPr>
         <p:spPr>
@@ -1024,7 +1192,7 @@
           </a:prstGeom>
         </p:spPr>
         <p:txBody>
-          <a:bodyPr anchorCtr="0" anchor="t" bIns="91425" lIns="91425" rIns="91425" wrap="square" tIns="91425">
+          <a:bodyPr wrap="square" lIns="91425" tIns="91425" rIns="91425" bIns="91425" anchor="t" anchorCtr="0">
             <a:noAutofit/>
           </a:bodyPr>
           <a:lstStyle/>
@@ -1051,11 +1219,11 @@
 </file>
 
 <file path=ppt/notesSlides/notesSlide6.xml><?xml version="1.0" encoding="utf-8"?>
-<p:notes xmlns:a="http://schemas.openxmlformats.org/drawingml/2006/main" xmlns:r="http://schemas.openxmlformats.org/officeDocument/2006/relationships" xmlns:mc="http://schemas.openxmlformats.org/markup-compatibility/2006" xmlns:mv="urn:schemas-microsoft-com:mac:vml" xmlns:p="http://schemas.openxmlformats.org/presentationml/2006/main" xmlns:c="http://schemas.openxmlformats.org/drawingml/2006/chart" xmlns:dgm="http://schemas.openxmlformats.org/drawingml/2006/diagram" xmlns:o="urn:schemas-microsoft-com:office:office" xmlns:v="urn:schemas-microsoft-com:vml" xmlns:pvml="urn:schemas-microsoft-com:office:powerpoint" xmlns:com="http://schemas.openxmlformats.org/drawingml/2006/compatibility" xmlns:p14="http://schemas.microsoft.com/office/powerpoint/2010/main" xmlns:p15="http://schemas.microsoft.com/office/powerpoint/2012/main" showMasterPhAnim="0" showMasterSp="0">
+<p:notes xmlns:a="http://schemas.openxmlformats.org/drawingml/2006/main" xmlns:r="http://schemas.openxmlformats.org/officeDocument/2006/relationships" xmlns:p="http://schemas.openxmlformats.org/presentationml/2006/main" showMasterSp="0" showMasterPhAnim="0">
   <p:cSld>
     <p:spTree>
       <p:nvGrpSpPr>
-        <p:cNvPr id="84" name="Shape 84"/>
+        <p:cNvPr id="1" name="Shape 84"/>
         <p:cNvGrpSpPr/>
         <p:nvPr/>
       </p:nvGrpSpPr>
@@ -1070,19 +1238,26 @@
       <p:sp>
         <p:nvSpPr>
           <p:cNvPr id="85" name="Shape 85"/>
-          <p:cNvSpPr/>
+          <p:cNvSpPr>
+            <a:spLocks noGrp="1" noRot="1" noChangeAspect="1"/>
+          </p:cNvSpPr>
           <p:nvPr>
-            <p:ph idx="2" type="sldImg"/>
+            <p:ph type="sldImg" idx="2"/>
           </p:nvPr>
         </p:nvSpPr>
         <p:spPr>
           <a:xfrm>
-            <a:off x="381300" y="685800"/>
+            <a:off x="381000" y="685800"/>
             <a:ext cx="6096000" cy="3429000"/>
           </a:xfrm>
           <a:custGeom>
+            <a:avLst/>
+            <a:gdLst/>
+            <a:ahLst/>
+            <a:cxnLst/>
+            <a:rect l="0" t="0" r="0" b="0"/>
             <a:pathLst>
-              <a:path extrusionOk="0" h="120000" w="120000">
+              <a:path w="120000" h="120000" extrusionOk="0">
                 <a:moveTo>
                   <a:pt x="0" y="0"/>
                 </a:moveTo>
@@ -1104,9 +1279,11 @@
       <p:sp>
         <p:nvSpPr>
           <p:cNvPr id="86" name="Shape 86"/>
-          <p:cNvSpPr txBox="1"/>
+          <p:cNvSpPr txBox="1">
+            <a:spLocks noGrp="1"/>
+          </p:cNvSpPr>
           <p:nvPr>
-            <p:ph idx="1" type="body"/>
+            <p:ph type="body" idx="1"/>
           </p:nvPr>
         </p:nvSpPr>
         <p:spPr>
@@ -1119,7 +1296,7 @@
           </a:prstGeom>
         </p:spPr>
         <p:txBody>
-          <a:bodyPr anchorCtr="0" anchor="t" bIns="91425" lIns="91425" rIns="91425" wrap="square" tIns="91425">
+          <a:bodyPr wrap="square" lIns="91425" tIns="91425" rIns="91425" bIns="91425" anchor="t" anchorCtr="0">
             <a:noAutofit/>
           </a:bodyPr>
           <a:lstStyle/>
@@ -1146,11 +1323,11 @@
 </file>
 
 <file path=ppt/notesSlides/notesSlide7.xml><?xml version="1.0" encoding="utf-8"?>
-<p:notes xmlns:a="http://schemas.openxmlformats.org/drawingml/2006/main" xmlns:r="http://schemas.openxmlformats.org/officeDocument/2006/relationships" xmlns:mc="http://schemas.openxmlformats.org/markup-compatibility/2006" xmlns:mv="urn:schemas-microsoft-com:mac:vml" xmlns:p="http://schemas.openxmlformats.org/presentationml/2006/main" xmlns:c="http://schemas.openxmlformats.org/drawingml/2006/chart" xmlns:dgm="http://schemas.openxmlformats.org/drawingml/2006/diagram" xmlns:o="urn:schemas-microsoft-com:office:office" xmlns:v="urn:schemas-microsoft-com:vml" xmlns:pvml="urn:schemas-microsoft-com:office:powerpoint" xmlns:com="http://schemas.openxmlformats.org/drawingml/2006/compatibility" xmlns:p14="http://schemas.microsoft.com/office/powerpoint/2010/main" xmlns:p15="http://schemas.microsoft.com/office/powerpoint/2012/main" showMasterPhAnim="0" showMasterSp="0">
+<p:notes xmlns:a="http://schemas.openxmlformats.org/drawingml/2006/main" xmlns:r="http://schemas.openxmlformats.org/officeDocument/2006/relationships" xmlns:p="http://schemas.openxmlformats.org/presentationml/2006/main" showMasterSp="0" showMasterPhAnim="0">
   <p:cSld>
     <p:spTree>
       <p:nvGrpSpPr>
-        <p:cNvPr id="90" name="Shape 90"/>
+        <p:cNvPr id="1" name="Shape 90"/>
         <p:cNvGrpSpPr/>
         <p:nvPr/>
       </p:nvGrpSpPr>
@@ -1165,19 +1342,26 @@
       <p:sp>
         <p:nvSpPr>
           <p:cNvPr id="91" name="Shape 91"/>
-          <p:cNvSpPr/>
+          <p:cNvSpPr>
+            <a:spLocks noGrp="1" noRot="1" noChangeAspect="1"/>
+          </p:cNvSpPr>
           <p:nvPr>
-            <p:ph idx="2" type="sldImg"/>
+            <p:ph type="sldImg" idx="2"/>
           </p:nvPr>
         </p:nvSpPr>
         <p:spPr>
           <a:xfrm>
-            <a:off x="381300" y="685800"/>
+            <a:off x="381000" y="685800"/>
             <a:ext cx="6096000" cy="3429000"/>
           </a:xfrm>
           <a:custGeom>
+            <a:avLst/>
+            <a:gdLst/>
+            <a:ahLst/>
+            <a:cxnLst/>
+            <a:rect l="0" t="0" r="0" b="0"/>
             <a:pathLst>
-              <a:path extrusionOk="0" h="120000" w="120000">
+              <a:path w="120000" h="120000" extrusionOk="0">
                 <a:moveTo>
                   <a:pt x="0" y="0"/>
                 </a:moveTo>
@@ -1199,9 +1383,11 @@
       <p:sp>
         <p:nvSpPr>
           <p:cNvPr id="92" name="Shape 92"/>
-          <p:cNvSpPr txBox="1"/>
+          <p:cNvSpPr txBox="1">
+            <a:spLocks noGrp="1"/>
+          </p:cNvSpPr>
           <p:nvPr>
-            <p:ph idx="1" type="body"/>
+            <p:ph type="body" idx="1"/>
           </p:nvPr>
         </p:nvSpPr>
         <p:spPr>
@@ -1214,7 +1400,7 @@
           </a:prstGeom>
         </p:spPr>
         <p:txBody>
-          <a:bodyPr anchorCtr="0" anchor="t" bIns="91425" lIns="91425" rIns="91425" wrap="square" tIns="91425">
+          <a:bodyPr wrap="square" lIns="91425" tIns="91425" rIns="91425" bIns="91425" anchor="t" anchorCtr="0">
             <a:noAutofit/>
           </a:bodyPr>
           <a:lstStyle/>
@@ -1225,9 +1411,6 @@
               </a:spcBef>
               <a:buNone/>
             </a:pPr>
-            <a:r>
-              <a:t/>
-            </a:r>
             <a:endParaRPr/>
           </a:p>
         </p:txBody>
@@ -1241,11 +1424,11 @@
 </file>
 
 <file path=ppt/notesSlides/notesSlide8.xml><?xml version="1.0" encoding="utf-8"?>
-<p:notes xmlns:a="http://schemas.openxmlformats.org/drawingml/2006/main" xmlns:r="http://schemas.openxmlformats.org/officeDocument/2006/relationships" xmlns:mc="http://schemas.openxmlformats.org/markup-compatibility/2006" xmlns:mv="urn:schemas-microsoft-com:mac:vml" xmlns:p="http://schemas.openxmlformats.org/presentationml/2006/main" xmlns:c="http://schemas.openxmlformats.org/drawingml/2006/chart" xmlns:dgm="http://schemas.openxmlformats.org/drawingml/2006/diagram" xmlns:o="urn:schemas-microsoft-com:office:office" xmlns:v="urn:schemas-microsoft-com:vml" xmlns:pvml="urn:schemas-microsoft-com:office:powerpoint" xmlns:com="http://schemas.openxmlformats.org/drawingml/2006/compatibility" xmlns:p14="http://schemas.microsoft.com/office/powerpoint/2010/main" xmlns:p15="http://schemas.microsoft.com/office/powerpoint/2012/main" showMasterPhAnim="0" showMasterSp="0">
+<p:notes xmlns:a="http://schemas.openxmlformats.org/drawingml/2006/main" xmlns:r="http://schemas.openxmlformats.org/officeDocument/2006/relationships" xmlns:p="http://schemas.openxmlformats.org/presentationml/2006/main" showMasterSp="0" showMasterPhAnim="0">
   <p:cSld>
     <p:spTree>
       <p:nvGrpSpPr>
-        <p:cNvPr id="96" name="Shape 96"/>
+        <p:cNvPr id="1" name="Shape 96"/>
         <p:cNvGrpSpPr/>
         <p:nvPr/>
       </p:nvGrpSpPr>
@@ -1260,19 +1443,26 @@
       <p:sp>
         <p:nvSpPr>
           <p:cNvPr id="97" name="Shape 97"/>
-          <p:cNvSpPr/>
+          <p:cNvSpPr>
+            <a:spLocks noGrp="1" noRot="1" noChangeAspect="1"/>
+          </p:cNvSpPr>
           <p:nvPr>
-            <p:ph idx="2" type="sldImg"/>
+            <p:ph type="sldImg" idx="2"/>
           </p:nvPr>
         </p:nvSpPr>
         <p:spPr>
           <a:xfrm>
-            <a:off x="381300" y="685800"/>
+            <a:off x="381000" y="685800"/>
             <a:ext cx="6096000" cy="3429000"/>
           </a:xfrm>
           <a:custGeom>
+            <a:avLst/>
+            <a:gdLst/>
+            <a:ahLst/>
+            <a:cxnLst/>
+            <a:rect l="0" t="0" r="0" b="0"/>
             <a:pathLst>
-              <a:path extrusionOk="0" h="120000" w="120000">
+              <a:path w="120000" h="120000" extrusionOk="0">
                 <a:moveTo>
                   <a:pt x="0" y="0"/>
                 </a:moveTo>
@@ -1294,9 +1484,11 @@
       <p:sp>
         <p:nvSpPr>
           <p:cNvPr id="98" name="Shape 98"/>
-          <p:cNvSpPr txBox="1"/>
+          <p:cNvSpPr txBox="1">
+            <a:spLocks noGrp="1"/>
+          </p:cNvSpPr>
           <p:nvPr>
-            <p:ph idx="1" type="body"/>
+            <p:ph type="body" idx="1"/>
           </p:nvPr>
         </p:nvSpPr>
         <p:spPr>
@@ -1309,7 +1501,7 @@
           </a:prstGeom>
         </p:spPr>
         <p:txBody>
-          <a:bodyPr anchorCtr="0" anchor="t" bIns="91425" lIns="91425" rIns="91425" wrap="square" tIns="91425">
+          <a:bodyPr wrap="square" lIns="91425" tIns="91425" rIns="91425" bIns="91425" anchor="t" anchorCtr="0">
             <a:noAutofit/>
           </a:bodyPr>
           <a:lstStyle/>
@@ -1320,9 +1512,6 @@
               </a:spcBef>
               <a:buNone/>
             </a:pPr>
-            <a:r>
-              <a:t/>
-            </a:r>
             <a:endParaRPr/>
           </a:p>
         </p:txBody>
@@ -1336,11 +1525,11 @@
 </file>
 
 <file path=ppt/notesSlides/notesSlide9.xml><?xml version="1.0" encoding="utf-8"?>
-<p:notes xmlns:a="http://schemas.openxmlformats.org/drawingml/2006/main" xmlns:r="http://schemas.openxmlformats.org/officeDocument/2006/relationships" xmlns:mc="http://schemas.openxmlformats.org/markup-compatibility/2006" xmlns:mv="urn:schemas-microsoft-com:mac:vml" xmlns:p="http://schemas.openxmlformats.org/presentationml/2006/main" xmlns:c="http://schemas.openxmlformats.org/drawingml/2006/chart" xmlns:dgm="http://schemas.openxmlformats.org/drawingml/2006/diagram" xmlns:o="urn:schemas-microsoft-com:office:office" xmlns:v="urn:schemas-microsoft-com:vml" xmlns:pvml="urn:schemas-microsoft-com:office:powerpoint" xmlns:com="http://schemas.openxmlformats.org/drawingml/2006/compatibility" xmlns:p14="http://schemas.microsoft.com/office/powerpoint/2010/main" xmlns:p15="http://schemas.microsoft.com/office/powerpoint/2012/main" showMasterPhAnim="0" showMasterSp="0">
+<p:notes xmlns:a="http://schemas.openxmlformats.org/drawingml/2006/main" xmlns:r="http://schemas.openxmlformats.org/officeDocument/2006/relationships" xmlns:p="http://schemas.openxmlformats.org/presentationml/2006/main" showMasterSp="0" showMasterPhAnim="0">
   <p:cSld>
     <p:spTree>
       <p:nvGrpSpPr>
-        <p:cNvPr id="102" name="Shape 102"/>
+        <p:cNvPr id="1" name="Shape 102"/>
         <p:cNvGrpSpPr/>
         <p:nvPr/>
       </p:nvGrpSpPr>
@@ -1355,19 +1544,26 @@
       <p:sp>
         <p:nvSpPr>
           <p:cNvPr id="103" name="Shape 103"/>
-          <p:cNvSpPr/>
+          <p:cNvSpPr>
+            <a:spLocks noGrp="1" noRot="1" noChangeAspect="1"/>
+          </p:cNvSpPr>
           <p:nvPr>
-            <p:ph idx="2" type="sldImg"/>
+            <p:ph type="sldImg" idx="2"/>
           </p:nvPr>
         </p:nvSpPr>
         <p:spPr>
           <a:xfrm>
-            <a:off x="381300" y="685800"/>
+            <a:off x="381000" y="685800"/>
             <a:ext cx="6096000" cy="3429000"/>
           </a:xfrm>
           <a:custGeom>
+            <a:avLst/>
+            <a:gdLst/>
+            <a:ahLst/>
+            <a:cxnLst/>
+            <a:rect l="0" t="0" r="0" b="0"/>
             <a:pathLst>
-              <a:path extrusionOk="0" h="120000" w="120000">
+              <a:path w="120000" h="120000" extrusionOk="0">
                 <a:moveTo>
                   <a:pt x="0" y="0"/>
                 </a:moveTo>
@@ -1389,9 +1585,11 @@
       <p:sp>
         <p:nvSpPr>
           <p:cNvPr id="104" name="Shape 104"/>
-          <p:cNvSpPr txBox="1"/>
+          <p:cNvSpPr txBox="1">
+            <a:spLocks noGrp="1"/>
+          </p:cNvSpPr>
           <p:nvPr>
-            <p:ph idx="1" type="body"/>
+            <p:ph type="body" idx="1"/>
           </p:nvPr>
         </p:nvSpPr>
         <p:spPr>
@@ -1404,7 +1602,7 @@
           </a:prstGeom>
         </p:spPr>
         <p:txBody>
-          <a:bodyPr anchorCtr="0" anchor="t" bIns="91425" lIns="91425" rIns="91425" wrap="square" tIns="91425">
+          <a:bodyPr wrap="square" lIns="91425" tIns="91425" rIns="91425" bIns="91425" anchor="t" anchorCtr="0">
             <a:noAutofit/>
           </a:bodyPr>
           <a:lstStyle/>
@@ -1415,9 +1613,6 @@
               </a:spcBef>
               <a:buNone/>
             </a:pPr>
-            <a:r>
-              <a:t/>
-            </a:r>
             <a:endParaRPr/>
           </a:p>
         </p:txBody>
@@ -1431,11 +1626,11 @@
 </file>
 
 <file path=ppt/slideLayouts/slideLayout1.xml><?xml version="1.0" encoding="utf-8"?>
-<p:sldLayout xmlns:a="http://schemas.openxmlformats.org/drawingml/2006/main" xmlns:r="http://schemas.openxmlformats.org/officeDocument/2006/relationships" xmlns:mc="http://schemas.openxmlformats.org/markup-compatibility/2006" xmlns:mv="urn:schemas-microsoft-com:mac:vml" xmlns:p="http://schemas.openxmlformats.org/presentationml/2006/main" xmlns:c="http://schemas.openxmlformats.org/drawingml/2006/chart" xmlns:dgm="http://schemas.openxmlformats.org/drawingml/2006/diagram" xmlns:o="urn:schemas-microsoft-com:office:office" xmlns:v="urn:schemas-microsoft-com:vml" xmlns:pvml="urn:schemas-microsoft-com:office:powerpoint" xmlns:com="http://schemas.openxmlformats.org/drawingml/2006/compatibility" xmlns:p14="http://schemas.microsoft.com/office/powerpoint/2010/main" xmlns:p15="http://schemas.microsoft.com/office/powerpoint/2012/main" type="title">
+<p:sldLayout xmlns:a="http://schemas.openxmlformats.org/drawingml/2006/main" xmlns:r="http://schemas.openxmlformats.org/officeDocument/2006/relationships" xmlns:p="http://schemas.openxmlformats.org/presentationml/2006/main" type="title">
   <p:cSld name="Title slide">
     <p:spTree>
       <p:nvGrpSpPr>
-        <p:cNvPr id="10" name="Shape 10"/>
+        <p:cNvPr id="1" name="Shape 10"/>
         <p:cNvGrpSpPr/>
         <p:nvPr/>
       </p:nvGrpSpPr>
@@ -1450,7 +1645,9 @@
       <p:sp>
         <p:nvSpPr>
           <p:cNvPr id="11" name="Shape 11"/>
-          <p:cNvSpPr txBox="1"/>
+          <p:cNvSpPr txBox="1">
+            <a:spLocks noGrp="1"/>
+          </p:cNvSpPr>
           <p:nvPr>
             <p:ph type="ctrTitle"/>
           </p:nvPr>
@@ -1465,65 +1662,65 @@
           </a:prstGeom>
         </p:spPr>
         <p:txBody>
-          <a:bodyPr anchorCtr="0" anchor="b" bIns="91425" lIns="91425" rIns="91425" wrap="square" tIns="91425"/>
+          <a:bodyPr wrap="square" lIns="91425" tIns="91425" rIns="91425" bIns="91425" anchor="b" anchorCtr="0"/>
           <a:lstStyle>
-            <a:lvl1pPr lvl="0" rtl="0" algn="ctr">
+            <a:lvl1pPr lvl="0" algn="ctr" rtl="0">
               <a:spcBef>
                 <a:spcPts val="0"/>
               </a:spcBef>
               <a:buSzPct val="100000"/>
               <a:defRPr sz="5200"/>
             </a:lvl1pPr>
-            <a:lvl2pPr lvl="1" rtl="0" algn="ctr">
+            <a:lvl2pPr lvl="1" algn="ctr" rtl="0">
               <a:spcBef>
                 <a:spcPts val="0"/>
               </a:spcBef>
               <a:buSzPct val="100000"/>
               <a:defRPr sz="5200"/>
             </a:lvl2pPr>
-            <a:lvl3pPr lvl="2" rtl="0" algn="ctr">
+            <a:lvl3pPr lvl="2" algn="ctr" rtl="0">
               <a:spcBef>
                 <a:spcPts val="0"/>
               </a:spcBef>
               <a:buSzPct val="100000"/>
               <a:defRPr sz="5200"/>
             </a:lvl3pPr>
-            <a:lvl4pPr lvl="3" rtl="0" algn="ctr">
+            <a:lvl4pPr lvl="3" algn="ctr" rtl="0">
               <a:spcBef>
                 <a:spcPts val="0"/>
               </a:spcBef>
               <a:buSzPct val="100000"/>
               <a:defRPr sz="5200"/>
             </a:lvl4pPr>
-            <a:lvl5pPr lvl="4" rtl="0" algn="ctr">
+            <a:lvl5pPr lvl="4" algn="ctr" rtl="0">
               <a:spcBef>
                 <a:spcPts val="0"/>
               </a:spcBef>
               <a:buSzPct val="100000"/>
               <a:defRPr sz="5200"/>
             </a:lvl5pPr>
-            <a:lvl6pPr lvl="5" rtl="0" algn="ctr">
+            <a:lvl6pPr lvl="5" algn="ctr" rtl="0">
               <a:spcBef>
                 <a:spcPts val="0"/>
               </a:spcBef>
               <a:buSzPct val="100000"/>
               <a:defRPr sz="5200"/>
             </a:lvl6pPr>
-            <a:lvl7pPr lvl="6" rtl="0" algn="ctr">
+            <a:lvl7pPr lvl="6" algn="ctr" rtl="0">
               <a:spcBef>
                 <a:spcPts val="0"/>
               </a:spcBef>
               <a:buSzPct val="100000"/>
               <a:defRPr sz="5200"/>
             </a:lvl7pPr>
-            <a:lvl8pPr lvl="7" rtl="0" algn="ctr">
+            <a:lvl8pPr lvl="7" algn="ctr" rtl="0">
               <a:spcBef>
                 <a:spcPts val="0"/>
               </a:spcBef>
               <a:buSzPct val="100000"/>
               <a:defRPr sz="5200"/>
             </a:lvl8pPr>
-            <a:lvl9pPr lvl="8" rtl="0" algn="ctr">
+            <a:lvl9pPr lvl="8" algn="ctr" rtl="0">
               <a:spcBef>
                 <a:spcPts val="0"/>
               </a:spcBef>
@@ -1531,15 +1728,19 @@
               <a:defRPr sz="5200"/>
             </a:lvl9pPr>
           </a:lstStyle>
-          <a:p/>
+          <a:p>
+            <a:endParaRPr/>
+          </a:p>
         </p:txBody>
       </p:sp>
       <p:sp>
         <p:nvSpPr>
           <p:cNvPr id="12" name="Shape 12"/>
-          <p:cNvSpPr txBox="1"/>
+          <p:cNvSpPr txBox="1">
+            <a:spLocks noGrp="1"/>
+          </p:cNvSpPr>
           <p:nvPr>
-            <p:ph idx="1" type="subTitle"/>
+            <p:ph type="subTitle" idx="1"/>
           </p:nvPr>
         </p:nvSpPr>
         <p:spPr>
@@ -1552,9 +1753,9 @@
           </a:prstGeom>
         </p:spPr>
         <p:txBody>
-          <a:bodyPr anchorCtr="0" anchor="t" bIns="91425" lIns="91425" rIns="91425" wrap="square" tIns="91425"/>
+          <a:bodyPr wrap="square" lIns="91425" tIns="91425" rIns="91425" bIns="91425" anchor="t" anchorCtr="0"/>
           <a:lstStyle>
-            <a:lvl1pPr lvl="0" rtl="0" algn="ctr">
+            <a:lvl1pPr lvl="0" algn="ctr" rtl="0">
               <a:lnSpc>
                 <a:spcPct val="100000"/>
               </a:lnSpc>
@@ -1568,7 +1769,7 @@
               <a:buNone/>
               <a:defRPr sz="2800"/>
             </a:lvl1pPr>
-            <a:lvl2pPr lvl="1" rtl="0" algn="ctr">
+            <a:lvl2pPr lvl="1" algn="ctr" rtl="0">
               <a:lnSpc>
                 <a:spcPct val="100000"/>
               </a:lnSpc>
@@ -1582,7 +1783,7 @@
               <a:buNone/>
               <a:defRPr sz="2800"/>
             </a:lvl2pPr>
-            <a:lvl3pPr lvl="2" rtl="0" algn="ctr">
+            <a:lvl3pPr lvl="2" algn="ctr" rtl="0">
               <a:lnSpc>
                 <a:spcPct val="100000"/>
               </a:lnSpc>
@@ -1596,7 +1797,7 @@
               <a:buNone/>
               <a:defRPr sz="2800"/>
             </a:lvl3pPr>
-            <a:lvl4pPr lvl="3" rtl="0" algn="ctr">
+            <a:lvl4pPr lvl="3" algn="ctr" rtl="0">
               <a:lnSpc>
                 <a:spcPct val="100000"/>
               </a:lnSpc>
@@ -1610,7 +1811,7 @@
               <a:buNone/>
               <a:defRPr sz="2800"/>
             </a:lvl4pPr>
-            <a:lvl5pPr lvl="4" rtl="0" algn="ctr">
+            <a:lvl5pPr lvl="4" algn="ctr" rtl="0">
               <a:lnSpc>
                 <a:spcPct val="100000"/>
               </a:lnSpc>
@@ -1624,7 +1825,7 @@
               <a:buNone/>
               <a:defRPr sz="2800"/>
             </a:lvl5pPr>
-            <a:lvl6pPr lvl="5" rtl="0" algn="ctr">
+            <a:lvl6pPr lvl="5" algn="ctr" rtl="0">
               <a:lnSpc>
                 <a:spcPct val="100000"/>
               </a:lnSpc>
@@ -1638,7 +1839,7 @@
               <a:buNone/>
               <a:defRPr sz="2800"/>
             </a:lvl6pPr>
-            <a:lvl7pPr lvl="6" rtl="0" algn="ctr">
+            <a:lvl7pPr lvl="6" algn="ctr" rtl="0">
               <a:lnSpc>
                 <a:spcPct val="100000"/>
               </a:lnSpc>
@@ -1652,7 +1853,7 @@
               <a:buNone/>
               <a:defRPr sz="2800"/>
             </a:lvl7pPr>
-            <a:lvl8pPr lvl="7" rtl="0" algn="ctr">
+            <a:lvl8pPr lvl="7" algn="ctr" rtl="0">
               <a:lnSpc>
                 <a:spcPct val="100000"/>
               </a:lnSpc>
@@ -1666,7 +1867,7 @@
               <a:buNone/>
               <a:defRPr sz="2800"/>
             </a:lvl8pPr>
-            <a:lvl9pPr lvl="8" rtl="0" algn="ctr">
+            <a:lvl9pPr lvl="8" algn="ctr" rtl="0">
               <a:lnSpc>
                 <a:spcPct val="100000"/>
               </a:lnSpc>
@@ -1681,15 +1882,19 @@
               <a:defRPr sz="2800"/>
             </a:lvl9pPr>
           </a:lstStyle>
-          <a:p/>
+          <a:p>
+            <a:endParaRPr/>
+          </a:p>
         </p:txBody>
       </p:sp>
       <p:sp>
         <p:nvSpPr>
           <p:cNvPr id="13" name="Shape 13"/>
-          <p:cNvSpPr txBox="1"/>
+          <p:cNvSpPr txBox="1">
+            <a:spLocks noGrp="1"/>
+          </p:cNvSpPr>
           <p:nvPr>
-            <p:ph idx="12" type="sldNum"/>
+            <p:ph type="sldNum" idx="12"/>
           </p:nvPr>
         </p:nvSpPr>
         <p:spPr>
@@ -1702,7 +1907,7 @@
           </a:prstGeom>
         </p:spPr>
         <p:txBody>
-          <a:bodyPr anchorCtr="0" anchor="ctr" bIns="91425" lIns="91425" rIns="91425" wrap="square" tIns="91425">
+          <a:bodyPr wrap="square" lIns="91425" tIns="91425" rIns="91425" bIns="91425" anchor="ctr" anchorCtr="0">
             <a:noAutofit/>
           </a:bodyPr>
           <a:lstStyle/>
@@ -1717,6 +1922,7 @@
               <a:rPr lang="en"/>
               <a:t>‹#›</a:t>
             </a:fld>
+            <a:endParaRPr lang="en"/>
           </a:p>
         </p:txBody>
       </p:sp>
@@ -1733,7 +1939,7 @@
           </a:xfrm>
           <a:prstGeom prst="snip1Rect">
             <a:avLst>
-              <a:gd fmla="val 30002" name="adj"/>
+              <a:gd name="adj" fmla="val 30002"/>
             </a:avLst>
           </a:prstGeom>
           <a:solidFill>
@@ -1744,7 +1950,7 @@
           </a:ln>
         </p:spPr>
         <p:txBody>
-          <a:bodyPr anchorCtr="0" anchor="ctr" bIns="91425" lIns="91425" rIns="91425" wrap="square" tIns="91425">
+          <a:bodyPr wrap="square" lIns="91425" tIns="91425" rIns="91425" bIns="91425" anchor="ctr" anchorCtr="0">
             <a:noAutofit/>
           </a:bodyPr>
           <a:lstStyle/>
@@ -1755,9 +1961,6 @@
               </a:spcBef>
               <a:buNone/>
             </a:pPr>
-            <a:r>
-              <a:t/>
-            </a:r>
             <a:endParaRPr/>
           </a:p>
         </p:txBody>
@@ -1771,11 +1974,11 @@
 </file>
 
 <file path=ppt/slideLayouts/slideLayout10.xml><?xml version="1.0" encoding="utf-8"?>
-<p:sldLayout xmlns:a="http://schemas.openxmlformats.org/drawingml/2006/main" xmlns:r="http://schemas.openxmlformats.org/officeDocument/2006/relationships" xmlns:mc="http://schemas.openxmlformats.org/markup-compatibility/2006" xmlns:mv="urn:schemas-microsoft-com:mac:vml" xmlns:p="http://schemas.openxmlformats.org/presentationml/2006/main" xmlns:c="http://schemas.openxmlformats.org/drawingml/2006/chart" xmlns:dgm="http://schemas.openxmlformats.org/drawingml/2006/diagram" xmlns:o="urn:schemas-microsoft-com:office:office" xmlns:v="urn:schemas-microsoft-com:vml" xmlns:pvml="urn:schemas-microsoft-com:office:powerpoint" xmlns:com="http://schemas.openxmlformats.org/drawingml/2006/compatibility" xmlns:p14="http://schemas.microsoft.com/office/powerpoint/2010/main" xmlns:p15="http://schemas.microsoft.com/office/powerpoint/2012/main">
+<p:sldLayout xmlns:a="http://schemas.openxmlformats.org/drawingml/2006/main" xmlns:r="http://schemas.openxmlformats.org/officeDocument/2006/relationships" xmlns:p="http://schemas.openxmlformats.org/presentationml/2006/main">
   <p:cSld name="Big number">
     <p:spTree>
       <p:nvGrpSpPr>
-        <p:cNvPr id="46" name="Shape 46"/>
+        <p:cNvPr id="1" name="Shape 46"/>
         <p:cNvGrpSpPr/>
         <p:nvPr/>
       </p:nvGrpSpPr>
@@ -1790,7 +1993,9 @@
       <p:sp>
         <p:nvSpPr>
           <p:cNvPr id="47" name="Shape 47"/>
-          <p:cNvSpPr txBox="1"/>
+          <p:cNvSpPr txBox="1">
+            <a:spLocks noGrp="1"/>
+          </p:cNvSpPr>
           <p:nvPr>
             <p:ph type="title"/>
           </p:nvPr>
@@ -1805,65 +2010,65 @@
           </a:prstGeom>
         </p:spPr>
         <p:txBody>
-          <a:bodyPr anchorCtr="0" anchor="b" bIns="91425" lIns="91425" rIns="91425" wrap="square" tIns="91425"/>
+          <a:bodyPr wrap="square" lIns="91425" tIns="91425" rIns="91425" bIns="91425" anchor="b" anchorCtr="0"/>
           <a:lstStyle>
-            <a:lvl1pPr lvl="0" rtl="0" algn="ctr">
+            <a:lvl1pPr lvl="0" algn="ctr" rtl="0">
               <a:spcBef>
                 <a:spcPts val="0"/>
               </a:spcBef>
               <a:buSzPct val="100000"/>
               <a:defRPr sz="12000"/>
             </a:lvl1pPr>
-            <a:lvl2pPr lvl="1" rtl="0" algn="ctr">
+            <a:lvl2pPr lvl="1" algn="ctr" rtl="0">
               <a:spcBef>
                 <a:spcPts val="0"/>
               </a:spcBef>
               <a:buSzPct val="100000"/>
               <a:defRPr sz="12000"/>
             </a:lvl2pPr>
-            <a:lvl3pPr lvl="2" rtl="0" algn="ctr">
+            <a:lvl3pPr lvl="2" algn="ctr" rtl="0">
               <a:spcBef>
                 <a:spcPts val="0"/>
               </a:spcBef>
               <a:buSzPct val="100000"/>
               <a:defRPr sz="12000"/>
             </a:lvl3pPr>
-            <a:lvl4pPr lvl="3" rtl="0" algn="ctr">
+            <a:lvl4pPr lvl="3" algn="ctr" rtl="0">
               <a:spcBef>
                 <a:spcPts val="0"/>
               </a:spcBef>
               <a:buSzPct val="100000"/>
               <a:defRPr sz="12000"/>
             </a:lvl4pPr>
-            <a:lvl5pPr lvl="4" rtl="0" algn="ctr">
+            <a:lvl5pPr lvl="4" algn="ctr" rtl="0">
               <a:spcBef>
                 <a:spcPts val="0"/>
               </a:spcBef>
               <a:buSzPct val="100000"/>
               <a:defRPr sz="12000"/>
             </a:lvl5pPr>
-            <a:lvl6pPr lvl="5" rtl="0" algn="ctr">
+            <a:lvl6pPr lvl="5" algn="ctr" rtl="0">
               <a:spcBef>
                 <a:spcPts val="0"/>
               </a:spcBef>
               <a:buSzPct val="100000"/>
               <a:defRPr sz="12000"/>
             </a:lvl6pPr>
-            <a:lvl7pPr lvl="6" rtl="0" algn="ctr">
+            <a:lvl7pPr lvl="6" algn="ctr" rtl="0">
               <a:spcBef>
                 <a:spcPts val="0"/>
               </a:spcBef>
               <a:buSzPct val="100000"/>
               <a:defRPr sz="12000"/>
             </a:lvl7pPr>
-            <a:lvl8pPr lvl="7" rtl="0" algn="ctr">
+            <a:lvl8pPr lvl="7" algn="ctr" rtl="0">
               <a:spcBef>
                 <a:spcPts val="0"/>
               </a:spcBef>
               <a:buSzPct val="100000"/>
               <a:defRPr sz="12000"/>
             </a:lvl8pPr>
-            <a:lvl9pPr lvl="8" rtl="0" algn="ctr">
+            <a:lvl9pPr lvl="8" algn="ctr" rtl="0">
               <a:spcBef>
                 <a:spcPts val="0"/>
               </a:spcBef>
@@ -1871,15 +2076,19 @@
               <a:defRPr sz="12000"/>
             </a:lvl9pPr>
           </a:lstStyle>
-          <a:p/>
+          <a:p>
+            <a:endParaRPr/>
+          </a:p>
         </p:txBody>
       </p:sp>
       <p:sp>
         <p:nvSpPr>
           <p:cNvPr id="48" name="Shape 48"/>
-          <p:cNvSpPr txBox="1"/>
+          <p:cNvSpPr txBox="1">
+            <a:spLocks noGrp="1"/>
+          </p:cNvSpPr>
           <p:nvPr>
-            <p:ph idx="1" type="body"/>
+            <p:ph type="body" idx="1"/>
           </p:nvPr>
         </p:nvSpPr>
         <p:spPr>
@@ -1892,72 +2101,76 @@
           </a:prstGeom>
         </p:spPr>
         <p:txBody>
-          <a:bodyPr anchorCtr="0" anchor="t" bIns="91425" lIns="91425" rIns="91425" wrap="square" tIns="91425"/>
+          <a:bodyPr wrap="square" lIns="91425" tIns="91425" rIns="91425" bIns="91425" anchor="t" anchorCtr="0"/>
           <a:lstStyle>
-            <a:lvl1pPr lvl="0" rtl="0" algn="ctr">
+            <a:lvl1pPr lvl="0" algn="ctr" rtl="0">
               <a:spcBef>
                 <a:spcPts val="0"/>
               </a:spcBef>
               <a:defRPr/>
             </a:lvl1pPr>
-            <a:lvl2pPr lvl="1" rtl="0" algn="ctr">
+            <a:lvl2pPr lvl="1" algn="ctr" rtl="0">
               <a:spcBef>
                 <a:spcPts val="0"/>
               </a:spcBef>
               <a:defRPr/>
             </a:lvl2pPr>
-            <a:lvl3pPr lvl="2" rtl="0" algn="ctr">
+            <a:lvl3pPr lvl="2" algn="ctr" rtl="0">
               <a:spcBef>
                 <a:spcPts val="0"/>
               </a:spcBef>
               <a:defRPr/>
             </a:lvl3pPr>
-            <a:lvl4pPr lvl="3" rtl="0" algn="ctr">
+            <a:lvl4pPr lvl="3" algn="ctr" rtl="0">
               <a:spcBef>
                 <a:spcPts val="0"/>
               </a:spcBef>
               <a:defRPr/>
             </a:lvl4pPr>
-            <a:lvl5pPr lvl="4" rtl="0" algn="ctr">
+            <a:lvl5pPr lvl="4" algn="ctr" rtl="0">
               <a:spcBef>
                 <a:spcPts val="0"/>
               </a:spcBef>
               <a:defRPr/>
             </a:lvl5pPr>
-            <a:lvl6pPr lvl="5" rtl="0" algn="ctr">
+            <a:lvl6pPr lvl="5" algn="ctr" rtl="0">
               <a:spcBef>
                 <a:spcPts val="0"/>
               </a:spcBef>
               <a:defRPr/>
             </a:lvl6pPr>
-            <a:lvl7pPr lvl="6" rtl="0" algn="ctr">
+            <a:lvl7pPr lvl="6" algn="ctr" rtl="0">
               <a:spcBef>
                 <a:spcPts val="0"/>
               </a:spcBef>
               <a:defRPr/>
             </a:lvl7pPr>
-            <a:lvl8pPr lvl="7" rtl="0" algn="ctr">
+            <a:lvl8pPr lvl="7" algn="ctr" rtl="0">
               <a:spcBef>
                 <a:spcPts val="0"/>
               </a:spcBef>
               <a:defRPr/>
             </a:lvl8pPr>
-            <a:lvl9pPr lvl="8" rtl="0" algn="ctr">
+            <a:lvl9pPr lvl="8" algn="ctr" rtl="0">
               <a:spcBef>
                 <a:spcPts val="0"/>
               </a:spcBef>
               <a:defRPr/>
             </a:lvl9pPr>
           </a:lstStyle>
-          <a:p/>
+          <a:p>
+            <a:endParaRPr/>
+          </a:p>
         </p:txBody>
       </p:sp>
       <p:sp>
         <p:nvSpPr>
           <p:cNvPr id="49" name="Shape 49"/>
-          <p:cNvSpPr txBox="1"/>
+          <p:cNvSpPr txBox="1">
+            <a:spLocks noGrp="1"/>
+          </p:cNvSpPr>
           <p:nvPr>
-            <p:ph idx="12" type="sldNum"/>
+            <p:ph type="sldNum" idx="12"/>
           </p:nvPr>
         </p:nvSpPr>
         <p:spPr>
@@ -1970,7 +2183,7 @@
           </a:prstGeom>
         </p:spPr>
         <p:txBody>
-          <a:bodyPr anchorCtr="0" anchor="ctr" bIns="91425" lIns="91425" rIns="91425" wrap="square" tIns="91425">
+          <a:bodyPr wrap="square" lIns="91425" tIns="91425" rIns="91425" bIns="91425" anchor="ctr" anchorCtr="0">
             <a:noAutofit/>
           </a:bodyPr>
           <a:lstStyle/>
@@ -1985,6 +2198,7 @@
               <a:rPr lang="en"/>
               <a:t>‹#›</a:t>
             </a:fld>
+            <a:endParaRPr lang="en"/>
           </a:p>
         </p:txBody>
       </p:sp>
@@ -1997,11 +2211,11 @@
 </file>
 
 <file path=ppt/slideLayouts/slideLayout11.xml><?xml version="1.0" encoding="utf-8"?>
-<p:sldLayout xmlns:a="http://schemas.openxmlformats.org/drawingml/2006/main" xmlns:r="http://schemas.openxmlformats.org/officeDocument/2006/relationships" xmlns:mc="http://schemas.openxmlformats.org/markup-compatibility/2006" xmlns:mv="urn:schemas-microsoft-com:mac:vml" xmlns:p="http://schemas.openxmlformats.org/presentationml/2006/main" xmlns:c="http://schemas.openxmlformats.org/drawingml/2006/chart" xmlns:dgm="http://schemas.openxmlformats.org/drawingml/2006/diagram" xmlns:o="urn:schemas-microsoft-com:office:office" xmlns:v="urn:schemas-microsoft-com:vml" xmlns:pvml="urn:schemas-microsoft-com:office:powerpoint" xmlns:com="http://schemas.openxmlformats.org/drawingml/2006/compatibility" xmlns:p14="http://schemas.microsoft.com/office/powerpoint/2010/main" xmlns:p15="http://schemas.microsoft.com/office/powerpoint/2012/main" type="blank">
+<p:sldLayout xmlns:a="http://schemas.openxmlformats.org/drawingml/2006/main" xmlns:r="http://schemas.openxmlformats.org/officeDocument/2006/relationships" xmlns:p="http://schemas.openxmlformats.org/presentationml/2006/main" type="blank">
   <p:cSld name="Blank">
     <p:spTree>
       <p:nvGrpSpPr>
-        <p:cNvPr id="50" name="Shape 50"/>
+        <p:cNvPr id="1" name="Shape 50"/>
         <p:cNvGrpSpPr/>
         <p:nvPr/>
       </p:nvGrpSpPr>
@@ -2016,9 +2230,11 @@
       <p:sp>
         <p:nvSpPr>
           <p:cNvPr id="51" name="Shape 51"/>
-          <p:cNvSpPr txBox="1"/>
+          <p:cNvSpPr txBox="1">
+            <a:spLocks noGrp="1"/>
+          </p:cNvSpPr>
           <p:nvPr>
-            <p:ph idx="12" type="sldNum"/>
+            <p:ph type="sldNum" idx="12"/>
           </p:nvPr>
         </p:nvSpPr>
         <p:spPr>
@@ -2031,7 +2247,7 @@
           </a:prstGeom>
         </p:spPr>
         <p:txBody>
-          <a:bodyPr anchorCtr="0" anchor="ctr" bIns="91425" lIns="91425" rIns="91425" wrap="square" tIns="91425">
+          <a:bodyPr wrap="square" lIns="91425" tIns="91425" rIns="91425" bIns="91425" anchor="ctr" anchorCtr="0">
             <a:noAutofit/>
           </a:bodyPr>
           <a:lstStyle/>
@@ -2046,6 +2262,7 @@
               <a:rPr lang="en"/>
               <a:t>‹#›</a:t>
             </a:fld>
+            <a:endParaRPr lang="en"/>
           </a:p>
         </p:txBody>
       </p:sp>
@@ -2058,11 +2275,11 @@
 </file>
 
 <file path=ppt/slideLayouts/slideLayout2.xml><?xml version="1.0" encoding="utf-8"?>
-<p:sldLayout xmlns:a="http://schemas.openxmlformats.org/drawingml/2006/main" xmlns:r="http://schemas.openxmlformats.org/officeDocument/2006/relationships" xmlns:mc="http://schemas.openxmlformats.org/markup-compatibility/2006" xmlns:mv="urn:schemas-microsoft-com:mac:vml" xmlns:p="http://schemas.openxmlformats.org/presentationml/2006/main" xmlns:c="http://schemas.openxmlformats.org/drawingml/2006/chart" xmlns:dgm="http://schemas.openxmlformats.org/drawingml/2006/diagram" xmlns:o="urn:schemas-microsoft-com:office:office" xmlns:v="urn:schemas-microsoft-com:vml" xmlns:pvml="urn:schemas-microsoft-com:office:powerpoint" xmlns:com="http://schemas.openxmlformats.org/drawingml/2006/compatibility" xmlns:p14="http://schemas.microsoft.com/office/powerpoint/2010/main" xmlns:p15="http://schemas.microsoft.com/office/powerpoint/2012/main" type="secHead">
+<p:sldLayout xmlns:a="http://schemas.openxmlformats.org/drawingml/2006/main" xmlns:r="http://schemas.openxmlformats.org/officeDocument/2006/relationships" xmlns:p="http://schemas.openxmlformats.org/presentationml/2006/main" type="secHead">
   <p:cSld name="Section header">
     <p:spTree>
       <p:nvGrpSpPr>
-        <p:cNvPr id="15" name="Shape 15"/>
+        <p:cNvPr id="1" name="Shape 15"/>
         <p:cNvGrpSpPr/>
         <p:nvPr/>
       </p:nvGrpSpPr>
@@ -2077,7 +2294,9 @@
       <p:sp>
         <p:nvSpPr>
           <p:cNvPr id="16" name="Shape 16"/>
-          <p:cNvSpPr txBox="1"/>
+          <p:cNvSpPr txBox="1">
+            <a:spLocks noGrp="1"/>
+          </p:cNvSpPr>
           <p:nvPr>
             <p:ph type="title"/>
           </p:nvPr>
@@ -2092,65 +2311,65 @@
           </a:prstGeom>
         </p:spPr>
         <p:txBody>
-          <a:bodyPr anchorCtr="0" anchor="ctr" bIns="91425" lIns="91425" rIns="91425" wrap="square" tIns="91425"/>
+          <a:bodyPr wrap="square" lIns="91425" tIns="91425" rIns="91425" bIns="91425" anchor="ctr" anchorCtr="0"/>
           <a:lstStyle>
-            <a:lvl1pPr lvl="0" rtl="0" algn="ctr">
+            <a:lvl1pPr lvl="0" algn="ctr" rtl="0">
               <a:spcBef>
                 <a:spcPts val="0"/>
               </a:spcBef>
               <a:buSzPct val="100000"/>
               <a:defRPr sz="3600"/>
             </a:lvl1pPr>
-            <a:lvl2pPr lvl="1" rtl="0" algn="ctr">
+            <a:lvl2pPr lvl="1" algn="ctr" rtl="0">
               <a:spcBef>
                 <a:spcPts val="0"/>
               </a:spcBef>
               <a:buSzPct val="100000"/>
               <a:defRPr sz="3600"/>
             </a:lvl2pPr>
-            <a:lvl3pPr lvl="2" rtl="0" algn="ctr">
+            <a:lvl3pPr lvl="2" algn="ctr" rtl="0">
               <a:spcBef>
                 <a:spcPts val="0"/>
               </a:spcBef>
               <a:buSzPct val="100000"/>
               <a:defRPr sz="3600"/>
             </a:lvl3pPr>
-            <a:lvl4pPr lvl="3" rtl="0" algn="ctr">
+            <a:lvl4pPr lvl="3" algn="ctr" rtl="0">
               <a:spcBef>
                 <a:spcPts val="0"/>
               </a:spcBef>
               <a:buSzPct val="100000"/>
               <a:defRPr sz="3600"/>
             </a:lvl4pPr>
-            <a:lvl5pPr lvl="4" rtl="0" algn="ctr">
+            <a:lvl5pPr lvl="4" algn="ctr" rtl="0">
               <a:spcBef>
                 <a:spcPts val="0"/>
               </a:spcBef>
               <a:buSzPct val="100000"/>
               <a:defRPr sz="3600"/>
             </a:lvl5pPr>
-            <a:lvl6pPr lvl="5" rtl="0" algn="ctr">
+            <a:lvl6pPr lvl="5" algn="ctr" rtl="0">
               <a:spcBef>
                 <a:spcPts val="0"/>
               </a:spcBef>
               <a:buSzPct val="100000"/>
               <a:defRPr sz="3600"/>
             </a:lvl6pPr>
-            <a:lvl7pPr lvl="6" rtl="0" algn="ctr">
+            <a:lvl7pPr lvl="6" algn="ctr" rtl="0">
               <a:spcBef>
                 <a:spcPts val="0"/>
               </a:spcBef>
               <a:buSzPct val="100000"/>
               <a:defRPr sz="3600"/>
             </a:lvl7pPr>
-            <a:lvl8pPr lvl="7" rtl="0" algn="ctr">
+            <a:lvl8pPr lvl="7" algn="ctr" rtl="0">
               <a:spcBef>
                 <a:spcPts val="0"/>
               </a:spcBef>
               <a:buSzPct val="100000"/>
               <a:defRPr sz="3600"/>
             </a:lvl8pPr>
-            <a:lvl9pPr lvl="8" rtl="0" algn="ctr">
+            <a:lvl9pPr lvl="8" algn="ctr" rtl="0">
               <a:spcBef>
                 <a:spcPts val="0"/>
               </a:spcBef>
@@ -2158,15 +2377,19 @@
               <a:defRPr sz="3600"/>
             </a:lvl9pPr>
           </a:lstStyle>
-          <a:p/>
+          <a:p>
+            <a:endParaRPr/>
+          </a:p>
         </p:txBody>
       </p:sp>
       <p:sp>
         <p:nvSpPr>
           <p:cNvPr id="17" name="Shape 17"/>
-          <p:cNvSpPr txBox="1"/>
+          <p:cNvSpPr txBox="1">
+            <a:spLocks noGrp="1"/>
+          </p:cNvSpPr>
           <p:nvPr>
-            <p:ph idx="12" type="sldNum"/>
+            <p:ph type="sldNum" idx="12"/>
           </p:nvPr>
         </p:nvSpPr>
         <p:spPr>
@@ -2179,7 +2402,7 @@
           </a:prstGeom>
         </p:spPr>
         <p:txBody>
-          <a:bodyPr anchorCtr="0" anchor="ctr" bIns="91425" lIns="91425" rIns="91425" wrap="square" tIns="91425">
+          <a:bodyPr wrap="square" lIns="91425" tIns="91425" rIns="91425" bIns="91425" anchor="ctr" anchorCtr="0">
             <a:noAutofit/>
           </a:bodyPr>
           <a:lstStyle/>
@@ -2194,6 +2417,7 @@
               <a:rPr lang="en"/>
               <a:t>‹#›</a:t>
             </a:fld>
+            <a:endParaRPr lang="en"/>
           </a:p>
         </p:txBody>
       </p:sp>
@@ -2206,11 +2430,11 @@
 </file>
 
 <file path=ppt/slideLayouts/slideLayout3.xml><?xml version="1.0" encoding="utf-8"?>
-<p:sldLayout xmlns:a="http://schemas.openxmlformats.org/drawingml/2006/main" xmlns:r="http://schemas.openxmlformats.org/officeDocument/2006/relationships" xmlns:mc="http://schemas.openxmlformats.org/markup-compatibility/2006" xmlns:mv="urn:schemas-microsoft-com:mac:vml" xmlns:p="http://schemas.openxmlformats.org/presentationml/2006/main" xmlns:c="http://schemas.openxmlformats.org/drawingml/2006/chart" xmlns:dgm="http://schemas.openxmlformats.org/drawingml/2006/diagram" xmlns:o="urn:schemas-microsoft-com:office:office" xmlns:v="urn:schemas-microsoft-com:vml" xmlns:pvml="urn:schemas-microsoft-com:office:powerpoint" xmlns:com="http://schemas.openxmlformats.org/drawingml/2006/compatibility" xmlns:p14="http://schemas.microsoft.com/office/powerpoint/2010/main" xmlns:p15="http://schemas.microsoft.com/office/powerpoint/2012/main" type="tx">
+<p:sldLayout xmlns:a="http://schemas.openxmlformats.org/drawingml/2006/main" xmlns:r="http://schemas.openxmlformats.org/officeDocument/2006/relationships" xmlns:p="http://schemas.openxmlformats.org/presentationml/2006/main" type="tx">
   <p:cSld name="Title and body">
     <p:spTree>
       <p:nvGrpSpPr>
-        <p:cNvPr id="18" name="Shape 18"/>
+        <p:cNvPr id="1" name="Shape 18"/>
         <p:cNvGrpSpPr/>
         <p:nvPr/>
       </p:nvGrpSpPr>
@@ -2225,7 +2449,9 @@
       <p:sp>
         <p:nvSpPr>
           <p:cNvPr id="19" name="Shape 19"/>
-          <p:cNvSpPr txBox="1"/>
+          <p:cNvSpPr txBox="1">
+            <a:spLocks noGrp="1"/>
+          </p:cNvSpPr>
           <p:nvPr>
             <p:ph type="title"/>
           </p:nvPr>
@@ -2240,7 +2466,7 @@
           </a:prstGeom>
         </p:spPr>
         <p:txBody>
-          <a:bodyPr anchorCtr="0" anchor="t" bIns="91425" lIns="91425" rIns="91425" wrap="square" tIns="91425"/>
+          <a:bodyPr wrap="square" lIns="91425" tIns="91425" rIns="91425" bIns="91425" anchor="t" anchorCtr="0"/>
           <a:lstStyle>
             <a:lvl1pPr lvl="0" rtl="0">
               <a:spcBef>
@@ -2297,15 +2523,19 @@
               <a:defRPr/>
             </a:lvl9pPr>
           </a:lstStyle>
-          <a:p/>
+          <a:p>
+            <a:endParaRPr/>
+          </a:p>
         </p:txBody>
       </p:sp>
       <p:sp>
         <p:nvSpPr>
           <p:cNvPr id="20" name="Shape 20"/>
-          <p:cNvSpPr txBox="1"/>
+          <p:cNvSpPr txBox="1">
+            <a:spLocks noGrp="1"/>
+          </p:cNvSpPr>
           <p:nvPr>
-            <p:ph idx="1" type="body"/>
+            <p:ph type="body" idx="1"/>
           </p:nvPr>
         </p:nvSpPr>
         <p:spPr>
@@ -2318,7 +2548,7 @@
           </a:prstGeom>
         </p:spPr>
         <p:txBody>
-          <a:bodyPr anchorCtr="0" anchor="t" bIns="91425" lIns="91425" rIns="91425" wrap="square" tIns="91425"/>
+          <a:bodyPr wrap="square" lIns="91425" tIns="91425" rIns="91425" bIns="91425" anchor="t" anchorCtr="0"/>
           <a:lstStyle>
             <a:lvl1pPr lvl="0" rtl="0">
               <a:spcBef>
@@ -2375,15 +2605,19 @@
               <a:defRPr/>
             </a:lvl9pPr>
           </a:lstStyle>
-          <a:p/>
+          <a:p>
+            <a:endParaRPr/>
+          </a:p>
         </p:txBody>
       </p:sp>
       <p:sp>
         <p:nvSpPr>
           <p:cNvPr id="21" name="Shape 21"/>
-          <p:cNvSpPr txBox="1"/>
+          <p:cNvSpPr txBox="1">
+            <a:spLocks noGrp="1"/>
+          </p:cNvSpPr>
           <p:nvPr>
-            <p:ph idx="12" type="sldNum"/>
+            <p:ph type="sldNum" idx="12"/>
           </p:nvPr>
         </p:nvSpPr>
         <p:spPr>
@@ -2396,7 +2630,7 @@
           </a:prstGeom>
         </p:spPr>
         <p:txBody>
-          <a:bodyPr anchorCtr="0" anchor="ctr" bIns="91425" lIns="91425" rIns="91425" wrap="square" tIns="91425">
+          <a:bodyPr wrap="square" lIns="91425" tIns="91425" rIns="91425" bIns="91425" anchor="ctr" anchorCtr="0">
             <a:noAutofit/>
           </a:bodyPr>
           <a:lstStyle/>
@@ -2411,6 +2645,7 @@
               <a:rPr lang="en"/>
               <a:t>‹#›</a:t>
             </a:fld>
+            <a:endParaRPr lang="en"/>
           </a:p>
         </p:txBody>
       </p:sp>
@@ -2423,11 +2658,11 @@
 </file>
 
 <file path=ppt/slideLayouts/slideLayout4.xml><?xml version="1.0" encoding="utf-8"?>
-<p:sldLayout xmlns:a="http://schemas.openxmlformats.org/drawingml/2006/main" xmlns:r="http://schemas.openxmlformats.org/officeDocument/2006/relationships" xmlns:mc="http://schemas.openxmlformats.org/markup-compatibility/2006" xmlns:mv="urn:schemas-microsoft-com:mac:vml" xmlns:p="http://schemas.openxmlformats.org/presentationml/2006/main" xmlns:c="http://schemas.openxmlformats.org/drawingml/2006/chart" xmlns:dgm="http://schemas.openxmlformats.org/drawingml/2006/diagram" xmlns:o="urn:schemas-microsoft-com:office:office" xmlns:v="urn:schemas-microsoft-com:vml" xmlns:pvml="urn:schemas-microsoft-com:office:powerpoint" xmlns:com="http://schemas.openxmlformats.org/drawingml/2006/compatibility" xmlns:p14="http://schemas.microsoft.com/office/powerpoint/2010/main" xmlns:p15="http://schemas.microsoft.com/office/powerpoint/2012/main" type="twoColTx">
+<p:sldLayout xmlns:a="http://schemas.openxmlformats.org/drawingml/2006/main" xmlns:r="http://schemas.openxmlformats.org/officeDocument/2006/relationships" xmlns:p="http://schemas.openxmlformats.org/presentationml/2006/main" type="twoColTx">
   <p:cSld name="Title and two columns">
     <p:spTree>
       <p:nvGrpSpPr>
-        <p:cNvPr id="22" name="Shape 22"/>
+        <p:cNvPr id="1" name="Shape 22"/>
         <p:cNvGrpSpPr/>
         <p:nvPr/>
       </p:nvGrpSpPr>
@@ -2442,7 +2677,9 @@
       <p:sp>
         <p:nvSpPr>
           <p:cNvPr id="23" name="Shape 23"/>
-          <p:cNvSpPr txBox="1"/>
+          <p:cNvSpPr txBox="1">
+            <a:spLocks noGrp="1"/>
+          </p:cNvSpPr>
           <p:nvPr>
             <p:ph type="title"/>
           </p:nvPr>
@@ -2457,7 +2694,7 @@
           </a:prstGeom>
         </p:spPr>
         <p:txBody>
-          <a:bodyPr anchorCtr="0" anchor="t" bIns="91425" lIns="91425" rIns="91425" wrap="square" tIns="91425"/>
+          <a:bodyPr wrap="square" lIns="91425" tIns="91425" rIns="91425" bIns="91425" anchor="t" anchorCtr="0"/>
           <a:lstStyle>
             <a:lvl1pPr lvl="0" rtl="0">
               <a:spcBef>
@@ -2514,15 +2751,19 @@
               <a:defRPr/>
             </a:lvl9pPr>
           </a:lstStyle>
-          <a:p/>
+          <a:p>
+            <a:endParaRPr/>
+          </a:p>
         </p:txBody>
       </p:sp>
       <p:sp>
         <p:nvSpPr>
           <p:cNvPr id="24" name="Shape 24"/>
-          <p:cNvSpPr txBox="1"/>
+          <p:cNvSpPr txBox="1">
+            <a:spLocks noGrp="1"/>
+          </p:cNvSpPr>
           <p:nvPr>
-            <p:ph idx="1" type="body"/>
+            <p:ph type="body" idx="1"/>
           </p:nvPr>
         </p:nvSpPr>
         <p:spPr>
@@ -2535,7 +2776,7 @@
           </a:prstGeom>
         </p:spPr>
         <p:txBody>
-          <a:bodyPr anchorCtr="0" anchor="t" bIns="91425" lIns="91425" rIns="91425" wrap="square" tIns="91425"/>
+          <a:bodyPr wrap="square" lIns="91425" tIns="91425" rIns="91425" bIns="91425" anchor="t" anchorCtr="0"/>
           <a:lstStyle>
             <a:lvl1pPr lvl="0" rtl="0">
               <a:spcBef>
@@ -2601,15 +2842,19 @@
               <a:defRPr sz="1200"/>
             </a:lvl9pPr>
           </a:lstStyle>
-          <a:p/>
+          <a:p>
+            <a:endParaRPr/>
+          </a:p>
         </p:txBody>
       </p:sp>
       <p:sp>
         <p:nvSpPr>
           <p:cNvPr id="25" name="Shape 25"/>
-          <p:cNvSpPr txBox="1"/>
+          <p:cNvSpPr txBox="1">
+            <a:spLocks noGrp="1"/>
+          </p:cNvSpPr>
           <p:nvPr>
-            <p:ph idx="2" type="body"/>
+            <p:ph type="body" idx="2"/>
           </p:nvPr>
         </p:nvSpPr>
         <p:spPr>
@@ -2622,7 +2867,7 @@
           </a:prstGeom>
         </p:spPr>
         <p:txBody>
-          <a:bodyPr anchorCtr="0" anchor="t" bIns="91425" lIns="91425" rIns="91425" wrap="square" tIns="91425"/>
+          <a:bodyPr wrap="square" lIns="91425" tIns="91425" rIns="91425" bIns="91425" anchor="t" anchorCtr="0"/>
           <a:lstStyle>
             <a:lvl1pPr lvl="0" rtl="0">
               <a:spcBef>
@@ -2688,15 +2933,19 @@
               <a:defRPr sz="1200"/>
             </a:lvl9pPr>
           </a:lstStyle>
-          <a:p/>
+          <a:p>
+            <a:endParaRPr/>
+          </a:p>
         </p:txBody>
       </p:sp>
       <p:sp>
         <p:nvSpPr>
           <p:cNvPr id="26" name="Shape 26"/>
-          <p:cNvSpPr txBox="1"/>
+          <p:cNvSpPr txBox="1">
+            <a:spLocks noGrp="1"/>
+          </p:cNvSpPr>
           <p:nvPr>
-            <p:ph idx="12" type="sldNum"/>
+            <p:ph type="sldNum" idx="12"/>
           </p:nvPr>
         </p:nvSpPr>
         <p:spPr>
@@ -2709,7 +2958,7 @@
           </a:prstGeom>
         </p:spPr>
         <p:txBody>
-          <a:bodyPr anchorCtr="0" anchor="ctr" bIns="91425" lIns="91425" rIns="91425" wrap="square" tIns="91425">
+          <a:bodyPr wrap="square" lIns="91425" tIns="91425" rIns="91425" bIns="91425" anchor="ctr" anchorCtr="0">
             <a:noAutofit/>
           </a:bodyPr>
           <a:lstStyle/>
@@ -2724,6 +2973,7 @@
               <a:rPr lang="en"/>
               <a:t>‹#›</a:t>
             </a:fld>
+            <a:endParaRPr lang="en"/>
           </a:p>
         </p:txBody>
       </p:sp>
@@ -2736,11 +2986,11 @@
 </file>
 
 <file path=ppt/slideLayouts/slideLayout5.xml><?xml version="1.0" encoding="utf-8"?>
-<p:sldLayout xmlns:a="http://schemas.openxmlformats.org/drawingml/2006/main" xmlns:r="http://schemas.openxmlformats.org/officeDocument/2006/relationships" xmlns:mc="http://schemas.openxmlformats.org/markup-compatibility/2006" xmlns:mv="urn:schemas-microsoft-com:mac:vml" xmlns:p="http://schemas.openxmlformats.org/presentationml/2006/main" xmlns:c="http://schemas.openxmlformats.org/drawingml/2006/chart" xmlns:dgm="http://schemas.openxmlformats.org/drawingml/2006/diagram" xmlns:o="urn:schemas-microsoft-com:office:office" xmlns:v="urn:schemas-microsoft-com:vml" xmlns:pvml="urn:schemas-microsoft-com:office:powerpoint" xmlns:com="http://schemas.openxmlformats.org/drawingml/2006/compatibility" xmlns:p14="http://schemas.microsoft.com/office/powerpoint/2010/main" xmlns:p15="http://schemas.microsoft.com/office/powerpoint/2012/main" type="titleOnly">
+<p:sldLayout xmlns:a="http://schemas.openxmlformats.org/drawingml/2006/main" xmlns:r="http://schemas.openxmlformats.org/officeDocument/2006/relationships" xmlns:p="http://schemas.openxmlformats.org/presentationml/2006/main" type="titleOnly">
   <p:cSld name="Title only">
     <p:spTree>
       <p:nvGrpSpPr>
-        <p:cNvPr id="27" name="Shape 27"/>
+        <p:cNvPr id="1" name="Shape 27"/>
         <p:cNvGrpSpPr/>
         <p:nvPr/>
       </p:nvGrpSpPr>
@@ -2755,7 +3005,9 @@
       <p:sp>
         <p:nvSpPr>
           <p:cNvPr id="28" name="Shape 28"/>
-          <p:cNvSpPr txBox="1"/>
+          <p:cNvSpPr txBox="1">
+            <a:spLocks noGrp="1"/>
+          </p:cNvSpPr>
           <p:nvPr>
             <p:ph type="title"/>
           </p:nvPr>
@@ -2770,7 +3022,7 @@
           </a:prstGeom>
         </p:spPr>
         <p:txBody>
-          <a:bodyPr anchorCtr="0" anchor="t" bIns="91425" lIns="91425" rIns="91425" wrap="square" tIns="91425"/>
+          <a:bodyPr wrap="square" lIns="91425" tIns="91425" rIns="91425" bIns="91425" anchor="t" anchorCtr="0"/>
           <a:lstStyle>
             <a:lvl1pPr lvl="0" rtl="0">
               <a:spcBef>
@@ -2827,15 +3079,19 @@
               <a:defRPr/>
             </a:lvl9pPr>
           </a:lstStyle>
-          <a:p/>
+          <a:p>
+            <a:endParaRPr/>
+          </a:p>
         </p:txBody>
       </p:sp>
       <p:sp>
         <p:nvSpPr>
           <p:cNvPr id="29" name="Shape 29"/>
-          <p:cNvSpPr txBox="1"/>
+          <p:cNvSpPr txBox="1">
+            <a:spLocks noGrp="1"/>
+          </p:cNvSpPr>
           <p:nvPr>
-            <p:ph idx="12" type="sldNum"/>
+            <p:ph type="sldNum" idx="12"/>
           </p:nvPr>
         </p:nvSpPr>
         <p:spPr>
@@ -2848,7 +3104,7 @@
           </a:prstGeom>
         </p:spPr>
         <p:txBody>
-          <a:bodyPr anchorCtr="0" anchor="ctr" bIns="91425" lIns="91425" rIns="91425" wrap="square" tIns="91425">
+          <a:bodyPr wrap="square" lIns="91425" tIns="91425" rIns="91425" bIns="91425" anchor="ctr" anchorCtr="0">
             <a:noAutofit/>
           </a:bodyPr>
           <a:lstStyle/>
@@ -2863,6 +3119,7 @@
               <a:rPr lang="en"/>
               <a:t>‹#›</a:t>
             </a:fld>
+            <a:endParaRPr lang="en"/>
           </a:p>
         </p:txBody>
       </p:sp>
@@ -2875,11 +3132,11 @@
 </file>
 
 <file path=ppt/slideLayouts/slideLayout6.xml><?xml version="1.0" encoding="utf-8"?>
-<p:sldLayout xmlns:a="http://schemas.openxmlformats.org/drawingml/2006/main" xmlns:r="http://schemas.openxmlformats.org/officeDocument/2006/relationships" xmlns:mc="http://schemas.openxmlformats.org/markup-compatibility/2006" xmlns:mv="urn:schemas-microsoft-com:mac:vml" xmlns:p="http://schemas.openxmlformats.org/presentationml/2006/main" xmlns:c="http://schemas.openxmlformats.org/drawingml/2006/chart" xmlns:dgm="http://schemas.openxmlformats.org/drawingml/2006/diagram" xmlns:o="urn:schemas-microsoft-com:office:office" xmlns:v="urn:schemas-microsoft-com:vml" xmlns:pvml="urn:schemas-microsoft-com:office:powerpoint" xmlns:com="http://schemas.openxmlformats.org/drawingml/2006/compatibility" xmlns:p14="http://schemas.microsoft.com/office/powerpoint/2010/main" xmlns:p15="http://schemas.microsoft.com/office/powerpoint/2012/main">
+<p:sldLayout xmlns:a="http://schemas.openxmlformats.org/drawingml/2006/main" xmlns:r="http://schemas.openxmlformats.org/officeDocument/2006/relationships" xmlns:p="http://schemas.openxmlformats.org/presentationml/2006/main">
   <p:cSld name="One column text">
     <p:spTree>
       <p:nvGrpSpPr>
-        <p:cNvPr id="30" name="Shape 30"/>
+        <p:cNvPr id="1" name="Shape 30"/>
         <p:cNvGrpSpPr/>
         <p:nvPr/>
       </p:nvGrpSpPr>
@@ -2894,7 +3151,9 @@
       <p:sp>
         <p:nvSpPr>
           <p:cNvPr id="31" name="Shape 31"/>
-          <p:cNvSpPr txBox="1"/>
+          <p:cNvSpPr txBox="1">
+            <a:spLocks noGrp="1"/>
+          </p:cNvSpPr>
           <p:nvPr>
             <p:ph type="title"/>
           </p:nvPr>
@@ -2909,7 +3168,7 @@
           </a:prstGeom>
         </p:spPr>
         <p:txBody>
-          <a:bodyPr anchorCtr="0" anchor="b" bIns="91425" lIns="91425" rIns="91425" wrap="square" tIns="91425"/>
+          <a:bodyPr wrap="square" lIns="91425" tIns="91425" rIns="91425" bIns="91425" anchor="b" anchorCtr="0"/>
           <a:lstStyle>
             <a:lvl1pPr lvl="0" rtl="0">
               <a:spcBef>
@@ -2975,15 +3234,19 @@
               <a:defRPr sz="2400"/>
             </a:lvl9pPr>
           </a:lstStyle>
-          <a:p/>
+          <a:p>
+            <a:endParaRPr/>
+          </a:p>
         </p:txBody>
       </p:sp>
       <p:sp>
         <p:nvSpPr>
           <p:cNvPr id="32" name="Shape 32"/>
-          <p:cNvSpPr txBox="1"/>
+          <p:cNvSpPr txBox="1">
+            <a:spLocks noGrp="1"/>
+          </p:cNvSpPr>
           <p:nvPr>
-            <p:ph idx="1" type="body"/>
+            <p:ph type="body" idx="1"/>
           </p:nvPr>
         </p:nvSpPr>
         <p:spPr>
@@ -2996,7 +3259,7 @@
           </a:prstGeom>
         </p:spPr>
         <p:txBody>
-          <a:bodyPr anchorCtr="0" anchor="t" bIns="91425" lIns="91425" rIns="91425" wrap="square" tIns="91425"/>
+          <a:bodyPr wrap="square" lIns="91425" tIns="91425" rIns="91425" bIns="91425" anchor="t" anchorCtr="0"/>
           <a:lstStyle>
             <a:lvl1pPr lvl="0" rtl="0">
               <a:spcBef>
@@ -3062,15 +3325,19 @@
               <a:defRPr sz="1200"/>
             </a:lvl9pPr>
           </a:lstStyle>
-          <a:p/>
+          <a:p>
+            <a:endParaRPr/>
+          </a:p>
         </p:txBody>
       </p:sp>
       <p:sp>
         <p:nvSpPr>
           <p:cNvPr id="33" name="Shape 33"/>
-          <p:cNvSpPr txBox="1"/>
+          <p:cNvSpPr txBox="1">
+            <a:spLocks noGrp="1"/>
+          </p:cNvSpPr>
           <p:nvPr>
-            <p:ph idx="12" type="sldNum"/>
+            <p:ph type="sldNum" idx="12"/>
           </p:nvPr>
         </p:nvSpPr>
         <p:spPr>
@@ -3083,7 +3350,7 @@
           </a:prstGeom>
         </p:spPr>
         <p:txBody>
-          <a:bodyPr anchorCtr="0" anchor="ctr" bIns="91425" lIns="91425" rIns="91425" wrap="square" tIns="91425">
+          <a:bodyPr wrap="square" lIns="91425" tIns="91425" rIns="91425" bIns="91425" anchor="ctr" anchorCtr="0">
             <a:noAutofit/>
           </a:bodyPr>
           <a:lstStyle/>
@@ -3098,6 +3365,7 @@
               <a:rPr lang="en"/>
               <a:t>‹#›</a:t>
             </a:fld>
+            <a:endParaRPr lang="en"/>
           </a:p>
         </p:txBody>
       </p:sp>
@@ -3110,11 +3378,11 @@
 </file>
 
 <file path=ppt/slideLayouts/slideLayout7.xml><?xml version="1.0" encoding="utf-8"?>
-<p:sldLayout xmlns:a="http://schemas.openxmlformats.org/drawingml/2006/main" xmlns:r="http://schemas.openxmlformats.org/officeDocument/2006/relationships" xmlns:mc="http://schemas.openxmlformats.org/markup-compatibility/2006" xmlns:mv="urn:schemas-microsoft-com:mac:vml" xmlns:p="http://schemas.openxmlformats.org/presentationml/2006/main" xmlns:c="http://schemas.openxmlformats.org/drawingml/2006/chart" xmlns:dgm="http://schemas.openxmlformats.org/drawingml/2006/diagram" xmlns:o="urn:schemas-microsoft-com:office:office" xmlns:v="urn:schemas-microsoft-com:vml" xmlns:pvml="urn:schemas-microsoft-com:office:powerpoint" xmlns:com="http://schemas.openxmlformats.org/drawingml/2006/compatibility" xmlns:p14="http://schemas.microsoft.com/office/powerpoint/2010/main" xmlns:p15="http://schemas.microsoft.com/office/powerpoint/2012/main">
+<p:sldLayout xmlns:a="http://schemas.openxmlformats.org/drawingml/2006/main" xmlns:r="http://schemas.openxmlformats.org/officeDocument/2006/relationships" xmlns:p="http://schemas.openxmlformats.org/presentationml/2006/main">
   <p:cSld name="Main point">
     <p:spTree>
       <p:nvGrpSpPr>
-        <p:cNvPr id="34" name="Shape 34"/>
+        <p:cNvPr id="1" name="Shape 34"/>
         <p:cNvGrpSpPr/>
         <p:nvPr/>
       </p:nvGrpSpPr>
@@ -3129,7 +3397,9 @@
       <p:sp>
         <p:nvSpPr>
           <p:cNvPr id="35" name="Shape 35"/>
-          <p:cNvSpPr txBox="1"/>
+          <p:cNvSpPr txBox="1">
+            <a:spLocks noGrp="1"/>
+          </p:cNvSpPr>
           <p:nvPr>
             <p:ph type="title"/>
           </p:nvPr>
@@ -3144,7 +3414,7 @@
           </a:prstGeom>
         </p:spPr>
         <p:txBody>
-          <a:bodyPr anchorCtr="0" anchor="ctr" bIns="91425" lIns="91425" rIns="91425" wrap="square" tIns="91425"/>
+          <a:bodyPr wrap="square" lIns="91425" tIns="91425" rIns="91425" bIns="91425" anchor="ctr" anchorCtr="0"/>
           <a:lstStyle>
             <a:lvl1pPr lvl="0" rtl="0">
               <a:spcBef>
@@ -3210,15 +3480,19 @@
               <a:defRPr sz="4800"/>
             </a:lvl9pPr>
           </a:lstStyle>
-          <a:p/>
+          <a:p>
+            <a:endParaRPr/>
+          </a:p>
         </p:txBody>
       </p:sp>
       <p:sp>
         <p:nvSpPr>
           <p:cNvPr id="36" name="Shape 36"/>
-          <p:cNvSpPr txBox="1"/>
+          <p:cNvSpPr txBox="1">
+            <a:spLocks noGrp="1"/>
+          </p:cNvSpPr>
           <p:nvPr>
-            <p:ph idx="12" type="sldNum"/>
+            <p:ph type="sldNum" idx="12"/>
           </p:nvPr>
         </p:nvSpPr>
         <p:spPr>
@@ -3231,7 +3505,7 @@
           </a:prstGeom>
         </p:spPr>
         <p:txBody>
-          <a:bodyPr anchorCtr="0" anchor="ctr" bIns="91425" lIns="91425" rIns="91425" wrap="square" tIns="91425">
+          <a:bodyPr wrap="square" lIns="91425" tIns="91425" rIns="91425" bIns="91425" anchor="ctr" anchorCtr="0">
             <a:noAutofit/>
           </a:bodyPr>
           <a:lstStyle/>
@@ -3246,6 +3520,7 @@
               <a:rPr lang="en"/>
               <a:t>‹#›</a:t>
             </a:fld>
+            <a:endParaRPr lang="en"/>
           </a:p>
         </p:txBody>
       </p:sp>
@@ -3258,11 +3533,11 @@
 </file>
 
 <file path=ppt/slideLayouts/slideLayout8.xml><?xml version="1.0" encoding="utf-8"?>
-<p:sldLayout xmlns:a="http://schemas.openxmlformats.org/drawingml/2006/main" xmlns:r="http://schemas.openxmlformats.org/officeDocument/2006/relationships" xmlns:mc="http://schemas.openxmlformats.org/markup-compatibility/2006" xmlns:mv="urn:schemas-microsoft-com:mac:vml" xmlns:p="http://schemas.openxmlformats.org/presentationml/2006/main" xmlns:c="http://schemas.openxmlformats.org/drawingml/2006/chart" xmlns:dgm="http://schemas.openxmlformats.org/drawingml/2006/diagram" xmlns:o="urn:schemas-microsoft-com:office:office" xmlns:v="urn:schemas-microsoft-com:vml" xmlns:pvml="urn:schemas-microsoft-com:office:powerpoint" xmlns:com="http://schemas.openxmlformats.org/drawingml/2006/compatibility" xmlns:p14="http://schemas.microsoft.com/office/powerpoint/2010/main" xmlns:p15="http://schemas.microsoft.com/office/powerpoint/2012/main">
+<p:sldLayout xmlns:a="http://schemas.openxmlformats.org/drawingml/2006/main" xmlns:r="http://schemas.openxmlformats.org/officeDocument/2006/relationships" xmlns:p="http://schemas.openxmlformats.org/presentationml/2006/main">
   <p:cSld name="Section title and description">
     <p:spTree>
       <p:nvGrpSpPr>
-        <p:cNvPr id="37" name="Shape 37"/>
+        <p:cNvPr id="1" name="Shape 37"/>
         <p:cNvGrpSpPr/>
         <p:nvPr/>
       </p:nvGrpSpPr>
@@ -3296,7 +3571,7 @@
           </a:ln>
         </p:spPr>
         <p:txBody>
-          <a:bodyPr anchorCtr="0" anchor="ctr" bIns="91425" lIns="91425" rIns="91425" wrap="square" tIns="91425">
+          <a:bodyPr wrap="square" lIns="91425" tIns="91425" rIns="91425" bIns="91425" anchor="ctr" anchorCtr="0">
             <a:noAutofit/>
           </a:bodyPr>
           <a:lstStyle/>
@@ -3307,9 +3582,6 @@
               </a:spcBef>
               <a:buNone/>
             </a:pPr>
-            <a:r>
-              <a:t/>
-            </a:r>
             <a:endParaRPr/>
           </a:p>
         </p:txBody>
@@ -3317,7 +3589,9 @@
       <p:sp>
         <p:nvSpPr>
           <p:cNvPr id="39" name="Shape 39"/>
-          <p:cNvSpPr txBox="1"/>
+          <p:cNvSpPr txBox="1">
+            <a:spLocks noGrp="1"/>
+          </p:cNvSpPr>
           <p:nvPr>
             <p:ph type="title"/>
           </p:nvPr>
@@ -3332,65 +3606,65 @@
           </a:prstGeom>
         </p:spPr>
         <p:txBody>
-          <a:bodyPr anchorCtr="0" anchor="b" bIns="91425" lIns="91425" rIns="91425" wrap="square" tIns="91425"/>
+          <a:bodyPr wrap="square" lIns="91425" tIns="91425" rIns="91425" bIns="91425" anchor="b" anchorCtr="0"/>
           <a:lstStyle>
-            <a:lvl1pPr lvl="0" rtl="0" algn="ctr">
+            <a:lvl1pPr lvl="0" algn="ctr" rtl="0">
               <a:spcBef>
                 <a:spcPts val="0"/>
               </a:spcBef>
               <a:buSzPct val="100000"/>
               <a:defRPr sz="4200"/>
             </a:lvl1pPr>
-            <a:lvl2pPr lvl="1" rtl="0" algn="ctr">
+            <a:lvl2pPr lvl="1" algn="ctr" rtl="0">
               <a:spcBef>
                 <a:spcPts val="0"/>
               </a:spcBef>
               <a:buSzPct val="100000"/>
               <a:defRPr sz="4200"/>
             </a:lvl2pPr>
-            <a:lvl3pPr lvl="2" rtl="0" algn="ctr">
+            <a:lvl3pPr lvl="2" algn="ctr" rtl="0">
               <a:spcBef>
                 <a:spcPts val="0"/>
               </a:spcBef>
               <a:buSzPct val="100000"/>
               <a:defRPr sz="4200"/>
             </a:lvl3pPr>
-            <a:lvl4pPr lvl="3" rtl="0" algn="ctr">
+            <a:lvl4pPr lvl="3" algn="ctr" rtl="0">
               <a:spcBef>
                 <a:spcPts val="0"/>
               </a:spcBef>
               <a:buSzPct val="100000"/>
               <a:defRPr sz="4200"/>
             </a:lvl4pPr>
-            <a:lvl5pPr lvl="4" rtl="0" algn="ctr">
+            <a:lvl5pPr lvl="4" algn="ctr" rtl="0">
               <a:spcBef>
                 <a:spcPts val="0"/>
               </a:spcBef>
               <a:buSzPct val="100000"/>
               <a:defRPr sz="4200"/>
             </a:lvl5pPr>
-            <a:lvl6pPr lvl="5" rtl="0" algn="ctr">
+            <a:lvl6pPr lvl="5" algn="ctr" rtl="0">
               <a:spcBef>
                 <a:spcPts val="0"/>
               </a:spcBef>
               <a:buSzPct val="100000"/>
               <a:defRPr sz="4200"/>
             </a:lvl6pPr>
-            <a:lvl7pPr lvl="6" rtl="0" algn="ctr">
+            <a:lvl7pPr lvl="6" algn="ctr" rtl="0">
               <a:spcBef>
                 <a:spcPts val="0"/>
               </a:spcBef>
               <a:buSzPct val="100000"/>
               <a:defRPr sz="4200"/>
             </a:lvl7pPr>
-            <a:lvl8pPr lvl="7" rtl="0" algn="ctr">
+            <a:lvl8pPr lvl="7" algn="ctr" rtl="0">
               <a:spcBef>
                 <a:spcPts val="0"/>
               </a:spcBef>
               <a:buSzPct val="100000"/>
               <a:defRPr sz="4200"/>
             </a:lvl8pPr>
-            <a:lvl9pPr lvl="8" rtl="0" algn="ctr">
+            <a:lvl9pPr lvl="8" algn="ctr" rtl="0">
               <a:spcBef>
                 <a:spcPts val="0"/>
               </a:spcBef>
@@ -3398,15 +3672,19 @@
               <a:defRPr sz="4200"/>
             </a:lvl9pPr>
           </a:lstStyle>
-          <a:p/>
+          <a:p>
+            <a:endParaRPr/>
+          </a:p>
         </p:txBody>
       </p:sp>
       <p:sp>
         <p:nvSpPr>
           <p:cNvPr id="40" name="Shape 40"/>
-          <p:cNvSpPr txBox="1"/>
+          <p:cNvSpPr txBox="1">
+            <a:spLocks noGrp="1"/>
+          </p:cNvSpPr>
           <p:nvPr>
-            <p:ph idx="1" type="subTitle"/>
+            <p:ph type="subTitle" idx="1"/>
           </p:nvPr>
         </p:nvSpPr>
         <p:spPr>
@@ -3419,9 +3697,9 @@
           </a:prstGeom>
         </p:spPr>
         <p:txBody>
-          <a:bodyPr anchorCtr="0" anchor="t" bIns="91425" lIns="91425" rIns="91425" wrap="square" tIns="91425"/>
+          <a:bodyPr wrap="square" lIns="91425" tIns="91425" rIns="91425" bIns="91425" anchor="t" anchorCtr="0"/>
           <a:lstStyle>
-            <a:lvl1pPr lvl="0" rtl="0" algn="ctr">
+            <a:lvl1pPr lvl="0" algn="ctr" rtl="0">
               <a:lnSpc>
                 <a:spcPct val="100000"/>
               </a:lnSpc>
@@ -3435,7 +3713,7 @@
               <a:buNone/>
               <a:defRPr sz="2100"/>
             </a:lvl1pPr>
-            <a:lvl2pPr lvl="1" rtl="0" algn="ctr">
+            <a:lvl2pPr lvl="1" algn="ctr" rtl="0">
               <a:lnSpc>
                 <a:spcPct val="100000"/>
               </a:lnSpc>
@@ -3449,7 +3727,7 @@
               <a:buNone/>
               <a:defRPr sz="2100"/>
             </a:lvl2pPr>
-            <a:lvl3pPr lvl="2" rtl="0" algn="ctr">
+            <a:lvl3pPr lvl="2" algn="ctr" rtl="0">
               <a:lnSpc>
                 <a:spcPct val="100000"/>
               </a:lnSpc>
@@ -3463,7 +3741,7 @@
               <a:buNone/>
               <a:defRPr sz="2100"/>
             </a:lvl3pPr>
-            <a:lvl4pPr lvl="3" rtl="0" algn="ctr">
+            <a:lvl4pPr lvl="3" algn="ctr" rtl="0">
               <a:lnSpc>
                 <a:spcPct val="100000"/>
               </a:lnSpc>
@@ -3477,7 +3755,7 @@
               <a:buNone/>
               <a:defRPr sz="2100"/>
             </a:lvl4pPr>
-            <a:lvl5pPr lvl="4" rtl="0" algn="ctr">
+            <a:lvl5pPr lvl="4" algn="ctr" rtl="0">
               <a:lnSpc>
                 <a:spcPct val="100000"/>
               </a:lnSpc>
@@ -3491,7 +3769,7 @@
               <a:buNone/>
               <a:defRPr sz="2100"/>
             </a:lvl5pPr>
-            <a:lvl6pPr lvl="5" rtl="0" algn="ctr">
+            <a:lvl6pPr lvl="5" algn="ctr" rtl="0">
               <a:lnSpc>
                 <a:spcPct val="100000"/>
               </a:lnSpc>
@@ -3505,7 +3783,7 @@
               <a:buNone/>
               <a:defRPr sz="2100"/>
             </a:lvl6pPr>
-            <a:lvl7pPr lvl="6" rtl="0" algn="ctr">
+            <a:lvl7pPr lvl="6" algn="ctr" rtl="0">
               <a:lnSpc>
                 <a:spcPct val="100000"/>
               </a:lnSpc>
@@ -3519,7 +3797,7 @@
               <a:buNone/>
               <a:defRPr sz="2100"/>
             </a:lvl7pPr>
-            <a:lvl8pPr lvl="7" rtl="0" algn="ctr">
+            <a:lvl8pPr lvl="7" algn="ctr" rtl="0">
               <a:lnSpc>
                 <a:spcPct val="100000"/>
               </a:lnSpc>
@@ -3533,7 +3811,7 @@
               <a:buNone/>
               <a:defRPr sz="2100"/>
             </a:lvl8pPr>
-            <a:lvl9pPr lvl="8" rtl="0" algn="ctr">
+            <a:lvl9pPr lvl="8" algn="ctr" rtl="0">
               <a:lnSpc>
                 <a:spcPct val="100000"/>
               </a:lnSpc>
@@ -3548,15 +3826,19 @@
               <a:defRPr sz="2100"/>
             </a:lvl9pPr>
           </a:lstStyle>
-          <a:p/>
+          <a:p>
+            <a:endParaRPr/>
+          </a:p>
         </p:txBody>
       </p:sp>
       <p:sp>
         <p:nvSpPr>
           <p:cNvPr id="41" name="Shape 41"/>
-          <p:cNvSpPr txBox="1"/>
+          <p:cNvSpPr txBox="1">
+            <a:spLocks noGrp="1"/>
+          </p:cNvSpPr>
           <p:nvPr>
-            <p:ph idx="2" type="body"/>
+            <p:ph type="body" idx="2"/>
           </p:nvPr>
         </p:nvSpPr>
         <p:spPr>
@@ -3569,7 +3851,7 @@
           </a:prstGeom>
         </p:spPr>
         <p:txBody>
-          <a:bodyPr anchorCtr="0" anchor="ctr" bIns="91425" lIns="91425" rIns="91425" wrap="square" tIns="91425"/>
+          <a:bodyPr wrap="square" lIns="91425" tIns="91425" rIns="91425" bIns="91425" anchor="ctr" anchorCtr="0"/>
           <a:lstStyle>
             <a:lvl1pPr lvl="0" rtl="0">
               <a:spcBef>
@@ -3626,15 +3908,19 @@
               <a:defRPr/>
             </a:lvl9pPr>
           </a:lstStyle>
-          <a:p/>
+          <a:p>
+            <a:endParaRPr/>
+          </a:p>
         </p:txBody>
       </p:sp>
       <p:sp>
         <p:nvSpPr>
           <p:cNvPr id="42" name="Shape 42"/>
-          <p:cNvSpPr txBox="1"/>
+          <p:cNvSpPr txBox="1">
+            <a:spLocks noGrp="1"/>
+          </p:cNvSpPr>
           <p:nvPr>
-            <p:ph idx="12" type="sldNum"/>
+            <p:ph type="sldNum" idx="12"/>
           </p:nvPr>
         </p:nvSpPr>
         <p:spPr>
@@ -3647,7 +3933,7 @@
           </a:prstGeom>
         </p:spPr>
         <p:txBody>
-          <a:bodyPr anchorCtr="0" anchor="ctr" bIns="91425" lIns="91425" rIns="91425" wrap="square" tIns="91425">
+          <a:bodyPr wrap="square" lIns="91425" tIns="91425" rIns="91425" bIns="91425" anchor="ctr" anchorCtr="0">
             <a:noAutofit/>
           </a:bodyPr>
           <a:lstStyle/>
@@ -3662,6 +3948,7 @@
               <a:rPr lang="en"/>
               <a:t>‹#›</a:t>
             </a:fld>
+            <a:endParaRPr lang="en"/>
           </a:p>
         </p:txBody>
       </p:sp>
@@ -3674,11 +3961,11 @@
 </file>
 
 <file path=ppt/slideLayouts/slideLayout9.xml><?xml version="1.0" encoding="utf-8"?>
-<p:sldLayout xmlns:a="http://schemas.openxmlformats.org/drawingml/2006/main" xmlns:r="http://schemas.openxmlformats.org/officeDocument/2006/relationships" xmlns:mc="http://schemas.openxmlformats.org/markup-compatibility/2006" xmlns:mv="urn:schemas-microsoft-com:mac:vml" xmlns:p="http://schemas.openxmlformats.org/presentationml/2006/main" xmlns:c="http://schemas.openxmlformats.org/drawingml/2006/chart" xmlns:dgm="http://schemas.openxmlformats.org/drawingml/2006/diagram" xmlns:o="urn:schemas-microsoft-com:office:office" xmlns:v="urn:schemas-microsoft-com:vml" xmlns:pvml="urn:schemas-microsoft-com:office:powerpoint" xmlns:com="http://schemas.openxmlformats.org/drawingml/2006/compatibility" xmlns:p14="http://schemas.microsoft.com/office/powerpoint/2010/main" xmlns:p15="http://schemas.microsoft.com/office/powerpoint/2012/main">
+<p:sldLayout xmlns:a="http://schemas.openxmlformats.org/drawingml/2006/main" xmlns:r="http://schemas.openxmlformats.org/officeDocument/2006/relationships" xmlns:p="http://schemas.openxmlformats.org/presentationml/2006/main">
   <p:cSld name="Caption">
     <p:spTree>
       <p:nvGrpSpPr>
-        <p:cNvPr id="43" name="Shape 43"/>
+        <p:cNvPr id="1" name="Shape 43"/>
         <p:cNvGrpSpPr/>
         <p:nvPr/>
       </p:nvGrpSpPr>
@@ -3693,9 +3980,11 @@
       <p:sp>
         <p:nvSpPr>
           <p:cNvPr id="44" name="Shape 44"/>
-          <p:cNvSpPr txBox="1"/>
+          <p:cNvSpPr txBox="1">
+            <a:spLocks noGrp="1"/>
+          </p:cNvSpPr>
           <p:nvPr>
-            <p:ph idx="1" type="body"/>
+            <p:ph type="body" idx="1"/>
           </p:nvPr>
         </p:nvSpPr>
         <p:spPr>
@@ -3708,7 +3997,7 @@
           </a:prstGeom>
         </p:spPr>
         <p:txBody>
-          <a:bodyPr anchorCtr="0" anchor="ctr" bIns="91425" lIns="91425" rIns="91425" wrap="square" tIns="91425"/>
+          <a:bodyPr wrap="square" lIns="91425" tIns="91425" rIns="91425" bIns="91425" anchor="ctr" anchorCtr="0"/>
           <a:lstStyle>
             <a:lvl1pPr lvl="0" rtl="0">
               <a:lnSpc>
@@ -3724,15 +4013,19 @@
               <a:defRPr/>
             </a:lvl1pPr>
           </a:lstStyle>
-          <a:p/>
+          <a:p>
+            <a:endParaRPr/>
+          </a:p>
         </p:txBody>
       </p:sp>
       <p:sp>
         <p:nvSpPr>
           <p:cNvPr id="45" name="Shape 45"/>
-          <p:cNvSpPr txBox="1"/>
+          <p:cNvSpPr txBox="1">
+            <a:spLocks noGrp="1"/>
+          </p:cNvSpPr>
           <p:nvPr>
-            <p:ph idx="12" type="sldNum"/>
+            <p:ph type="sldNum" idx="12"/>
           </p:nvPr>
         </p:nvSpPr>
         <p:spPr>
@@ -3745,7 +4038,7 @@
           </a:prstGeom>
         </p:spPr>
         <p:txBody>
-          <a:bodyPr anchorCtr="0" anchor="ctr" bIns="91425" lIns="91425" rIns="91425" wrap="square" tIns="91425">
+          <a:bodyPr wrap="square" lIns="91425" tIns="91425" rIns="91425" bIns="91425" anchor="ctr" anchorCtr="0">
             <a:noAutofit/>
           </a:bodyPr>
           <a:lstStyle/>
@@ -3760,6 +4053,7 @@
               <a:rPr lang="en"/>
               <a:t>‹#›</a:t>
             </a:fld>
+            <a:endParaRPr lang="en"/>
           </a:p>
         </p:txBody>
       </p:sp>
@@ -3772,18 +4066,19 @@
 </file>
 
 <file path=ppt/slideMasters/slideMaster1.xml><?xml version="1.0" encoding="utf-8"?>
-<p:sldMaster xmlns:a="http://schemas.openxmlformats.org/drawingml/2006/main" xmlns:r="http://schemas.openxmlformats.org/officeDocument/2006/relationships" xmlns:mc="http://schemas.openxmlformats.org/markup-compatibility/2006" xmlns:mv="urn:schemas-microsoft-com:mac:vml" xmlns:p="http://schemas.openxmlformats.org/presentationml/2006/main" xmlns:c="http://schemas.openxmlformats.org/drawingml/2006/chart" xmlns:dgm="http://schemas.openxmlformats.org/drawingml/2006/diagram" xmlns:o="urn:schemas-microsoft-com:office:office" xmlns:v="urn:schemas-microsoft-com:vml" xmlns:pvml="urn:schemas-microsoft-com:office:powerpoint" xmlns:com="http://schemas.openxmlformats.org/drawingml/2006/compatibility" xmlns:p14="http://schemas.microsoft.com/office/powerpoint/2010/main" xmlns:p15="http://schemas.microsoft.com/office/powerpoint/2012/main">
+<p:sldMaster xmlns:a="http://schemas.openxmlformats.org/drawingml/2006/main" xmlns:r="http://schemas.openxmlformats.org/officeDocument/2006/relationships" xmlns:p="http://schemas.openxmlformats.org/presentationml/2006/main">
   <p:cSld name="simple-light-2">
     <p:bg>
       <p:bgPr>
         <a:solidFill>
           <a:schemeClr val="lt1"/>
         </a:solidFill>
+        <a:effectLst/>
       </p:bgPr>
     </p:bg>
     <p:spTree>
       <p:nvGrpSpPr>
-        <p:cNvPr id="5" name="Shape 5"/>
+        <p:cNvPr id="1" name="Shape 5"/>
         <p:cNvGrpSpPr/>
         <p:nvPr/>
       </p:nvGrpSpPr>
@@ -3798,7 +4093,9 @@
       <p:sp>
         <p:nvSpPr>
           <p:cNvPr id="6" name="Shape 6"/>
-          <p:cNvSpPr txBox="1"/>
+          <p:cNvSpPr txBox="1">
+            <a:spLocks noGrp="1"/>
+          </p:cNvSpPr>
           <p:nvPr>
             <p:ph type="title"/>
           </p:nvPr>
@@ -3817,7 +4114,7 @@
           </a:ln>
         </p:spPr>
         <p:txBody>
-          <a:bodyPr anchorCtr="0" anchor="t" bIns="91425" lIns="91425" rIns="91425" wrap="square" tIns="91425"/>
+          <a:bodyPr wrap="square" lIns="91425" tIns="91425" rIns="91425" bIns="91425" anchor="t" anchorCtr="0"/>
           <a:lstStyle>
             <a:lvl1pPr lvl="0" rtl="0">
               <a:spcBef>
@@ -3955,15 +4252,19 @@
               </a:defRPr>
             </a:lvl9pPr>
           </a:lstStyle>
-          <a:p/>
+          <a:p>
+            <a:endParaRPr/>
+          </a:p>
         </p:txBody>
       </p:sp>
       <p:sp>
         <p:nvSpPr>
           <p:cNvPr id="7" name="Shape 7"/>
-          <p:cNvSpPr txBox="1"/>
+          <p:cNvSpPr txBox="1">
+            <a:spLocks noGrp="1"/>
+          </p:cNvSpPr>
           <p:nvPr>
-            <p:ph idx="1" type="body"/>
+            <p:ph type="body" idx="1"/>
           </p:nvPr>
         </p:nvSpPr>
         <p:spPr>
@@ -3980,7 +4281,7 @@
           </a:ln>
         </p:spPr>
         <p:txBody>
-          <a:bodyPr anchorCtr="0" anchor="t" bIns="91425" lIns="91425" rIns="91425" wrap="square" tIns="91425"/>
+          <a:bodyPr wrap="square" lIns="91425" tIns="91425" rIns="91425" bIns="91425" anchor="t" anchorCtr="0"/>
           <a:lstStyle>
             <a:lvl1pPr lvl="0" rtl="0">
               <a:lnSpc>
@@ -4164,15 +4465,19 @@
               </a:defRPr>
             </a:lvl9pPr>
           </a:lstStyle>
-          <a:p/>
+          <a:p>
+            <a:endParaRPr/>
+          </a:p>
         </p:txBody>
       </p:sp>
       <p:sp>
         <p:nvSpPr>
           <p:cNvPr id="8" name="Shape 8"/>
-          <p:cNvSpPr txBox="1"/>
+          <p:cNvSpPr txBox="1">
+            <a:spLocks noGrp="1"/>
+          </p:cNvSpPr>
           <p:nvPr>
-            <p:ph idx="12" type="sldNum"/>
+            <p:ph type="sldNum" idx="12"/>
           </p:nvPr>
         </p:nvSpPr>
         <p:spPr>
@@ -4189,12 +4494,12 @@
           </a:ln>
         </p:spPr>
         <p:txBody>
-          <a:bodyPr anchorCtr="0" anchor="ctr" bIns="91425" lIns="91425" rIns="91425" wrap="square" tIns="91425">
+          <a:bodyPr wrap="square" lIns="91425" tIns="91425" rIns="91425" bIns="91425" anchor="ctr" anchorCtr="0">
             <a:noAutofit/>
           </a:bodyPr>
           <a:lstStyle/>
           <a:p>
-            <a:pPr lvl="0" rtl="0" algn="r">
+            <a:pPr lvl="0" algn="r" rtl="0">
               <a:spcBef>
                 <a:spcPts val="0"/>
               </a:spcBef>
@@ -4208,6 +4513,11 @@
               </a:rPr>
               <a:t>‹#›</a:t>
             </a:fld>
+            <a:endParaRPr lang="en" sz="1000">
+              <a:solidFill>
+                <a:schemeClr val="dk2"/>
+              </a:solidFill>
+            </a:endParaRPr>
           </a:p>
         </p:txBody>
       </p:sp>
@@ -4224,7 +4534,7 @@
           </a:xfrm>
           <a:prstGeom prst="snip1Rect">
             <a:avLst>
-              <a:gd fmla="val 30002" name="adj"/>
+              <a:gd name="adj" fmla="val 30002"/>
             </a:avLst>
           </a:prstGeom>
           <a:solidFill>
@@ -4235,7 +4545,7 @@
           </a:ln>
         </p:spPr>
         <p:txBody>
-          <a:bodyPr anchorCtr="0" anchor="ctr" bIns="91425" lIns="91425" rIns="91425" wrap="square" tIns="91425">
+          <a:bodyPr wrap="square" lIns="91425" tIns="91425" rIns="91425" bIns="91425" anchor="ctr" anchorCtr="0">
             <a:noAutofit/>
           </a:bodyPr>
           <a:lstStyle/>
@@ -4246,16 +4556,13 @@
               </a:spcBef>
               <a:buNone/>
             </a:pPr>
-            <a:r>
-              <a:t/>
-            </a:r>
             <a:endParaRPr/>
           </a:p>
         </p:txBody>
       </p:sp>
     </p:spTree>
   </p:cSld>
-  <p:clrMap accent1="accent1" accent2="accent2" accent3="accent3" accent4="accent4" accent5="accent5" accent6="accent6" bg1="lt1" bg2="dk2" tx1="dk1" tx2="lt2" folHlink="folHlink" hlink="hlink"/>
+  <p:clrMap bg1="lt1" tx1="dk1" bg2="dk2" tx2="lt2" accent1="accent1" accent2="accent2" accent3="accent3" accent4="accent4" accent5="accent5" accent6="accent6" hlink="hlink" folHlink="folHlink"/>
   <p:sldLayoutIdLst>
     <p:sldLayoutId id="2147483648" r:id="rId1"/>
     <p:sldLayoutId id="2147483649" r:id="rId2"/>
@@ -4269,10 +4576,10 @@
     <p:sldLayoutId id="2147483657" r:id="rId10"/>
     <p:sldLayoutId id="2147483658" r:id="rId11"/>
   </p:sldLayoutIdLst>
-  <p:hf dt="0" ftr="0" hdr="0" sldNum="0"/>
+  <p:hf sldNum="0" hdr="0" ftr="0" dt="0"/>
   <p:txStyles>
     <p:titleStyle>
-      <a:defPPr lvl="0" marR="0" rtl="0" algn="l">
+      <a:defPPr marR="0" lvl="0" algn="l" rtl="0">
         <a:lnSpc>
           <a:spcPct val="100000"/>
         </a:lnSpc>
@@ -4283,7 +4590,7 @@
           <a:spcPts val="0"/>
         </a:spcAft>
       </a:defPPr>
-      <a:lvl1pPr lvl="0" marR="0" rtl="0" algn="l">
+      <a:lvl1pPr marR="0" lvl="0" algn="l" rtl="0">
         <a:lnSpc>
           <a:spcPct val="100000"/>
         </a:lnSpc>
@@ -4294,7 +4601,7 @@
           <a:spcPts val="0"/>
         </a:spcAft>
         <a:buNone/>
-        <a:defRPr b="0" i="0" sz="1400" u="none" cap="none" strike="noStrike">
+        <a:defRPr sz="1400" b="0" i="0" u="none" strike="noStrike" cap="none">
           <a:solidFill>
             <a:srgbClr val="000000"/>
           </a:solidFill>
@@ -4306,7 +4613,7 @@
       </a:lvl1pPr>
     </p:titleStyle>
     <p:bodyStyle>
-      <a:defPPr lvl="0" marR="0" rtl="0" algn="l">
+      <a:defPPr marR="0" lvl="0" algn="l" rtl="0">
         <a:lnSpc>
           <a:spcPct val="100000"/>
         </a:lnSpc>
@@ -4317,7 +4624,7 @@
           <a:spcPts val="0"/>
         </a:spcAft>
       </a:defPPr>
-      <a:lvl1pPr lvl="0" marR="0" rtl="0" algn="l">
+      <a:lvl1pPr marR="0" lvl="0" algn="l" rtl="0">
         <a:lnSpc>
           <a:spcPct val="100000"/>
         </a:lnSpc>
@@ -4328,7 +4635,7 @@
           <a:spcPts val="0"/>
         </a:spcAft>
         <a:buNone/>
-        <a:defRPr b="0" i="0" sz="1400" u="none" cap="none" strike="noStrike">
+        <a:defRPr sz="1400" b="0" i="0" u="none" strike="noStrike" cap="none">
           <a:solidFill>
             <a:srgbClr val="000000"/>
           </a:solidFill>
@@ -4338,7 +4645,7 @@
           <a:sym typeface="Arial"/>
         </a:defRPr>
       </a:lvl1pPr>
-      <a:lvl2pPr lvl="1" marR="0" rtl="0" algn="l">
+      <a:lvl2pPr marR="0" lvl="1" algn="l" rtl="0">
         <a:lnSpc>
           <a:spcPct val="100000"/>
         </a:lnSpc>
@@ -4349,7 +4656,7 @@
           <a:spcPts val="0"/>
         </a:spcAft>
         <a:buNone/>
-        <a:defRPr b="0" i="0" sz="1400" u="none" cap="none" strike="noStrike">
+        <a:defRPr sz="1400" b="0" i="0" u="none" strike="noStrike" cap="none">
           <a:solidFill>
             <a:srgbClr val="000000"/>
           </a:solidFill>
@@ -4359,7 +4666,7 @@
           <a:sym typeface="Arial"/>
         </a:defRPr>
       </a:lvl2pPr>
-      <a:lvl3pPr lvl="2" marR="0" rtl="0" algn="l">
+      <a:lvl3pPr marR="0" lvl="2" algn="l" rtl="0">
         <a:lnSpc>
           <a:spcPct val="100000"/>
         </a:lnSpc>
@@ -4370,7 +4677,7 @@
           <a:spcPts val="0"/>
         </a:spcAft>
         <a:buNone/>
-        <a:defRPr b="0" i="0" sz="1400" u="none" cap="none" strike="noStrike">
+        <a:defRPr sz="1400" b="0" i="0" u="none" strike="noStrike" cap="none">
           <a:solidFill>
             <a:srgbClr val="000000"/>
           </a:solidFill>
@@ -4380,7 +4687,7 @@
           <a:sym typeface="Arial"/>
         </a:defRPr>
       </a:lvl3pPr>
-      <a:lvl4pPr lvl="3" marR="0" rtl="0" algn="l">
+      <a:lvl4pPr marR="0" lvl="3" algn="l" rtl="0">
         <a:lnSpc>
           <a:spcPct val="100000"/>
         </a:lnSpc>
@@ -4391,7 +4698,7 @@
           <a:spcPts val="0"/>
         </a:spcAft>
         <a:buNone/>
-        <a:defRPr b="0" i="0" sz="1400" u="none" cap="none" strike="noStrike">
+        <a:defRPr sz="1400" b="0" i="0" u="none" strike="noStrike" cap="none">
           <a:solidFill>
             <a:srgbClr val="000000"/>
           </a:solidFill>
@@ -4401,7 +4708,7 @@
           <a:sym typeface="Arial"/>
         </a:defRPr>
       </a:lvl4pPr>
-      <a:lvl5pPr lvl="4" marR="0" rtl="0" algn="l">
+      <a:lvl5pPr marR="0" lvl="4" algn="l" rtl="0">
         <a:lnSpc>
           <a:spcPct val="100000"/>
         </a:lnSpc>
@@ -4412,7 +4719,7 @@
           <a:spcPts val="0"/>
         </a:spcAft>
         <a:buNone/>
-        <a:defRPr b="0" i="0" sz="1400" u="none" cap="none" strike="noStrike">
+        <a:defRPr sz="1400" b="0" i="0" u="none" strike="noStrike" cap="none">
           <a:solidFill>
             <a:srgbClr val="000000"/>
           </a:solidFill>
@@ -4422,7 +4729,7 @@
           <a:sym typeface="Arial"/>
         </a:defRPr>
       </a:lvl5pPr>
-      <a:lvl6pPr lvl="5" marR="0" rtl="0" algn="l">
+      <a:lvl6pPr marR="0" lvl="5" algn="l" rtl="0">
         <a:lnSpc>
           <a:spcPct val="100000"/>
         </a:lnSpc>
@@ -4433,7 +4740,7 @@
           <a:spcPts val="0"/>
         </a:spcAft>
         <a:buNone/>
-        <a:defRPr b="0" i="0" sz="1400" u="none" cap="none" strike="noStrike">
+        <a:defRPr sz="1400" b="0" i="0" u="none" strike="noStrike" cap="none">
           <a:solidFill>
             <a:srgbClr val="000000"/>
           </a:solidFill>
@@ -4443,7 +4750,7 @@
           <a:sym typeface="Arial"/>
         </a:defRPr>
       </a:lvl6pPr>
-      <a:lvl7pPr lvl="6" marR="0" rtl="0" algn="l">
+      <a:lvl7pPr marR="0" lvl="6" algn="l" rtl="0">
         <a:lnSpc>
           <a:spcPct val="100000"/>
         </a:lnSpc>
@@ -4454,7 +4761,7 @@
           <a:spcPts val="0"/>
         </a:spcAft>
         <a:buNone/>
-        <a:defRPr b="0" i="0" sz="1400" u="none" cap="none" strike="noStrike">
+        <a:defRPr sz="1400" b="0" i="0" u="none" strike="noStrike" cap="none">
           <a:solidFill>
             <a:srgbClr val="000000"/>
           </a:solidFill>
@@ -4464,7 +4771,7 @@
           <a:sym typeface="Arial"/>
         </a:defRPr>
       </a:lvl7pPr>
-      <a:lvl8pPr lvl="7" marR="0" rtl="0" algn="l">
+      <a:lvl8pPr marR="0" lvl="7" algn="l" rtl="0">
         <a:lnSpc>
           <a:spcPct val="100000"/>
         </a:lnSpc>
@@ -4475,7 +4782,7 @@
           <a:spcPts val="0"/>
         </a:spcAft>
         <a:buNone/>
-        <a:defRPr b="0" i="0" sz="1400" u="none" cap="none" strike="noStrike">
+        <a:defRPr sz="1400" b="0" i="0" u="none" strike="noStrike" cap="none">
           <a:solidFill>
             <a:srgbClr val="000000"/>
           </a:solidFill>
@@ -4485,7 +4792,7 @@
           <a:sym typeface="Arial"/>
         </a:defRPr>
       </a:lvl8pPr>
-      <a:lvl9pPr lvl="8" marR="0" rtl="0" algn="l">
+      <a:lvl9pPr marR="0" lvl="8" algn="l" rtl="0">
         <a:lnSpc>
           <a:spcPct val="100000"/>
         </a:lnSpc>
@@ -4496,7 +4803,7 @@
           <a:spcPts val="0"/>
         </a:spcAft>
         <a:buNone/>
-        <a:defRPr b="0" i="0" sz="1400" u="none" cap="none" strike="noStrike">
+        <a:defRPr sz="1400" b="0" i="0" u="none" strike="noStrike" cap="none">
           <a:solidFill>
             <a:srgbClr val="000000"/>
           </a:solidFill>
@@ -4508,7 +4815,7 @@
       </a:lvl9pPr>
     </p:bodyStyle>
     <p:otherStyle>
-      <a:defPPr lvl="0" marR="0" rtl="0" algn="l">
+      <a:defPPr marR="0" lvl="0" algn="l" rtl="0">
         <a:lnSpc>
           <a:spcPct val="100000"/>
         </a:lnSpc>
@@ -4519,7 +4826,7 @@
           <a:spcPts val="0"/>
         </a:spcAft>
       </a:defPPr>
-      <a:lvl1pPr lvl="0" marR="0" rtl="0" algn="l">
+      <a:lvl1pPr marR="0" lvl="0" algn="l" rtl="0">
         <a:lnSpc>
           <a:spcPct val="100000"/>
         </a:lnSpc>
@@ -4530,7 +4837,7 @@
           <a:spcPts val="0"/>
         </a:spcAft>
         <a:buNone/>
-        <a:defRPr b="0" i="0" sz="1400" u="none" cap="none" strike="noStrike">
+        <a:defRPr sz="1400" b="0" i="0" u="none" strike="noStrike" cap="none">
           <a:solidFill>
             <a:srgbClr val="000000"/>
           </a:solidFill>
@@ -4540,7 +4847,7 @@
           <a:sym typeface="Arial"/>
         </a:defRPr>
       </a:lvl1pPr>
-      <a:lvl2pPr lvl="1" marR="0" rtl="0" algn="l">
+      <a:lvl2pPr marR="0" lvl="1" algn="l" rtl="0">
         <a:lnSpc>
           <a:spcPct val="100000"/>
         </a:lnSpc>
@@ -4551,7 +4858,7 @@
           <a:spcPts val="0"/>
         </a:spcAft>
         <a:buNone/>
-        <a:defRPr b="0" i="0" sz="1400" u="none" cap="none" strike="noStrike">
+        <a:defRPr sz="1400" b="0" i="0" u="none" strike="noStrike" cap="none">
           <a:solidFill>
             <a:srgbClr val="000000"/>
           </a:solidFill>
@@ -4561,7 +4868,7 @@
           <a:sym typeface="Arial"/>
         </a:defRPr>
       </a:lvl2pPr>
-      <a:lvl3pPr lvl="2" marR="0" rtl="0" algn="l">
+      <a:lvl3pPr marR="0" lvl="2" algn="l" rtl="0">
         <a:lnSpc>
           <a:spcPct val="100000"/>
         </a:lnSpc>
@@ -4572,7 +4879,7 @@
           <a:spcPts val="0"/>
         </a:spcAft>
         <a:buNone/>
-        <a:defRPr b="0" i="0" sz="1400" u="none" cap="none" strike="noStrike">
+        <a:defRPr sz="1400" b="0" i="0" u="none" strike="noStrike" cap="none">
           <a:solidFill>
             <a:srgbClr val="000000"/>
           </a:solidFill>
@@ -4582,7 +4889,7 @@
           <a:sym typeface="Arial"/>
         </a:defRPr>
       </a:lvl3pPr>
-      <a:lvl4pPr lvl="3" marR="0" rtl="0" algn="l">
+      <a:lvl4pPr marR="0" lvl="3" algn="l" rtl="0">
         <a:lnSpc>
           <a:spcPct val="100000"/>
         </a:lnSpc>
@@ -4593,7 +4900,7 @@
           <a:spcPts val="0"/>
         </a:spcAft>
         <a:buNone/>
-        <a:defRPr b="0" i="0" sz="1400" u="none" cap="none" strike="noStrike">
+        <a:defRPr sz="1400" b="0" i="0" u="none" strike="noStrike" cap="none">
           <a:solidFill>
             <a:srgbClr val="000000"/>
           </a:solidFill>
@@ -4603,7 +4910,7 @@
           <a:sym typeface="Arial"/>
         </a:defRPr>
       </a:lvl4pPr>
-      <a:lvl5pPr lvl="4" marR="0" rtl="0" algn="l">
+      <a:lvl5pPr marR="0" lvl="4" algn="l" rtl="0">
         <a:lnSpc>
           <a:spcPct val="100000"/>
         </a:lnSpc>
@@ -4614,7 +4921,7 @@
           <a:spcPts val="0"/>
         </a:spcAft>
         <a:buNone/>
-        <a:defRPr b="0" i="0" sz="1400" u="none" cap="none" strike="noStrike">
+        <a:defRPr sz="1400" b="0" i="0" u="none" strike="noStrike" cap="none">
           <a:solidFill>
             <a:srgbClr val="000000"/>
           </a:solidFill>
@@ -4624,7 +4931,7 @@
           <a:sym typeface="Arial"/>
         </a:defRPr>
       </a:lvl5pPr>
-      <a:lvl6pPr lvl="5" marR="0" rtl="0" algn="l">
+      <a:lvl6pPr marR="0" lvl="5" algn="l" rtl="0">
         <a:lnSpc>
           <a:spcPct val="100000"/>
         </a:lnSpc>
@@ -4635,7 +4942,7 @@
           <a:spcPts val="0"/>
         </a:spcAft>
         <a:buNone/>
-        <a:defRPr b="0" i="0" sz="1400" u="none" cap="none" strike="noStrike">
+        <a:defRPr sz="1400" b="0" i="0" u="none" strike="noStrike" cap="none">
           <a:solidFill>
             <a:srgbClr val="000000"/>
           </a:solidFill>
@@ -4645,7 +4952,7 @@
           <a:sym typeface="Arial"/>
         </a:defRPr>
       </a:lvl6pPr>
-      <a:lvl7pPr lvl="6" marR="0" rtl="0" algn="l">
+      <a:lvl7pPr marR="0" lvl="6" algn="l" rtl="0">
         <a:lnSpc>
           <a:spcPct val="100000"/>
         </a:lnSpc>
@@ -4656,7 +4963,7 @@
           <a:spcPts val="0"/>
         </a:spcAft>
         <a:buNone/>
-        <a:defRPr b="0" i="0" sz="1400" u="none" cap="none" strike="noStrike">
+        <a:defRPr sz="1400" b="0" i="0" u="none" strike="noStrike" cap="none">
           <a:solidFill>
             <a:srgbClr val="000000"/>
           </a:solidFill>
@@ -4666,7 +4973,7 @@
           <a:sym typeface="Arial"/>
         </a:defRPr>
       </a:lvl7pPr>
-      <a:lvl8pPr lvl="7" marR="0" rtl="0" algn="l">
+      <a:lvl8pPr marR="0" lvl="7" algn="l" rtl="0">
         <a:lnSpc>
           <a:spcPct val="100000"/>
         </a:lnSpc>
@@ -4677,7 +4984,7 @@
           <a:spcPts val="0"/>
         </a:spcAft>
         <a:buNone/>
-        <a:defRPr b="0" i="0" sz="1400" u="none" cap="none" strike="noStrike">
+        <a:defRPr sz="1400" b="0" i="0" u="none" strike="noStrike" cap="none">
           <a:solidFill>
             <a:srgbClr val="000000"/>
           </a:solidFill>
@@ -4687,7 +4994,7 @@
           <a:sym typeface="Arial"/>
         </a:defRPr>
       </a:lvl8pPr>
-      <a:lvl9pPr lvl="8" marR="0" rtl="0" algn="l">
+      <a:lvl9pPr marR="0" lvl="8" algn="l" rtl="0">
         <a:lnSpc>
           <a:spcPct val="100000"/>
         </a:lnSpc>
@@ -4698,7 +5005,7 @@
           <a:spcPts val="0"/>
         </a:spcAft>
         <a:buNone/>
-        <a:defRPr b="0" i="0" sz="1400" u="none" cap="none" strike="noStrike">
+        <a:defRPr sz="1400" b="0" i="0" u="none" strike="noStrike" cap="none">
           <a:solidFill>
             <a:srgbClr val="000000"/>
           </a:solidFill>
@@ -4714,11 +5021,11 @@
 </file>
 
 <file path=ppt/slides/slide1.xml><?xml version="1.0" encoding="utf-8"?>
-<p:sld xmlns:a="http://schemas.openxmlformats.org/drawingml/2006/main" xmlns:r="http://schemas.openxmlformats.org/officeDocument/2006/relationships" xmlns:mc="http://schemas.openxmlformats.org/markup-compatibility/2006" xmlns:mv="urn:schemas-microsoft-com:mac:vml" xmlns:p="http://schemas.openxmlformats.org/presentationml/2006/main" xmlns:c="http://schemas.openxmlformats.org/drawingml/2006/chart" xmlns:dgm="http://schemas.openxmlformats.org/drawingml/2006/diagram" xmlns:o="urn:schemas-microsoft-com:office:office" xmlns:v="urn:schemas-microsoft-com:vml" xmlns:pvml="urn:schemas-microsoft-com:office:powerpoint" xmlns:com="http://schemas.openxmlformats.org/drawingml/2006/compatibility" xmlns:p14="http://schemas.microsoft.com/office/powerpoint/2010/main" xmlns:p15="http://schemas.microsoft.com/office/powerpoint/2012/main">
+<p:sld xmlns:a="http://schemas.openxmlformats.org/drawingml/2006/main" xmlns:r="http://schemas.openxmlformats.org/officeDocument/2006/relationships" xmlns:p="http://schemas.openxmlformats.org/presentationml/2006/main">
   <p:cSld>
     <p:spTree>
       <p:nvGrpSpPr>
-        <p:cNvPr id="55" name="Shape 55"/>
+        <p:cNvPr id="1" name="Shape 55"/>
         <p:cNvGrpSpPr/>
         <p:nvPr/>
       </p:nvGrpSpPr>
@@ -4733,22 +5040,24 @@
       <p:sp>
         <p:nvSpPr>
           <p:cNvPr id="56" name="Shape 56"/>
-          <p:cNvSpPr txBox="1"/>
+          <p:cNvSpPr txBox="1">
+            <a:spLocks noGrp="1"/>
+          </p:cNvSpPr>
           <p:nvPr>
             <p:ph type="ctrTitle"/>
           </p:nvPr>
         </p:nvSpPr>
         <p:spPr>
           <a:xfrm>
-            <a:off x="1158675" y="498125"/>
-            <a:ext cx="4975200" cy="1646100"/>
+            <a:off x="1158674" y="498125"/>
+            <a:ext cx="5695781" cy="1646100"/>
           </a:xfrm>
           <a:prstGeom prst="rect">
             <a:avLst/>
           </a:prstGeom>
         </p:spPr>
         <p:txBody>
-          <a:bodyPr anchorCtr="0" anchor="b" bIns="91425" lIns="91425" rIns="91425" wrap="square" tIns="91425">
+          <a:bodyPr wrap="square" lIns="91425" tIns="91425" rIns="91425" bIns="91425" anchor="b" anchorCtr="0">
             <a:noAutofit/>
           </a:bodyPr>
           <a:lstStyle/>
@@ -4760,7 +5069,7 @@
               <a:buNone/>
             </a:pPr>
             <a:r>
-              <a:rPr lang="en">
+              <a:rPr lang="en" dirty="0">
                 <a:solidFill>
                   <a:schemeClr val="lt1"/>
                 </a:solidFill>
@@ -4773,22 +5082,24 @@
       <p:sp>
         <p:nvSpPr>
           <p:cNvPr id="57" name="Shape 57"/>
-          <p:cNvSpPr txBox="1"/>
+          <p:cNvSpPr txBox="1">
+            <a:spLocks noGrp="1"/>
+          </p:cNvSpPr>
           <p:nvPr>
-            <p:ph idx="1" type="subTitle"/>
+            <p:ph type="subTitle" idx="1"/>
           </p:nvPr>
         </p:nvSpPr>
         <p:spPr>
           <a:xfrm>
-            <a:off x="1158675" y="2916125"/>
-            <a:ext cx="2325000" cy="403500"/>
+            <a:off x="1158674" y="2916125"/>
+            <a:ext cx="5320098" cy="403500"/>
           </a:xfrm>
           <a:prstGeom prst="rect">
             <a:avLst/>
           </a:prstGeom>
         </p:spPr>
         <p:txBody>
-          <a:bodyPr anchorCtr="0" anchor="t" bIns="91425" lIns="91425" rIns="91425" wrap="square" tIns="91425">
+          <a:bodyPr wrap="square" lIns="91425" tIns="91425" rIns="91425" bIns="91425" anchor="t" anchorCtr="0">
             <a:noAutofit/>
           </a:bodyPr>
           <a:lstStyle/>
@@ -4800,13 +5111,50 @@
               <a:buNone/>
             </a:pPr>
             <a:r>
-              <a:rPr lang="en" sz="1800">
+              <a:rPr lang="en" sz="1800" dirty="0">
                 <a:solidFill>
                   <a:schemeClr val="lt1"/>
                 </a:solidFill>
               </a:rPr>
-              <a:t>João Bernardo Mota</a:t>
+              <a:t>João Bernardo Mota </a:t>
             </a:r>
+            <a:r>
+              <a:rPr lang="en-GB" sz="1800" dirty="0">
+                <a:solidFill>
+                  <a:schemeClr val="lt1"/>
+                </a:solidFill>
+              </a:rPr>
+              <a:t>and</a:t>
+            </a:r>
+            <a:r>
+              <a:rPr lang="en" sz="1800" dirty="0">
+                <a:solidFill>
+                  <a:schemeClr val="lt1"/>
+                </a:solidFill>
+              </a:rPr>
+              <a:t> </a:t>
+            </a:r>
+            <a:r>
+              <a:rPr lang="en-GB" sz="1800" u="sng" dirty="0">
+                <a:solidFill>
+                  <a:schemeClr val="lt1"/>
+                </a:solidFill>
+              </a:rPr>
+              <a:t>Miguel António </a:t>
+            </a:r>
+            <a:r>
+              <a:rPr lang="en-GB" sz="1800" u="sng" dirty="0" err="1">
+                <a:solidFill>
+                  <a:schemeClr val="lt1"/>
+                </a:solidFill>
+              </a:rPr>
+              <a:t>Ramalho</a:t>
+            </a:r>
+            <a:endParaRPr lang="en" sz="1800" u="sng" dirty="0">
+              <a:solidFill>
+                <a:schemeClr val="lt1"/>
+              </a:solidFill>
+            </a:endParaRPr>
           </a:p>
         </p:txBody>
       </p:sp>
@@ -4866,6 +5214,322 @@
           </a:ln>
         </p:spPr>
       </p:pic>
+      <p:sp>
+        <p:nvSpPr>
+          <p:cNvPr id="6" name="Shape 57">
+            <a:extLst>
+              <a:ext uri="{FF2B5EF4-FFF2-40B4-BE49-F238E27FC236}">
+                <a16:creationId xmlns:a16="http://schemas.microsoft.com/office/drawing/2014/main" id="{538F9B60-4126-4D8D-ABAF-0C072011750B}"/>
+              </a:ext>
+            </a:extLst>
+          </p:cNvPr>
+          <p:cNvSpPr txBox="1">
+            <a:spLocks/>
+          </p:cNvSpPr>
+          <p:nvPr/>
+        </p:nvSpPr>
+        <p:spPr>
+          <a:xfrm>
+            <a:off x="1158674" y="2200516"/>
+            <a:ext cx="3827721" cy="659318"/>
+          </a:xfrm>
+          <a:prstGeom prst="rect">
+            <a:avLst/>
+          </a:prstGeom>
+          <a:noFill/>
+          <a:ln>
+            <a:noFill/>
+          </a:ln>
+        </p:spPr>
+        <p:txBody>
+          <a:bodyPr wrap="square" lIns="91425" tIns="91425" rIns="91425" bIns="91425" anchor="t" anchorCtr="0">
+            <a:noAutofit/>
+          </a:bodyPr>
+          <a:lstStyle>
+            <a:defPPr marR="0" lvl="0" algn="l" rtl="0">
+              <a:lnSpc>
+                <a:spcPct val="100000"/>
+              </a:lnSpc>
+              <a:spcBef>
+                <a:spcPts val="0"/>
+              </a:spcBef>
+              <a:spcAft>
+                <a:spcPts val="0"/>
+              </a:spcAft>
+            </a:defPPr>
+            <a:lvl1pPr marR="0" lvl="0" algn="ctr" rtl="0">
+              <a:lnSpc>
+                <a:spcPct val="100000"/>
+              </a:lnSpc>
+              <a:spcBef>
+                <a:spcPts val="0"/>
+              </a:spcBef>
+              <a:spcAft>
+                <a:spcPts val="0"/>
+              </a:spcAft>
+              <a:buClr>
+                <a:schemeClr val="dk2"/>
+              </a:buClr>
+              <a:buSzPct val="100000"/>
+              <a:buNone/>
+              <a:defRPr sz="2800" b="0" i="0" u="none" strike="noStrike" cap="none">
+                <a:solidFill>
+                  <a:schemeClr val="dk2"/>
+                </a:solidFill>
+                <a:latin typeface="Arial"/>
+                <a:ea typeface="Arial"/>
+                <a:cs typeface="Arial"/>
+                <a:sym typeface="Arial"/>
+              </a:defRPr>
+            </a:lvl1pPr>
+            <a:lvl2pPr marR="0" lvl="1" algn="ctr" rtl="0">
+              <a:lnSpc>
+                <a:spcPct val="100000"/>
+              </a:lnSpc>
+              <a:spcBef>
+                <a:spcPts val="0"/>
+              </a:spcBef>
+              <a:spcAft>
+                <a:spcPts val="0"/>
+              </a:spcAft>
+              <a:buClr>
+                <a:schemeClr val="dk2"/>
+              </a:buClr>
+              <a:buSzPct val="100000"/>
+              <a:buNone/>
+              <a:defRPr sz="2800" b="0" i="0" u="none" strike="noStrike" cap="none">
+                <a:solidFill>
+                  <a:schemeClr val="dk2"/>
+                </a:solidFill>
+                <a:latin typeface="Arial"/>
+                <a:ea typeface="Arial"/>
+                <a:cs typeface="Arial"/>
+                <a:sym typeface="Arial"/>
+              </a:defRPr>
+            </a:lvl2pPr>
+            <a:lvl3pPr marR="0" lvl="2" algn="ctr" rtl="0">
+              <a:lnSpc>
+                <a:spcPct val="100000"/>
+              </a:lnSpc>
+              <a:spcBef>
+                <a:spcPts val="0"/>
+              </a:spcBef>
+              <a:spcAft>
+                <a:spcPts val="0"/>
+              </a:spcAft>
+              <a:buClr>
+                <a:schemeClr val="dk2"/>
+              </a:buClr>
+              <a:buSzPct val="100000"/>
+              <a:buNone/>
+              <a:defRPr sz="2800" b="0" i="0" u="none" strike="noStrike" cap="none">
+                <a:solidFill>
+                  <a:schemeClr val="dk2"/>
+                </a:solidFill>
+                <a:latin typeface="Arial"/>
+                <a:ea typeface="Arial"/>
+                <a:cs typeface="Arial"/>
+                <a:sym typeface="Arial"/>
+              </a:defRPr>
+            </a:lvl3pPr>
+            <a:lvl4pPr marR="0" lvl="3" algn="ctr" rtl="0">
+              <a:lnSpc>
+                <a:spcPct val="100000"/>
+              </a:lnSpc>
+              <a:spcBef>
+                <a:spcPts val="0"/>
+              </a:spcBef>
+              <a:spcAft>
+                <a:spcPts val="0"/>
+              </a:spcAft>
+              <a:buClr>
+                <a:schemeClr val="dk2"/>
+              </a:buClr>
+              <a:buSzPct val="100000"/>
+              <a:buNone/>
+              <a:defRPr sz="2800" b="0" i="0" u="none" strike="noStrike" cap="none">
+                <a:solidFill>
+                  <a:schemeClr val="dk2"/>
+                </a:solidFill>
+                <a:latin typeface="Arial"/>
+                <a:ea typeface="Arial"/>
+                <a:cs typeface="Arial"/>
+                <a:sym typeface="Arial"/>
+              </a:defRPr>
+            </a:lvl4pPr>
+            <a:lvl5pPr marR="0" lvl="4" algn="ctr" rtl="0">
+              <a:lnSpc>
+                <a:spcPct val="100000"/>
+              </a:lnSpc>
+              <a:spcBef>
+                <a:spcPts val="0"/>
+              </a:spcBef>
+              <a:spcAft>
+                <a:spcPts val="0"/>
+              </a:spcAft>
+              <a:buClr>
+                <a:schemeClr val="dk2"/>
+              </a:buClr>
+              <a:buSzPct val="100000"/>
+              <a:buNone/>
+              <a:defRPr sz="2800" b="0" i="0" u="none" strike="noStrike" cap="none">
+                <a:solidFill>
+                  <a:schemeClr val="dk2"/>
+                </a:solidFill>
+                <a:latin typeface="Arial"/>
+                <a:ea typeface="Arial"/>
+                <a:cs typeface="Arial"/>
+                <a:sym typeface="Arial"/>
+              </a:defRPr>
+            </a:lvl5pPr>
+            <a:lvl6pPr marR="0" lvl="5" algn="ctr" rtl="0">
+              <a:lnSpc>
+                <a:spcPct val="100000"/>
+              </a:lnSpc>
+              <a:spcBef>
+                <a:spcPts val="0"/>
+              </a:spcBef>
+              <a:spcAft>
+                <a:spcPts val="0"/>
+              </a:spcAft>
+              <a:buClr>
+                <a:schemeClr val="dk2"/>
+              </a:buClr>
+              <a:buSzPct val="100000"/>
+              <a:buNone/>
+              <a:defRPr sz="2800" b="0" i="0" u="none" strike="noStrike" cap="none">
+                <a:solidFill>
+                  <a:schemeClr val="dk2"/>
+                </a:solidFill>
+                <a:latin typeface="Arial"/>
+                <a:ea typeface="Arial"/>
+                <a:cs typeface="Arial"/>
+                <a:sym typeface="Arial"/>
+              </a:defRPr>
+            </a:lvl6pPr>
+            <a:lvl7pPr marR="0" lvl="6" algn="ctr" rtl="0">
+              <a:lnSpc>
+                <a:spcPct val="100000"/>
+              </a:lnSpc>
+              <a:spcBef>
+                <a:spcPts val="0"/>
+              </a:spcBef>
+              <a:spcAft>
+                <a:spcPts val="0"/>
+              </a:spcAft>
+              <a:buClr>
+                <a:schemeClr val="dk2"/>
+              </a:buClr>
+              <a:buSzPct val="100000"/>
+              <a:buNone/>
+              <a:defRPr sz="2800" b="0" i="0" u="none" strike="noStrike" cap="none">
+                <a:solidFill>
+                  <a:schemeClr val="dk2"/>
+                </a:solidFill>
+                <a:latin typeface="Arial"/>
+                <a:ea typeface="Arial"/>
+                <a:cs typeface="Arial"/>
+                <a:sym typeface="Arial"/>
+              </a:defRPr>
+            </a:lvl7pPr>
+            <a:lvl8pPr marR="0" lvl="7" algn="ctr" rtl="0">
+              <a:lnSpc>
+                <a:spcPct val="100000"/>
+              </a:lnSpc>
+              <a:spcBef>
+                <a:spcPts val="0"/>
+              </a:spcBef>
+              <a:spcAft>
+                <a:spcPts val="0"/>
+              </a:spcAft>
+              <a:buClr>
+                <a:schemeClr val="dk2"/>
+              </a:buClr>
+              <a:buSzPct val="100000"/>
+              <a:buNone/>
+              <a:defRPr sz="2800" b="0" i="0" u="none" strike="noStrike" cap="none">
+                <a:solidFill>
+                  <a:schemeClr val="dk2"/>
+                </a:solidFill>
+                <a:latin typeface="Arial"/>
+                <a:ea typeface="Arial"/>
+                <a:cs typeface="Arial"/>
+                <a:sym typeface="Arial"/>
+              </a:defRPr>
+            </a:lvl8pPr>
+            <a:lvl9pPr marR="0" lvl="8" algn="ctr" rtl="0">
+              <a:lnSpc>
+                <a:spcPct val="100000"/>
+              </a:lnSpc>
+              <a:spcBef>
+                <a:spcPts val="0"/>
+              </a:spcBef>
+              <a:spcAft>
+                <a:spcPts val="0"/>
+              </a:spcAft>
+              <a:buClr>
+                <a:schemeClr val="dk2"/>
+              </a:buClr>
+              <a:buSzPct val="100000"/>
+              <a:buNone/>
+              <a:defRPr sz="2800" b="0" i="0" u="none" strike="noStrike" cap="none">
+                <a:solidFill>
+                  <a:schemeClr val="dk2"/>
+                </a:solidFill>
+                <a:latin typeface="Arial"/>
+                <a:ea typeface="Arial"/>
+                <a:cs typeface="Arial"/>
+                <a:sym typeface="Arial"/>
+              </a:defRPr>
+            </a:lvl9pPr>
+          </a:lstStyle>
+          <a:p>
+            <a:r>
+              <a:rPr lang="en-GB" u="sng" dirty="0">
+                <a:solidFill>
+                  <a:schemeClr val="bg1"/>
+                </a:solidFill>
+              </a:rPr>
+              <a:t>https://goo.gl/SWqRAx</a:t>
+            </a:r>
+            <a:endParaRPr lang="en" sz="1800" u="sng" dirty="0">
+              <a:solidFill>
+                <a:schemeClr val="bg1"/>
+              </a:solidFill>
+            </a:endParaRPr>
+          </a:p>
+        </p:txBody>
+      </p:sp>
+      <p:pic>
+        <p:nvPicPr>
+          <p:cNvPr id="3" name="Picture 2">
+            <a:extLst>
+              <a:ext uri="{FF2B5EF4-FFF2-40B4-BE49-F238E27FC236}">
+                <a16:creationId xmlns:a16="http://schemas.microsoft.com/office/drawing/2014/main" id="{F3B1AEF7-CC71-494F-819B-FECA54BCC663}"/>
+              </a:ext>
+            </a:extLst>
+          </p:cNvPr>
+          <p:cNvPicPr>
+            <a:picLocks noChangeAspect="1"/>
+          </p:cNvPicPr>
+          <p:nvPr/>
+        </p:nvPicPr>
+        <p:blipFill>
+          <a:blip r:embed="rId5"/>
+          <a:stretch>
+            <a:fillRect/>
+          </a:stretch>
+        </p:blipFill>
+        <p:spPr>
+          <a:xfrm>
+            <a:off x="7725996" y="498125"/>
+            <a:ext cx="1168030" cy="1168030"/>
+          </a:xfrm>
+          <a:prstGeom prst="rect">
+            <a:avLst/>
+          </a:prstGeom>
+        </p:spPr>
+      </p:pic>
     </p:spTree>
   </p:cSld>
   <p:clrMapOvr>
@@ -4875,11 +5539,11 @@
 </file>
 
 <file path=ppt/slides/slide10.xml><?xml version="1.0" encoding="utf-8"?>
-<p:sld xmlns:a="http://schemas.openxmlformats.org/drawingml/2006/main" xmlns:r="http://schemas.openxmlformats.org/officeDocument/2006/relationships" xmlns:mc="http://schemas.openxmlformats.org/markup-compatibility/2006" xmlns:mv="urn:schemas-microsoft-com:mac:vml" xmlns:p="http://schemas.openxmlformats.org/presentationml/2006/main" xmlns:c="http://schemas.openxmlformats.org/drawingml/2006/chart" xmlns:dgm="http://schemas.openxmlformats.org/drawingml/2006/diagram" xmlns:o="urn:schemas-microsoft-com:office:office" xmlns:v="urn:schemas-microsoft-com:vml" xmlns:pvml="urn:schemas-microsoft-com:office:powerpoint" xmlns:com="http://schemas.openxmlformats.org/drawingml/2006/compatibility" xmlns:p14="http://schemas.microsoft.com/office/powerpoint/2010/main" xmlns:p15="http://schemas.microsoft.com/office/powerpoint/2012/main">
+<p:sld xmlns:a="http://schemas.openxmlformats.org/drawingml/2006/main" xmlns:r="http://schemas.openxmlformats.org/officeDocument/2006/relationships" xmlns:p="http://schemas.openxmlformats.org/presentationml/2006/main">
   <p:cSld>
     <p:spTree>
       <p:nvGrpSpPr>
-        <p:cNvPr id="111" name="Shape 111"/>
+        <p:cNvPr id="1" name="Shape 111"/>
         <p:cNvGrpSpPr/>
         <p:nvPr/>
       </p:nvGrpSpPr>
@@ -4894,7 +5558,9 @@
       <p:sp>
         <p:nvSpPr>
           <p:cNvPr id="112" name="Shape 112"/>
-          <p:cNvSpPr txBox="1"/>
+          <p:cNvSpPr txBox="1">
+            <a:spLocks noGrp="1"/>
+          </p:cNvSpPr>
           <p:nvPr>
             <p:ph type="title"/>
           </p:nvPr>
@@ -4909,7 +5575,7 @@
           </a:prstGeom>
         </p:spPr>
         <p:txBody>
-          <a:bodyPr anchorCtr="0" anchor="t" bIns="91425" lIns="91425" rIns="91425" wrap="square" tIns="91425">
+          <a:bodyPr wrap="square" lIns="91425" tIns="91425" rIns="91425" bIns="91425" anchor="t" anchorCtr="0">
             <a:noAutofit/>
           </a:bodyPr>
           <a:lstStyle/>
@@ -4934,9 +5600,11 @@
       <p:sp>
         <p:nvSpPr>
           <p:cNvPr id="113" name="Shape 113"/>
-          <p:cNvSpPr txBox="1"/>
+          <p:cNvSpPr txBox="1">
+            <a:spLocks noGrp="1"/>
+          </p:cNvSpPr>
           <p:nvPr>
-            <p:ph idx="1" type="body"/>
+            <p:ph type="body" idx="1"/>
           </p:nvPr>
         </p:nvSpPr>
         <p:spPr>
@@ -4949,7 +5617,7 @@
           </a:prstGeom>
         </p:spPr>
         <p:txBody>
-          <a:bodyPr anchorCtr="0" anchor="t" bIns="91425" lIns="91425" rIns="91425" wrap="square" tIns="91425">
+          <a:bodyPr wrap="square" lIns="91425" tIns="91425" rIns="91425" bIns="91425" anchor="t" anchorCtr="0">
             <a:noAutofit/>
           </a:bodyPr>
           <a:lstStyle/>
@@ -4972,9 +5640,6 @@
               </a:spcBef>
               <a:buNone/>
             </a:pPr>
-            <a:r>
-              <a:t/>
-            </a:r>
             <a:endParaRPr/>
           </a:p>
           <a:p>
@@ -5000,11 +5665,11 @@
 </file>
 
 <file path=ppt/slides/slide11.xml><?xml version="1.0" encoding="utf-8"?>
-<p:sld xmlns:a="http://schemas.openxmlformats.org/drawingml/2006/main" xmlns:r="http://schemas.openxmlformats.org/officeDocument/2006/relationships" xmlns:mc="http://schemas.openxmlformats.org/markup-compatibility/2006" xmlns:mv="urn:schemas-microsoft-com:mac:vml" xmlns:p="http://schemas.openxmlformats.org/presentationml/2006/main" xmlns:c="http://schemas.openxmlformats.org/drawingml/2006/chart" xmlns:dgm="http://schemas.openxmlformats.org/drawingml/2006/diagram" xmlns:o="urn:schemas-microsoft-com:office:office" xmlns:v="urn:schemas-microsoft-com:vml" xmlns:pvml="urn:schemas-microsoft-com:office:powerpoint" xmlns:com="http://schemas.openxmlformats.org/drawingml/2006/compatibility" xmlns:p14="http://schemas.microsoft.com/office/powerpoint/2010/main" xmlns:p15="http://schemas.microsoft.com/office/powerpoint/2012/main">
+<p:sld xmlns:a="http://schemas.openxmlformats.org/drawingml/2006/main" xmlns:r="http://schemas.openxmlformats.org/officeDocument/2006/relationships" xmlns:p="http://schemas.openxmlformats.org/presentationml/2006/main">
   <p:cSld>
     <p:spTree>
       <p:nvGrpSpPr>
-        <p:cNvPr id="117" name="Shape 117"/>
+        <p:cNvPr id="1" name="Shape 117"/>
         <p:cNvGrpSpPr/>
         <p:nvPr/>
       </p:nvGrpSpPr>
@@ -5019,7 +5684,9 @@
       <p:sp>
         <p:nvSpPr>
           <p:cNvPr id="118" name="Shape 118"/>
-          <p:cNvSpPr txBox="1"/>
+          <p:cNvSpPr txBox="1">
+            <a:spLocks noGrp="1"/>
+          </p:cNvSpPr>
           <p:nvPr>
             <p:ph type="title"/>
           </p:nvPr>
@@ -5034,7 +5701,7 @@
           </a:prstGeom>
         </p:spPr>
         <p:txBody>
-          <a:bodyPr anchorCtr="0" anchor="t" bIns="91425" lIns="91425" rIns="91425" wrap="square" tIns="91425">
+          <a:bodyPr wrap="square" lIns="91425" tIns="91425" rIns="91425" bIns="91425" anchor="t" anchorCtr="0">
             <a:noAutofit/>
           </a:bodyPr>
           <a:lstStyle/>
@@ -5059,9 +5726,11 @@
       <p:sp>
         <p:nvSpPr>
           <p:cNvPr id="119" name="Shape 119"/>
-          <p:cNvSpPr txBox="1"/>
+          <p:cNvSpPr txBox="1">
+            <a:spLocks noGrp="1"/>
+          </p:cNvSpPr>
           <p:nvPr>
-            <p:ph idx="1" type="body"/>
+            <p:ph type="body" idx="1"/>
           </p:nvPr>
         </p:nvSpPr>
         <p:spPr>
@@ -5074,7 +5743,7 @@
           </a:prstGeom>
         </p:spPr>
         <p:txBody>
-          <a:bodyPr anchorCtr="0" anchor="t" bIns="91425" lIns="91425" rIns="91425" wrap="square" tIns="91425">
+          <a:bodyPr wrap="square" lIns="91425" tIns="91425" rIns="91425" bIns="91425" anchor="t" anchorCtr="0">
             <a:noAutofit/>
           </a:bodyPr>
           <a:lstStyle/>
@@ -5109,9 +5778,6 @@
               </a:spcBef>
               <a:buNone/>
             </a:pPr>
-            <a:r>
-              <a:t/>
-            </a:r>
             <a:endParaRPr/>
           </a:p>
         </p:txBody>
@@ -5125,11 +5791,11 @@
 </file>
 
 <file path=ppt/slides/slide2.xml><?xml version="1.0" encoding="utf-8"?>
-<p:sld xmlns:a="http://schemas.openxmlformats.org/drawingml/2006/main" xmlns:r="http://schemas.openxmlformats.org/officeDocument/2006/relationships" xmlns:mc="http://schemas.openxmlformats.org/markup-compatibility/2006" xmlns:mv="urn:schemas-microsoft-com:mac:vml" xmlns:p="http://schemas.openxmlformats.org/presentationml/2006/main" xmlns:c="http://schemas.openxmlformats.org/drawingml/2006/chart" xmlns:dgm="http://schemas.openxmlformats.org/drawingml/2006/diagram" xmlns:o="urn:schemas-microsoft-com:office:office" xmlns:v="urn:schemas-microsoft-com:vml" xmlns:pvml="urn:schemas-microsoft-com:office:powerpoint" xmlns:com="http://schemas.openxmlformats.org/drawingml/2006/compatibility" xmlns:p14="http://schemas.microsoft.com/office/powerpoint/2010/main" xmlns:p15="http://schemas.microsoft.com/office/powerpoint/2012/main">
+<p:sld xmlns:a="http://schemas.openxmlformats.org/drawingml/2006/main" xmlns:r="http://schemas.openxmlformats.org/officeDocument/2006/relationships" xmlns:p="http://schemas.openxmlformats.org/presentationml/2006/main">
   <p:cSld>
     <p:spTree>
       <p:nvGrpSpPr>
-        <p:cNvPr id="63" name="Shape 63"/>
+        <p:cNvPr id="1" name="Shape 63"/>
         <p:cNvGrpSpPr/>
         <p:nvPr/>
       </p:nvGrpSpPr>
@@ -5144,7 +5810,9 @@
       <p:sp>
         <p:nvSpPr>
           <p:cNvPr id="64" name="Shape 64"/>
-          <p:cNvSpPr txBox="1"/>
+          <p:cNvSpPr txBox="1">
+            <a:spLocks noGrp="1"/>
+          </p:cNvSpPr>
           <p:nvPr>
             <p:ph type="title"/>
           </p:nvPr>
@@ -5159,7 +5827,7 @@
           </a:prstGeom>
         </p:spPr>
         <p:txBody>
-          <a:bodyPr anchorCtr="0" anchor="t" bIns="91425" lIns="91425" rIns="91425" wrap="square" tIns="91425">
+          <a:bodyPr wrap="square" lIns="91425" tIns="91425" rIns="91425" bIns="91425" anchor="t" anchorCtr="0">
             <a:noAutofit/>
           </a:bodyPr>
           <a:lstStyle/>
@@ -5184,9 +5852,11 @@
       <p:sp>
         <p:nvSpPr>
           <p:cNvPr id="65" name="Shape 65"/>
-          <p:cNvSpPr txBox="1"/>
+          <p:cNvSpPr txBox="1">
+            <a:spLocks noGrp="1"/>
+          </p:cNvSpPr>
           <p:nvPr>
-            <p:ph idx="1" type="body"/>
+            <p:ph type="body" idx="1"/>
           </p:nvPr>
         </p:nvSpPr>
         <p:spPr>
@@ -5199,84 +5869,105 @@
           </a:prstGeom>
         </p:spPr>
         <p:txBody>
-          <a:bodyPr anchorCtr="0" anchor="t" bIns="91425" lIns="91425" rIns="91425" wrap="square" tIns="91425">
+          <a:bodyPr wrap="square" lIns="91425" tIns="91425" rIns="91425" bIns="91425" anchor="t" anchorCtr="0">
             <a:noAutofit/>
           </a:bodyPr>
           <a:lstStyle/>
           <a:p>
-            <a:pPr indent="-228600" lvl="0" marL="457200" rtl="0">
-              <a:spcBef>
-                <a:spcPts val="0"/>
-              </a:spcBef>
+            <a:pPr marL="457200" lvl="0" indent="-228600" rtl="0">
+              <a:spcBef>
+                <a:spcPts val="0"/>
+              </a:spcBef>
+              <a:spcAft>
+                <a:spcPts val="600"/>
+              </a:spcAft>
             </a:pPr>
             <a:r>
-              <a:rPr lang="en"/>
+              <a:rPr lang="en" dirty="0"/>
               <a:t>What is Python?</a:t>
             </a:r>
           </a:p>
           <a:p>
-            <a:pPr indent="-228600" lvl="0" marL="457200" rtl="0">
-              <a:spcBef>
-                <a:spcPts val="0"/>
-              </a:spcBef>
+            <a:pPr marL="457200" lvl="0" indent="-228600" rtl="0">
+              <a:spcBef>
+                <a:spcPts val="0"/>
+              </a:spcBef>
+              <a:spcAft>
+                <a:spcPts val="600"/>
+              </a:spcAft>
             </a:pPr>
             <a:r>
-              <a:rPr lang="en"/>
+              <a:rPr lang="en" dirty="0"/>
               <a:t>Basic variable types</a:t>
             </a:r>
           </a:p>
           <a:p>
-            <a:pPr indent="-228600" lvl="0" marL="457200" rtl="0">
-              <a:spcBef>
-                <a:spcPts val="0"/>
-              </a:spcBef>
+            <a:pPr marL="457200" lvl="0" indent="-228600" rtl="0">
+              <a:spcBef>
+                <a:spcPts val="0"/>
+              </a:spcBef>
+              <a:spcAft>
+                <a:spcPts val="600"/>
+              </a:spcAft>
             </a:pPr>
             <a:r>
-              <a:rPr lang="en"/>
+              <a:rPr lang="en" dirty="0"/>
               <a:t>Operators</a:t>
             </a:r>
           </a:p>
           <a:p>
-            <a:pPr indent="-228600" lvl="0" marL="457200" rtl="0">
-              <a:spcBef>
-                <a:spcPts val="0"/>
-              </a:spcBef>
+            <a:pPr marL="457200" lvl="0" indent="-228600" rtl="0">
+              <a:spcBef>
+                <a:spcPts val="0"/>
+              </a:spcBef>
+              <a:spcAft>
+                <a:spcPts val="600"/>
+              </a:spcAft>
             </a:pPr>
             <a:r>
-              <a:rPr lang="en"/>
+              <a:rPr lang="en" dirty="0"/>
               <a:t>Indexing and Slicing</a:t>
             </a:r>
           </a:p>
           <a:p>
-            <a:pPr indent="-228600" lvl="0" marL="457200" rtl="0">
-              <a:spcBef>
-                <a:spcPts val="0"/>
-              </a:spcBef>
+            <a:pPr marL="457200" lvl="0" indent="-228600" rtl="0">
+              <a:spcBef>
+                <a:spcPts val="0"/>
+              </a:spcBef>
+              <a:spcAft>
+                <a:spcPts val="600"/>
+              </a:spcAft>
             </a:pPr>
             <a:r>
-              <a:rPr lang="en"/>
+              <a:rPr lang="en" dirty="0"/>
               <a:t>Control flow</a:t>
             </a:r>
           </a:p>
           <a:p>
-            <a:pPr indent="-228600" lvl="0" marL="457200" rtl="0">
-              <a:spcBef>
-                <a:spcPts val="0"/>
-              </a:spcBef>
+            <a:pPr marL="457200" lvl="0" indent="-228600" rtl="0">
+              <a:spcBef>
+                <a:spcPts val="0"/>
+              </a:spcBef>
+              <a:spcAft>
+                <a:spcPts val="600"/>
+              </a:spcAft>
             </a:pPr>
             <a:r>
-              <a:rPr lang="en"/>
+              <a:rPr lang="en" dirty="0"/>
               <a:t>Functions</a:t>
             </a:r>
           </a:p>
           <a:p>
-            <a:pPr indent="-228600" lvl="0" marL="457200">
-              <a:spcBef>
-                <a:spcPts val="0"/>
-              </a:spcBef>
+            <a:pPr marL="457200" lvl="0" indent="-228600">
+              <a:spcBef>
+                <a:spcPts val="0"/>
+              </a:spcBef>
+              <a:spcAft>
+                <a:spcPts val="600"/>
+              </a:spcAft>
             </a:pPr>
             <a:r>
-              <a:rPr lang="en"/>
+              <a:rPr lang="en" dirty="0"/>
               <a:t>Exercises/Questions</a:t>
             </a:r>
           </a:p>
@@ -5291,11 +5982,11 @@
 </file>
 
 <file path=ppt/slides/slide3.xml><?xml version="1.0" encoding="utf-8"?>
-<p:sld xmlns:a="http://schemas.openxmlformats.org/drawingml/2006/main" xmlns:r="http://schemas.openxmlformats.org/officeDocument/2006/relationships" xmlns:mc="http://schemas.openxmlformats.org/markup-compatibility/2006" xmlns:mv="urn:schemas-microsoft-com:mac:vml" xmlns:p="http://schemas.openxmlformats.org/presentationml/2006/main" xmlns:c="http://schemas.openxmlformats.org/drawingml/2006/chart" xmlns:dgm="http://schemas.openxmlformats.org/drawingml/2006/diagram" xmlns:o="urn:schemas-microsoft-com:office:office" xmlns:v="urn:schemas-microsoft-com:vml" xmlns:pvml="urn:schemas-microsoft-com:office:powerpoint" xmlns:com="http://schemas.openxmlformats.org/drawingml/2006/compatibility" xmlns:p14="http://schemas.microsoft.com/office/powerpoint/2010/main" xmlns:p15="http://schemas.microsoft.com/office/powerpoint/2012/main">
+<p:sld xmlns:a="http://schemas.openxmlformats.org/drawingml/2006/main" xmlns:r="http://schemas.openxmlformats.org/officeDocument/2006/relationships" xmlns:p="http://schemas.openxmlformats.org/presentationml/2006/main">
   <p:cSld>
     <p:spTree>
       <p:nvGrpSpPr>
-        <p:cNvPr id="69" name="Shape 69"/>
+        <p:cNvPr id="1" name="Shape 69"/>
         <p:cNvGrpSpPr/>
         <p:nvPr/>
       </p:nvGrpSpPr>
@@ -5310,7 +6001,9 @@
       <p:sp>
         <p:nvSpPr>
           <p:cNvPr id="70" name="Shape 70"/>
-          <p:cNvSpPr txBox="1"/>
+          <p:cNvSpPr txBox="1">
+            <a:spLocks noGrp="1"/>
+          </p:cNvSpPr>
           <p:nvPr>
             <p:ph type="title"/>
           </p:nvPr>
@@ -5325,7 +6018,7 @@
           </a:prstGeom>
         </p:spPr>
         <p:txBody>
-          <a:bodyPr anchorCtr="0" anchor="t" bIns="91425" lIns="91425" rIns="91425" wrap="square" tIns="91425">
+          <a:bodyPr wrap="square" lIns="91425" tIns="91425" rIns="91425" bIns="91425" anchor="t" anchorCtr="0">
             <a:noAutofit/>
           </a:bodyPr>
           <a:lstStyle/>
@@ -5350,9 +6043,11 @@
       <p:sp>
         <p:nvSpPr>
           <p:cNvPr id="71" name="Shape 71"/>
-          <p:cNvSpPr txBox="1"/>
+          <p:cNvSpPr txBox="1">
+            <a:spLocks noGrp="1"/>
+          </p:cNvSpPr>
           <p:nvPr>
-            <p:ph idx="1" type="body"/>
+            <p:ph type="body" idx="1"/>
           </p:nvPr>
         </p:nvSpPr>
         <p:spPr>
@@ -5365,7 +6060,7 @@
           </a:prstGeom>
         </p:spPr>
         <p:txBody>
-          <a:bodyPr anchorCtr="0" anchor="t" bIns="91425" lIns="91425" rIns="91425" wrap="square" tIns="91425">
+          <a:bodyPr wrap="square" lIns="91425" tIns="91425" rIns="91425" bIns="91425" anchor="t" anchorCtr="0">
             <a:noAutofit/>
           </a:bodyPr>
           <a:lstStyle/>
@@ -5388,9 +6083,6 @@
               </a:spcBef>
               <a:buNone/>
             </a:pPr>
-            <a:r>
-              <a:t/>
-            </a:r>
             <a:endParaRPr/>
           </a:p>
           <a:p>
@@ -5429,11 +6121,11 @@
 </file>
 
 <file path=ppt/slides/slide4.xml><?xml version="1.0" encoding="utf-8"?>
-<p:sld xmlns:a="http://schemas.openxmlformats.org/drawingml/2006/main" xmlns:r="http://schemas.openxmlformats.org/officeDocument/2006/relationships" xmlns:mc="http://schemas.openxmlformats.org/markup-compatibility/2006" xmlns:mv="urn:schemas-microsoft-com:mac:vml" xmlns:p="http://schemas.openxmlformats.org/presentationml/2006/main" xmlns:c="http://schemas.openxmlformats.org/drawingml/2006/chart" xmlns:dgm="http://schemas.openxmlformats.org/drawingml/2006/diagram" xmlns:o="urn:schemas-microsoft-com:office:office" xmlns:v="urn:schemas-microsoft-com:vml" xmlns:pvml="urn:schemas-microsoft-com:office:powerpoint" xmlns:com="http://schemas.openxmlformats.org/drawingml/2006/compatibility" xmlns:p14="http://schemas.microsoft.com/office/powerpoint/2010/main" xmlns:p15="http://schemas.microsoft.com/office/powerpoint/2012/main">
+<p:sld xmlns:a="http://schemas.openxmlformats.org/drawingml/2006/main" xmlns:r="http://schemas.openxmlformats.org/officeDocument/2006/relationships" xmlns:p="http://schemas.openxmlformats.org/presentationml/2006/main">
   <p:cSld>
     <p:spTree>
       <p:nvGrpSpPr>
-        <p:cNvPr id="75" name="Shape 75"/>
+        <p:cNvPr id="1" name="Shape 75"/>
         <p:cNvGrpSpPr/>
         <p:nvPr/>
       </p:nvGrpSpPr>
@@ -5448,7 +6140,9 @@
       <p:sp>
         <p:nvSpPr>
           <p:cNvPr id="76" name="Shape 76"/>
-          <p:cNvSpPr txBox="1"/>
+          <p:cNvSpPr txBox="1">
+            <a:spLocks noGrp="1"/>
+          </p:cNvSpPr>
           <p:nvPr>
             <p:ph type="title"/>
           </p:nvPr>
@@ -5463,7 +6157,7 @@
           </a:prstGeom>
         </p:spPr>
         <p:txBody>
-          <a:bodyPr anchorCtr="0" anchor="t" bIns="91425" lIns="91425" rIns="91425" wrap="square" tIns="91425">
+          <a:bodyPr wrap="square" lIns="91425" tIns="91425" rIns="91425" bIns="91425" anchor="t" anchorCtr="0">
             <a:noAutofit/>
           </a:bodyPr>
           <a:lstStyle/>
@@ -5488,9 +6182,11 @@
       <p:sp>
         <p:nvSpPr>
           <p:cNvPr id="77" name="Shape 77"/>
-          <p:cNvSpPr txBox="1"/>
+          <p:cNvSpPr txBox="1">
+            <a:spLocks noGrp="1"/>
+          </p:cNvSpPr>
           <p:nvPr>
-            <p:ph idx="1" type="body"/>
+            <p:ph type="body" idx="1"/>
           </p:nvPr>
         </p:nvSpPr>
         <p:spPr>
@@ -5503,107 +6199,134 @@
           </a:prstGeom>
         </p:spPr>
         <p:txBody>
-          <a:bodyPr anchorCtr="0" anchor="t" bIns="91425" lIns="91425" rIns="91425" wrap="square" tIns="91425">
+          <a:bodyPr wrap="square" lIns="91425" tIns="91425" rIns="91425" bIns="91425" anchor="t" anchorCtr="0">
             <a:noAutofit/>
           </a:bodyPr>
           <a:lstStyle/>
           <a:p>
             <a:pPr lvl="0" rtl="0">
-              <a:spcBef>
-                <a:spcPts val="0"/>
-              </a:spcBef>
+              <a:lnSpc>
+                <a:spcPct val="100000"/>
+              </a:lnSpc>
+              <a:spcAft>
+                <a:spcPts val="600"/>
+              </a:spcAft>
               <a:buNone/>
             </a:pPr>
             <a:r>
-              <a:rPr lang="en"/>
+              <a:rPr lang="en" dirty="0"/>
               <a:t>These are just some of Python’s characteristics</a:t>
             </a:r>
           </a:p>
           <a:p>
-            <a:pPr indent="-228600" lvl="0" marL="457200" rtl="0">
-              <a:spcBef>
-                <a:spcPts val="0"/>
-              </a:spcBef>
+            <a:pPr marL="457200" lvl="0" indent="-228600" rtl="0">
+              <a:lnSpc>
+                <a:spcPct val="100000"/>
+              </a:lnSpc>
+              <a:spcAft>
+                <a:spcPts val="600"/>
+              </a:spcAft>
             </a:pPr>
             <a:r>
-              <a:rPr lang="en"/>
+              <a:rPr lang="en" dirty="0"/>
               <a:t>High-level programming (scripting) language</a:t>
             </a:r>
           </a:p>
           <a:p>
-            <a:pPr indent="-228600" lvl="0" marL="457200" rtl="0">
-              <a:spcBef>
-                <a:spcPts val="0"/>
-              </a:spcBef>
+            <a:pPr marL="457200" lvl="0" indent="-228600" rtl="0">
+              <a:lnSpc>
+                <a:spcPct val="100000"/>
+              </a:lnSpc>
+              <a:spcAft>
+                <a:spcPts val="600"/>
+              </a:spcAft>
             </a:pPr>
             <a:r>
-              <a:rPr lang="en"/>
+              <a:rPr lang="en" dirty="0"/>
               <a:t>Extremely versatile</a:t>
             </a:r>
           </a:p>
           <a:p>
-            <a:pPr indent="-228600" lvl="0" marL="457200" rtl="0">
-              <a:spcBef>
-                <a:spcPts val="0"/>
-              </a:spcBef>
+            <a:pPr marL="457200" lvl="0" indent="-228600" rtl="0">
+              <a:lnSpc>
+                <a:spcPct val="100000"/>
+              </a:lnSpc>
+              <a:spcAft>
+                <a:spcPts val="600"/>
+              </a:spcAft>
             </a:pPr>
             <a:r>
-              <a:rPr lang="en"/>
+              <a:rPr lang="en" dirty="0"/>
               <a:t>(Almost) universally portable</a:t>
             </a:r>
           </a:p>
           <a:p>
-            <a:pPr indent="-228600" lvl="0" marL="457200" rtl="0">
-              <a:spcBef>
-                <a:spcPts val="0"/>
-              </a:spcBef>
+            <a:pPr marL="457200" lvl="0" indent="-228600" rtl="0">
+              <a:lnSpc>
+                <a:spcPct val="100000"/>
+              </a:lnSpc>
+              <a:spcAft>
+                <a:spcPts val="600"/>
+              </a:spcAft>
             </a:pPr>
             <a:r>
-              <a:rPr lang="en"/>
+              <a:rPr lang="en" dirty="0"/>
               <a:t>White-space reliant*</a:t>
             </a:r>
           </a:p>
           <a:p>
-            <a:pPr indent="-228600" lvl="0" marL="457200" rtl="0">
-              <a:spcBef>
-                <a:spcPts val="0"/>
-              </a:spcBef>
+            <a:pPr marL="457200" lvl="0" indent="-228600" rtl="0">
+              <a:lnSpc>
+                <a:spcPct val="100000"/>
+              </a:lnSpc>
+              <a:spcAft>
+                <a:spcPts val="600"/>
+              </a:spcAft>
             </a:pPr>
             <a:r>
-              <a:rPr lang="en"/>
+              <a:rPr lang="en" dirty="0"/>
               <a:t>Dynamically typed</a:t>
             </a:r>
           </a:p>
           <a:p>
-            <a:pPr indent="-228600" lvl="0" marL="457200" rtl="0">
-              <a:spcBef>
-                <a:spcPts val="0"/>
-              </a:spcBef>
+            <a:pPr marL="457200" lvl="0" indent="-228600" rtl="0">
+              <a:lnSpc>
+                <a:spcPct val="100000"/>
+              </a:lnSpc>
+              <a:spcAft>
+                <a:spcPts val="600"/>
+              </a:spcAft>
             </a:pPr>
             <a:r>
-              <a:rPr lang="en"/>
+              <a:rPr lang="en" dirty="0"/>
               <a:t>Interpreted language</a:t>
             </a:r>
           </a:p>
           <a:p>
-            <a:pPr indent="-228600" lvl="0" marL="457200" rtl="0">
-              <a:spcBef>
-                <a:spcPts val="0"/>
-              </a:spcBef>
+            <a:pPr marL="457200" lvl="0" indent="-228600" rtl="0">
+              <a:lnSpc>
+                <a:spcPct val="100000"/>
+              </a:lnSpc>
+              <a:spcAft>
+                <a:spcPts val="600"/>
+              </a:spcAft>
             </a:pPr>
             <a:r>
-              <a:rPr lang="en"/>
+              <a:rPr lang="en" dirty="0"/>
               <a:t>Open source</a:t>
             </a:r>
           </a:p>
           <a:p>
-            <a:pPr indent="-228600" lvl="0" marL="457200">
-              <a:spcBef>
-                <a:spcPts val="0"/>
-              </a:spcBef>
+            <a:pPr marL="457200" lvl="0" indent="-228600">
+              <a:lnSpc>
+                <a:spcPct val="100000"/>
+              </a:lnSpc>
+              <a:spcAft>
+                <a:spcPts val="600"/>
+              </a:spcAft>
             </a:pPr>
             <a:r>
-              <a:rPr lang="en"/>
+              <a:rPr lang="en" dirty="0"/>
               <a:t>Libraries for every possible imaginary need</a:t>
             </a:r>
           </a:p>
@@ -5618,11 +6341,11 @@
 </file>
 
 <file path=ppt/slides/slide5.xml><?xml version="1.0" encoding="utf-8"?>
-<p:sld xmlns:a="http://schemas.openxmlformats.org/drawingml/2006/main" xmlns:r="http://schemas.openxmlformats.org/officeDocument/2006/relationships" xmlns:mc="http://schemas.openxmlformats.org/markup-compatibility/2006" xmlns:mv="urn:schemas-microsoft-com:mac:vml" xmlns:p="http://schemas.openxmlformats.org/presentationml/2006/main" xmlns:c="http://schemas.openxmlformats.org/drawingml/2006/chart" xmlns:dgm="http://schemas.openxmlformats.org/drawingml/2006/diagram" xmlns:o="urn:schemas-microsoft-com:office:office" xmlns:v="urn:schemas-microsoft-com:vml" xmlns:pvml="urn:schemas-microsoft-com:office:powerpoint" xmlns:com="http://schemas.openxmlformats.org/drawingml/2006/compatibility" xmlns:p14="http://schemas.microsoft.com/office/powerpoint/2010/main" xmlns:p15="http://schemas.microsoft.com/office/powerpoint/2012/main">
+<p:sld xmlns:a="http://schemas.openxmlformats.org/drawingml/2006/main" xmlns:r="http://schemas.openxmlformats.org/officeDocument/2006/relationships" xmlns:p="http://schemas.openxmlformats.org/presentationml/2006/main">
   <p:cSld>
     <p:spTree>
       <p:nvGrpSpPr>
-        <p:cNvPr id="81" name="Shape 81"/>
+        <p:cNvPr id="1" name="Shape 81"/>
         <p:cNvGrpSpPr/>
         <p:nvPr/>
       </p:nvGrpSpPr>
@@ -5637,7 +6360,9 @@
       <p:sp>
         <p:nvSpPr>
           <p:cNvPr id="82" name="Shape 82"/>
-          <p:cNvSpPr txBox="1"/>
+          <p:cNvSpPr txBox="1">
+            <a:spLocks noGrp="1"/>
+          </p:cNvSpPr>
           <p:nvPr>
             <p:ph type="title"/>
           </p:nvPr>
@@ -5652,7 +6377,7 @@
           </a:prstGeom>
         </p:spPr>
         <p:txBody>
-          <a:bodyPr anchorCtr="0" anchor="t" bIns="91425" lIns="91425" rIns="91425" wrap="square" tIns="91425">
+          <a:bodyPr wrap="square" lIns="91425" tIns="91425" rIns="91425" bIns="91425" anchor="t" anchorCtr="0">
             <a:noAutofit/>
           </a:bodyPr>
           <a:lstStyle/>
@@ -5677,9 +6402,11 @@
       <p:sp>
         <p:nvSpPr>
           <p:cNvPr id="83" name="Shape 83"/>
-          <p:cNvSpPr txBox="1"/>
+          <p:cNvSpPr txBox="1">
+            <a:spLocks noGrp="1"/>
+          </p:cNvSpPr>
           <p:nvPr>
-            <p:ph idx="1" type="body"/>
+            <p:ph type="body" idx="1"/>
           </p:nvPr>
         </p:nvSpPr>
         <p:spPr>
@@ -5692,7 +6419,7 @@
           </a:prstGeom>
         </p:spPr>
         <p:txBody>
-          <a:bodyPr anchorCtr="0" anchor="t" bIns="91425" lIns="91425" rIns="91425" wrap="square" tIns="91425">
+          <a:bodyPr wrap="square" lIns="91425" tIns="91425" rIns="91425" bIns="91425" anchor="t" anchorCtr="0">
             <a:noAutofit/>
           </a:bodyPr>
           <a:lstStyle/>
@@ -5704,7 +6431,7 @@
               <a:buNone/>
             </a:pPr>
             <a:r>
-              <a:rPr lang="en"/>
+              <a:rPr lang="en" dirty="0"/>
               <a:t>The Python interpreter:</a:t>
             </a:r>
           </a:p>
@@ -5716,9 +6443,10 @@
               <a:buNone/>
             </a:pPr>
             <a:r>
-              <a:t/>
+              <a:rPr lang="en-GB" dirty="0"/>
+              <a:t>(DEMO)</a:t>
             </a:r>
-            <a:endParaRPr/>
+            <a:endParaRPr dirty="0"/>
           </a:p>
           <a:p>
             <a:pPr lvl="0">
@@ -5728,7 +6456,7 @@
               <a:buNone/>
             </a:pPr>
             <a:r>
-              <a:rPr lang="en"/>
+              <a:rPr lang="en" dirty="0"/>
               <a:t>Invoking the Python interpreter without passing it a file gets you a shell-like prompt, where you can use python code.</a:t>
             </a:r>
           </a:p>
@@ -5740,7 +6468,7 @@
               <a:buNone/>
             </a:pPr>
             <a:r>
-              <a:rPr lang="en"/>
+              <a:rPr lang="en" dirty="0"/>
               <a:t>Invoking it by passing it a filename will make the interpreter run the code in that file and exit.</a:t>
             </a:r>
           </a:p>
@@ -5752,7 +6480,7 @@
               <a:buNone/>
             </a:pPr>
             <a:r>
-              <a:rPr lang="en"/>
+              <a:rPr lang="en" dirty="0"/>
               <a:t>	</a:t>
             </a:r>
           </a:p>
@@ -5763,10 +6491,7 @@
               </a:spcBef>
               <a:buNone/>
             </a:pPr>
-            <a:r>
-              <a:t/>
-            </a:r>
-            <a:endParaRPr/>
+            <a:endParaRPr dirty="0"/>
           </a:p>
         </p:txBody>
       </p:sp>
@@ -5779,11 +6504,11 @@
 </file>
 
 <file path=ppt/slides/slide6.xml><?xml version="1.0" encoding="utf-8"?>
-<p:sld xmlns:a="http://schemas.openxmlformats.org/drawingml/2006/main" xmlns:r="http://schemas.openxmlformats.org/officeDocument/2006/relationships" xmlns:mc="http://schemas.openxmlformats.org/markup-compatibility/2006" xmlns:mv="urn:schemas-microsoft-com:mac:vml" xmlns:p="http://schemas.openxmlformats.org/presentationml/2006/main" xmlns:c="http://schemas.openxmlformats.org/drawingml/2006/chart" xmlns:dgm="http://schemas.openxmlformats.org/drawingml/2006/diagram" xmlns:o="urn:schemas-microsoft-com:office:office" xmlns:v="urn:schemas-microsoft-com:vml" xmlns:pvml="urn:schemas-microsoft-com:office:powerpoint" xmlns:com="http://schemas.openxmlformats.org/drawingml/2006/compatibility" xmlns:p14="http://schemas.microsoft.com/office/powerpoint/2010/main" xmlns:p15="http://schemas.microsoft.com/office/powerpoint/2012/main">
+<p:sld xmlns:a="http://schemas.openxmlformats.org/drawingml/2006/main" xmlns:r="http://schemas.openxmlformats.org/officeDocument/2006/relationships" xmlns:p="http://schemas.openxmlformats.org/presentationml/2006/main">
   <p:cSld>
     <p:spTree>
       <p:nvGrpSpPr>
-        <p:cNvPr id="87" name="Shape 87"/>
+        <p:cNvPr id="1" name="Shape 87"/>
         <p:cNvGrpSpPr/>
         <p:nvPr/>
       </p:nvGrpSpPr>
@@ -5798,7 +6523,9 @@
       <p:sp>
         <p:nvSpPr>
           <p:cNvPr id="88" name="Shape 88"/>
-          <p:cNvSpPr txBox="1"/>
+          <p:cNvSpPr txBox="1">
+            <a:spLocks noGrp="1"/>
+          </p:cNvSpPr>
           <p:nvPr>
             <p:ph type="title"/>
           </p:nvPr>
@@ -5813,7 +6540,7 @@
           </a:prstGeom>
         </p:spPr>
         <p:txBody>
-          <a:bodyPr anchorCtr="0" anchor="t" bIns="91425" lIns="91425" rIns="91425" wrap="square" tIns="91425">
+          <a:bodyPr wrap="square" lIns="91425" tIns="91425" rIns="91425" bIns="91425" anchor="t" anchorCtr="0">
             <a:noAutofit/>
           </a:bodyPr>
           <a:lstStyle/>
@@ -5838,9 +6565,11 @@
       <p:sp>
         <p:nvSpPr>
           <p:cNvPr id="89" name="Shape 89"/>
-          <p:cNvSpPr txBox="1"/>
+          <p:cNvSpPr txBox="1">
+            <a:spLocks noGrp="1"/>
+          </p:cNvSpPr>
           <p:nvPr>
-            <p:ph idx="1" type="body"/>
+            <p:ph type="body" idx="1"/>
           </p:nvPr>
         </p:nvSpPr>
         <p:spPr>
@@ -5853,7 +6582,7 @@
           </a:prstGeom>
         </p:spPr>
         <p:txBody>
-          <a:bodyPr anchorCtr="0" anchor="t" bIns="91425" lIns="91425" rIns="91425" wrap="square" tIns="91425">
+          <a:bodyPr wrap="square" lIns="91425" tIns="91425" rIns="91425" bIns="91425" anchor="t" anchorCtr="0">
             <a:noAutofit/>
           </a:bodyPr>
           <a:lstStyle/>
@@ -5862,82 +6591,153 @@
               <a:spcBef>
                 <a:spcPts val="0"/>
               </a:spcBef>
+              <a:spcAft>
+                <a:spcPts val="600"/>
+              </a:spcAft>
               <a:buNone/>
             </a:pPr>
             <a:r>
-              <a:rPr lang="en"/>
-              <a:t>Basic variable types:</a:t>
+              <a:rPr lang="en" dirty="0"/>
+              <a:t>Variable types:</a:t>
             </a:r>
           </a:p>
           <a:p>
-            <a:pPr indent="-228600" lvl="0" marL="457200" rtl="0">
-              <a:spcBef>
-                <a:spcPts val="0"/>
-              </a:spcBef>
+            <a:pPr marL="457200" lvl="0" indent="-228600" rtl="0">
+              <a:spcBef>
+                <a:spcPts val="0"/>
+              </a:spcBef>
+              <a:spcAft>
+                <a:spcPts val="600"/>
+              </a:spcAft>
             </a:pPr>
             <a:r>
-              <a:rPr lang="en"/>
+              <a:rPr lang="en" dirty="0"/>
               <a:t>Numbers</a:t>
             </a:r>
           </a:p>
           <a:p>
-            <a:pPr indent="-228600" lvl="1" marL="914400" rtl="0">
-              <a:spcBef>
-                <a:spcPts val="0"/>
-              </a:spcBef>
+            <a:pPr marL="914400" lvl="1" indent="-228600" rtl="0">
+              <a:lnSpc>
+                <a:spcPct val="100000"/>
+              </a:lnSpc>
+              <a:spcBef>
+                <a:spcPts val="0"/>
+              </a:spcBef>
+              <a:spcAft>
+                <a:spcPts val="600"/>
+              </a:spcAft>
             </a:pPr>
             <a:r>
-              <a:rPr lang="en"/>
+              <a:rPr lang="en" dirty="0"/>
               <a:t>int</a:t>
             </a:r>
           </a:p>
           <a:p>
-            <a:pPr indent="-228600" lvl="1" marL="914400" rtl="0">
-              <a:spcBef>
-                <a:spcPts val="0"/>
-              </a:spcBef>
+            <a:pPr marL="914400" lvl="1" indent="-228600" rtl="0">
+              <a:lnSpc>
+                <a:spcPct val="100000"/>
+              </a:lnSpc>
+              <a:spcBef>
+                <a:spcPts val="0"/>
+              </a:spcBef>
+              <a:spcAft>
+                <a:spcPts val="600"/>
+              </a:spcAft>
             </a:pPr>
             <a:r>
-              <a:rPr lang="en"/>
+              <a:rPr lang="en" dirty="0"/>
               <a:t>float</a:t>
             </a:r>
           </a:p>
           <a:p>
-            <a:pPr indent="-228600" lvl="1" marL="914400" rtl="0">
-              <a:spcBef>
-                <a:spcPts val="0"/>
-              </a:spcBef>
+            <a:pPr marL="914400" lvl="1" indent="-228600" rtl="0">
+              <a:lnSpc>
+                <a:spcPct val="100000"/>
+              </a:lnSpc>
+              <a:spcBef>
+                <a:spcPts val="0"/>
+              </a:spcBef>
+              <a:spcAft>
+                <a:spcPts val="600"/>
+              </a:spcAft>
             </a:pPr>
             <a:r>
-              <a:rPr lang="en"/>
-              <a:t>c</a:t>
+              <a:rPr lang="en" dirty="0"/>
+              <a:t>complex</a:t>
+            </a:r>
+          </a:p>
+          <a:p>
+            <a:pPr marL="457200" lvl="0" indent="-228600" rtl="0">
+              <a:spcBef>
+                <a:spcPts val="0"/>
+              </a:spcBef>
+              <a:spcAft>
+                <a:spcPts val="600"/>
+              </a:spcAft>
+            </a:pPr>
+            <a:r>
+              <a:rPr lang="en" dirty="0"/>
+              <a:t>String</a:t>
+            </a:r>
+          </a:p>
+          <a:p>
+            <a:pPr marL="457200" lvl="0" indent="-228600" rtl="0">
+              <a:spcBef>
+                <a:spcPts val="0"/>
+              </a:spcBef>
+              <a:spcAft>
+                <a:spcPts val="600"/>
+              </a:spcAft>
+            </a:pPr>
+            <a:r>
+              <a:rPr lang="en" dirty="0"/>
+              <a:t>Lists</a:t>
+            </a:r>
+          </a:p>
+          <a:p>
+            <a:pPr marL="457200" lvl="0" indent="-228600" rtl="0">
+              <a:spcBef>
+                <a:spcPts val="0"/>
+              </a:spcBef>
+              <a:spcAft>
+                <a:spcPts val="600"/>
+              </a:spcAft>
+            </a:pPr>
+            <a:r>
+              <a:rPr lang="en" dirty="0"/>
+              <a:t>Dicts, tuples, set, frozenset, </a:t>
             </a:r>
             <a:r>
-              <a:rPr lang="en"/>
-              <a:t>omplex</a:t>
+              <a:rPr lang="en-GB" dirty="0"/>
+              <a:t>bytes, </a:t>
             </a:r>
-          </a:p>
-          <a:p>
-            <a:pPr indent="-228600" lvl="0" marL="457200" rtl="0">
-              <a:spcBef>
-                <a:spcPts val="0"/>
-              </a:spcBef>
-            </a:pPr>
             <a:r>
-              <a:rPr lang="en"/>
-              <a:t>String</a:t>
+              <a:rPr lang="en-GB" dirty="0" err="1"/>
+              <a:t>bytearray</a:t>
             </a:r>
-          </a:p>
-          <a:p>
-            <a:pPr indent="-228600" lvl="0" marL="457200" rtl="0">
-              <a:spcBef>
-                <a:spcPts val="0"/>
-              </a:spcBef>
+            <a:endParaRPr lang="en" dirty="0"/>
+          </a:p>
+          <a:p>
+            <a:pPr marL="457200" lvl="0" indent="-228600" rtl="0">
+              <a:spcBef>
+                <a:spcPts val="0"/>
+              </a:spcBef>
+              <a:spcAft>
+                <a:spcPts val="600"/>
+              </a:spcAft>
             </a:pPr>
             <a:r>
-              <a:rPr lang="en"/>
-              <a:t>Lists</a:t>
+              <a:rPr lang="en" dirty="0"/>
+              <a:t>Clas</a:t>
             </a:r>
+            <a:r>
+              <a:rPr lang="en-GB" dirty="0"/>
+              <a:t>s</a:t>
+            </a:r>
+            <a:r>
+              <a:rPr lang="en" dirty="0"/>
+              <a:t>es</a:t>
+            </a:r>
           </a:p>
           <a:p>
             <a:pPr lvl="0" rtl="0">
@@ -5946,10 +6746,7 @@
               </a:spcBef>
               <a:buNone/>
             </a:pPr>
-            <a:r>
-              <a:t/>
-            </a:r>
-            <a:endParaRPr/>
+            <a:endParaRPr dirty="0"/>
           </a:p>
           <a:p>
             <a:pPr lvl="0">
@@ -5958,10 +6755,7 @@
               </a:spcBef>
               <a:buNone/>
             </a:pPr>
-            <a:r>
-              <a:t/>
-            </a:r>
-            <a:endParaRPr/>
+            <a:endParaRPr dirty="0"/>
           </a:p>
         </p:txBody>
       </p:sp>
@@ -5974,11 +6768,11 @@
 </file>
 
 <file path=ppt/slides/slide7.xml><?xml version="1.0" encoding="utf-8"?>
-<p:sld xmlns:a="http://schemas.openxmlformats.org/drawingml/2006/main" xmlns:r="http://schemas.openxmlformats.org/officeDocument/2006/relationships" xmlns:mc="http://schemas.openxmlformats.org/markup-compatibility/2006" xmlns:mv="urn:schemas-microsoft-com:mac:vml" xmlns:p="http://schemas.openxmlformats.org/presentationml/2006/main" xmlns:c="http://schemas.openxmlformats.org/drawingml/2006/chart" xmlns:dgm="http://schemas.openxmlformats.org/drawingml/2006/diagram" xmlns:o="urn:schemas-microsoft-com:office:office" xmlns:v="urn:schemas-microsoft-com:vml" xmlns:pvml="urn:schemas-microsoft-com:office:powerpoint" xmlns:com="http://schemas.openxmlformats.org/drawingml/2006/compatibility" xmlns:p14="http://schemas.microsoft.com/office/powerpoint/2010/main" xmlns:p15="http://schemas.microsoft.com/office/powerpoint/2012/main">
+<p:sld xmlns:a="http://schemas.openxmlformats.org/drawingml/2006/main" xmlns:r="http://schemas.openxmlformats.org/officeDocument/2006/relationships" xmlns:p="http://schemas.openxmlformats.org/presentationml/2006/main">
   <p:cSld>
     <p:spTree>
       <p:nvGrpSpPr>
-        <p:cNvPr id="93" name="Shape 93"/>
+        <p:cNvPr id="1" name="Shape 93"/>
         <p:cNvGrpSpPr/>
         <p:nvPr/>
       </p:nvGrpSpPr>
@@ -5993,7 +6787,9 @@
       <p:sp>
         <p:nvSpPr>
           <p:cNvPr id="94" name="Shape 94"/>
-          <p:cNvSpPr txBox="1"/>
+          <p:cNvSpPr txBox="1">
+            <a:spLocks noGrp="1"/>
+          </p:cNvSpPr>
           <p:nvPr>
             <p:ph type="title"/>
           </p:nvPr>
@@ -6008,7 +6804,7 @@
           </a:prstGeom>
         </p:spPr>
         <p:txBody>
-          <a:bodyPr anchorCtr="0" anchor="t" bIns="91425" lIns="91425" rIns="91425" wrap="square" tIns="91425">
+          <a:bodyPr wrap="square" lIns="91425" tIns="91425" rIns="91425" bIns="91425" anchor="t" anchorCtr="0">
             <a:noAutofit/>
           </a:bodyPr>
           <a:lstStyle/>
@@ -6033,9 +6829,11 @@
       <p:sp>
         <p:nvSpPr>
           <p:cNvPr id="95" name="Shape 95"/>
-          <p:cNvSpPr txBox="1"/>
+          <p:cNvSpPr txBox="1">
+            <a:spLocks noGrp="1"/>
+          </p:cNvSpPr>
           <p:nvPr>
-            <p:ph idx="1" type="body"/>
+            <p:ph type="body" idx="1"/>
           </p:nvPr>
         </p:nvSpPr>
         <p:spPr>
@@ -6048,7 +6846,7 @@
           </a:prstGeom>
         </p:spPr>
         <p:txBody>
-          <a:bodyPr anchorCtr="0" anchor="t" bIns="91425" lIns="91425" rIns="91425" wrap="square" tIns="91425">
+          <a:bodyPr wrap="square" lIns="91425" tIns="91425" rIns="91425" bIns="91425" anchor="t" anchorCtr="0">
             <a:noAutofit/>
           </a:bodyPr>
           <a:lstStyle/>
@@ -6119,9 +6917,6 @@
               </a:spcBef>
               <a:buNone/>
             </a:pPr>
-            <a:r>
-              <a:t/>
-            </a:r>
             <a:endParaRPr/>
           </a:p>
           <a:p>
@@ -6131,9 +6926,6 @@
               </a:spcBef>
               <a:buNone/>
             </a:pPr>
-            <a:r>
-              <a:t/>
-            </a:r>
             <a:endParaRPr/>
           </a:p>
         </p:txBody>
@@ -6147,11 +6939,11 @@
 </file>
 
 <file path=ppt/slides/slide8.xml><?xml version="1.0" encoding="utf-8"?>
-<p:sld xmlns:a="http://schemas.openxmlformats.org/drawingml/2006/main" xmlns:r="http://schemas.openxmlformats.org/officeDocument/2006/relationships" xmlns:mc="http://schemas.openxmlformats.org/markup-compatibility/2006" xmlns:mv="urn:schemas-microsoft-com:mac:vml" xmlns:p="http://schemas.openxmlformats.org/presentationml/2006/main" xmlns:c="http://schemas.openxmlformats.org/drawingml/2006/chart" xmlns:dgm="http://schemas.openxmlformats.org/drawingml/2006/diagram" xmlns:o="urn:schemas-microsoft-com:office:office" xmlns:v="urn:schemas-microsoft-com:vml" xmlns:pvml="urn:schemas-microsoft-com:office:powerpoint" xmlns:com="http://schemas.openxmlformats.org/drawingml/2006/compatibility" xmlns:p14="http://schemas.microsoft.com/office/powerpoint/2010/main" xmlns:p15="http://schemas.microsoft.com/office/powerpoint/2012/main">
+<p:sld xmlns:a="http://schemas.openxmlformats.org/drawingml/2006/main" xmlns:r="http://schemas.openxmlformats.org/officeDocument/2006/relationships" xmlns:p="http://schemas.openxmlformats.org/presentationml/2006/main">
   <p:cSld>
     <p:spTree>
       <p:nvGrpSpPr>
-        <p:cNvPr id="99" name="Shape 99"/>
+        <p:cNvPr id="1" name="Shape 99"/>
         <p:cNvGrpSpPr/>
         <p:nvPr/>
       </p:nvGrpSpPr>
@@ -6166,7 +6958,9 @@
       <p:sp>
         <p:nvSpPr>
           <p:cNvPr id="100" name="Shape 100"/>
-          <p:cNvSpPr txBox="1"/>
+          <p:cNvSpPr txBox="1">
+            <a:spLocks noGrp="1"/>
+          </p:cNvSpPr>
           <p:nvPr>
             <p:ph type="title"/>
           </p:nvPr>
@@ -6181,7 +6975,7 @@
           </a:prstGeom>
         </p:spPr>
         <p:txBody>
-          <a:bodyPr anchorCtr="0" anchor="t" bIns="91425" lIns="91425" rIns="91425" wrap="square" tIns="91425">
+          <a:bodyPr wrap="square" lIns="91425" tIns="91425" rIns="91425" bIns="91425" anchor="t" anchorCtr="0">
             <a:noAutofit/>
           </a:bodyPr>
           <a:lstStyle/>
@@ -6206,9 +7000,11 @@
       <p:sp>
         <p:nvSpPr>
           <p:cNvPr id="101" name="Shape 101"/>
-          <p:cNvSpPr txBox="1"/>
+          <p:cNvSpPr txBox="1">
+            <a:spLocks noGrp="1"/>
+          </p:cNvSpPr>
           <p:nvPr>
-            <p:ph idx="1" type="body"/>
+            <p:ph type="body" idx="1"/>
           </p:nvPr>
         </p:nvSpPr>
         <p:spPr>
@@ -6221,7 +7017,7 @@
           </a:prstGeom>
         </p:spPr>
         <p:txBody>
-          <a:bodyPr anchorCtr="0" anchor="t" bIns="91425" lIns="91425" rIns="91425" wrap="square" tIns="91425">
+          <a:bodyPr wrap="square" lIns="91425" tIns="91425" rIns="91425" bIns="91425" anchor="t" anchorCtr="0">
             <a:noAutofit/>
           </a:bodyPr>
           <a:lstStyle/>
@@ -6256,9 +7052,6 @@
               </a:spcBef>
               <a:buNone/>
             </a:pPr>
-            <a:r>
-              <a:t/>
-            </a:r>
             <a:endParaRPr/>
           </a:p>
           <a:p>
@@ -6270,11 +7063,7 @@
             </a:pPr>
             <a:r>
               <a:rPr lang="en"/>
-              <a:t>s</a:t>
-            </a:r>
-            <a:r>
-              <a:rPr lang="en"/>
-              <a:t>tr[start:end:step] </a:t>
+              <a:t>str[start:end:step] </a:t>
             </a:r>
           </a:p>
           <a:p>
@@ -6296,9 +7085,6 @@
               </a:spcBef>
               <a:buNone/>
             </a:pPr>
-            <a:r>
-              <a:t/>
-            </a:r>
             <a:endParaRPr/>
           </a:p>
         </p:txBody>
@@ -6312,11 +7098,11 @@
 </file>
 
 <file path=ppt/slides/slide9.xml><?xml version="1.0" encoding="utf-8"?>
-<p:sld xmlns:a="http://schemas.openxmlformats.org/drawingml/2006/main" xmlns:r="http://schemas.openxmlformats.org/officeDocument/2006/relationships" xmlns:mc="http://schemas.openxmlformats.org/markup-compatibility/2006" xmlns:mv="urn:schemas-microsoft-com:mac:vml" xmlns:p="http://schemas.openxmlformats.org/presentationml/2006/main" xmlns:c="http://schemas.openxmlformats.org/drawingml/2006/chart" xmlns:dgm="http://schemas.openxmlformats.org/drawingml/2006/diagram" xmlns:o="urn:schemas-microsoft-com:office:office" xmlns:v="urn:schemas-microsoft-com:vml" xmlns:pvml="urn:schemas-microsoft-com:office:powerpoint" xmlns:com="http://schemas.openxmlformats.org/drawingml/2006/compatibility" xmlns:p14="http://schemas.microsoft.com/office/powerpoint/2010/main" xmlns:p15="http://schemas.microsoft.com/office/powerpoint/2012/main">
+<p:sld xmlns:a="http://schemas.openxmlformats.org/drawingml/2006/main" xmlns:r="http://schemas.openxmlformats.org/officeDocument/2006/relationships" xmlns:p="http://schemas.openxmlformats.org/presentationml/2006/main">
   <p:cSld>
     <p:spTree>
       <p:nvGrpSpPr>
-        <p:cNvPr id="105" name="Shape 105"/>
+        <p:cNvPr id="1" name="Shape 105"/>
         <p:cNvGrpSpPr/>
         <p:nvPr/>
       </p:nvGrpSpPr>
@@ -6331,7 +7117,9 @@
       <p:sp>
         <p:nvSpPr>
           <p:cNvPr id="106" name="Shape 106"/>
-          <p:cNvSpPr txBox="1"/>
+          <p:cNvSpPr txBox="1">
+            <a:spLocks noGrp="1"/>
+          </p:cNvSpPr>
           <p:nvPr>
             <p:ph type="title"/>
           </p:nvPr>
@@ -6346,7 +7134,7 @@
           </a:prstGeom>
         </p:spPr>
         <p:txBody>
-          <a:bodyPr anchorCtr="0" anchor="t" bIns="91425" lIns="91425" rIns="91425" wrap="square" tIns="91425">
+          <a:bodyPr wrap="square" lIns="91425" tIns="91425" rIns="91425" bIns="91425" anchor="t" anchorCtr="0">
             <a:noAutofit/>
           </a:bodyPr>
           <a:lstStyle/>
@@ -6371,9 +7159,11 @@
       <p:sp>
         <p:nvSpPr>
           <p:cNvPr id="107" name="Shape 107"/>
-          <p:cNvSpPr txBox="1"/>
+          <p:cNvSpPr txBox="1">
+            <a:spLocks noGrp="1"/>
+          </p:cNvSpPr>
           <p:nvPr>
-            <p:ph idx="1" type="body"/>
+            <p:ph type="body" idx="1"/>
           </p:nvPr>
         </p:nvSpPr>
         <p:spPr>
@@ -6386,7 +7176,7 @@
           </a:prstGeom>
         </p:spPr>
         <p:txBody>
-          <a:bodyPr anchorCtr="0" anchor="t" bIns="91425" lIns="91425" rIns="91425" wrap="square" tIns="91425">
+          <a:bodyPr wrap="square" lIns="91425" tIns="91425" rIns="91425" bIns="91425" anchor="t" anchorCtr="0">
             <a:noAutofit/>
           </a:bodyPr>
           <a:lstStyle/>
@@ -6425,7 +7215,288 @@
 </file>
 
 <file path=ppt/theme/theme1.xml><?xml version="1.0" encoding="utf-8"?>
-<a:theme xmlns:a="http://schemas.openxmlformats.org/drawingml/2006/main" xmlns:r="http://schemas.openxmlformats.org/officeDocument/2006/relationships" name="Custom Theme">
+<a:theme xmlns:a="http://schemas.openxmlformats.org/drawingml/2006/main" name="Simple Light">
+  <a:themeElements>
+    <a:clrScheme name="Simple Light">
+      <a:dk1>
+        <a:srgbClr val="000000"/>
+      </a:dk1>
+      <a:lt1>
+        <a:srgbClr val="FFFFFF"/>
+      </a:lt1>
+      <a:dk2>
+        <a:srgbClr val="595959"/>
+      </a:dk2>
+      <a:lt2>
+        <a:srgbClr val="EEEEEE"/>
+      </a:lt2>
+      <a:accent1>
+        <a:srgbClr val="FFAB40"/>
+      </a:accent1>
+      <a:accent2>
+        <a:srgbClr val="212121"/>
+      </a:accent2>
+      <a:accent3>
+        <a:srgbClr val="78909C"/>
+      </a:accent3>
+      <a:accent4>
+        <a:srgbClr val="FFAB40"/>
+      </a:accent4>
+      <a:accent5>
+        <a:srgbClr val="0097A7"/>
+      </a:accent5>
+      <a:accent6>
+        <a:srgbClr val="EEFF41"/>
+      </a:accent6>
+      <a:hlink>
+        <a:srgbClr val="0097A7"/>
+      </a:hlink>
+      <a:folHlink>
+        <a:srgbClr val="0097A7"/>
+      </a:folHlink>
+    </a:clrScheme>
+    <a:fontScheme name="Office">
+      <a:majorFont>
+        <a:latin typeface="Arial"/>
+        <a:ea typeface=""/>
+        <a:cs typeface=""/>
+        <a:font script="Jpan" typeface="ＭＳ Ｐゴシック"/>
+        <a:font script="Hang" typeface="맑은 고딕"/>
+        <a:font script="Hans" typeface="宋体"/>
+        <a:font script="Hant" typeface="新細明體"/>
+        <a:font script="Arab" typeface="Times New Roman"/>
+        <a:font script="Hebr" typeface="Times New Roman"/>
+        <a:font script="Thai" typeface="Angsana New"/>
+        <a:font script="Ethi" typeface="Nyala"/>
+        <a:font script="Beng" typeface="Vrinda"/>
+        <a:font script="Gujr" typeface="Shruti"/>
+        <a:font script="Khmr" typeface="MoolBoran"/>
+        <a:font script="Knda" typeface="Tunga"/>
+        <a:font script="Guru" typeface="Raavi"/>
+        <a:font script="Cans" typeface="Euphemia"/>
+        <a:font script="Cher" typeface="Plantagenet Cherokee"/>
+        <a:font script="Yiii" typeface="Microsoft Yi Baiti"/>
+        <a:font script="Tibt" typeface="Microsoft Himalaya"/>
+        <a:font script="Thaa" typeface="MV Boli"/>
+        <a:font script="Deva" typeface="Mangal"/>
+        <a:font script="Telu" typeface="Gautami"/>
+        <a:font script="Taml" typeface="Latha"/>
+        <a:font script="Syrc" typeface="Estrangelo Edessa"/>
+        <a:font script="Orya" typeface="Kalinga"/>
+        <a:font script="Mlym" typeface="Kartika"/>
+        <a:font script="Laoo" typeface="DokChampa"/>
+        <a:font script="Sinh" typeface="Iskoola Pota"/>
+        <a:font script="Mong" typeface="Mongolian Baiti"/>
+        <a:font script="Viet" typeface="Times New Roman"/>
+        <a:font script="Uigh" typeface="Microsoft Uighur"/>
+        <a:font script="Geor" typeface="Sylfaen"/>
+      </a:majorFont>
+      <a:minorFont>
+        <a:latin typeface="Arial"/>
+        <a:ea typeface=""/>
+        <a:cs typeface=""/>
+        <a:font script="Jpan" typeface="ＭＳ Ｐゴシック"/>
+        <a:font script="Hang" typeface="맑은 고딕"/>
+        <a:font script="Hans" typeface="宋体"/>
+        <a:font script="Hant" typeface="新細明體"/>
+        <a:font script="Arab" typeface="Arial"/>
+        <a:font script="Hebr" typeface="Arial"/>
+        <a:font script="Thai" typeface="Cordia New"/>
+        <a:font script="Ethi" typeface="Nyala"/>
+        <a:font script="Beng" typeface="Vrinda"/>
+        <a:font script="Gujr" typeface="Shruti"/>
+        <a:font script="Khmr" typeface="DaunPenh"/>
+        <a:font script="Knda" typeface="Tunga"/>
+        <a:font script="Guru" typeface="Raavi"/>
+        <a:font script="Cans" typeface="Euphemia"/>
+        <a:font script="Cher" typeface="Plantagenet Cherokee"/>
+        <a:font script="Yiii" typeface="Microsoft Yi Baiti"/>
+        <a:font script="Tibt" typeface="Microsoft Himalaya"/>
+        <a:font script="Thaa" typeface="MV Boli"/>
+        <a:font script="Deva" typeface="Mangal"/>
+        <a:font script="Telu" typeface="Gautami"/>
+        <a:font script="Taml" typeface="Latha"/>
+        <a:font script="Syrc" typeface="Estrangelo Edessa"/>
+        <a:font script="Orya" typeface="Kalinga"/>
+        <a:font script="Mlym" typeface="Kartika"/>
+        <a:font script="Laoo" typeface="DokChampa"/>
+        <a:font script="Sinh" typeface="Iskoola Pota"/>
+        <a:font script="Mong" typeface="Mongolian Baiti"/>
+        <a:font script="Viet" typeface="Arial"/>
+        <a:font script="Uigh" typeface="Microsoft Uighur"/>
+        <a:font script="Geor" typeface="Sylfaen"/>
+      </a:minorFont>
+    </a:fontScheme>
+    <a:fmtScheme name="Office">
+      <a:fillStyleLst>
+        <a:solidFill>
+          <a:schemeClr val="phClr"/>
+        </a:solidFill>
+        <a:gradFill rotWithShape="1">
+          <a:gsLst>
+            <a:gs pos="0">
+              <a:schemeClr val="phClr">
+                <a:tint val="50000"/>
+                <a:satMod val="300000"/>
+              </a:schemeClr>
+            </a:gs>
+            <a:gs pos="35000">
+              <a:schemeClr val="phClr">
+                <a:tint val="37000"/>
+                <a:satMod val="300000"/>
+              </a:schemeClr>
+            </a:gs>
+            <a:gs pos="100000">
+              <a:schemeClr val="phClr">
+                <a:tint val="15000"/>
+                <a:satMod val="350000"/>
+              </a:schemeClr>
+            </a:gs>
+          </a:gsLst>
+          <a:lin ang="16200000" scaled="1"/>
+        </a:gradFill>
+        <a:gradFill rotWithShape="1">
+          <a:gsLst>
+            <a:gs pos="0">
+              <a:schemeClr val="phClr">
+                <a:tint val="100000"/>
+                <a:shade val="100000"/>
+                <a:satMod val="130000"/>
+              </a:schemeClr>
+            </a:gs>
+            <a:gs pos="100000">
+              <a:schemeClr val="phClr">
+                <a:tint val="50000"/>
+                <a:shade val="100000"/>
+                <a:satMod val="350000"/>
+              </a:schemeClr>
+            </a:gs>
+          </a:gsLst>
+          <a:lin ang="16200000" scaled="0"/>
+        </a:gradFill>
+      </a:fillStyleLst>
+      <a:lnStyleLst>
+        <a:ln w="9525" cap="flat" cmpd="sng" algn="ctr">
+          <a:solidFill>
+            <a:schemeClr val="phClr">
+              <a:shade val="95000"/>
+              <a:satMod val="105000"/>
+            </a:schemeClr>
+          </a:solidFill>
+          <a:prstDash val="solid"/>
+        </a:ln>
+        <a:ln w="25400" cap="flat" cmpd="sng" algn="ctr">
+          <a:solidFill>
+            <a:schemeClr val="phClr"/>
+          </a:solidFill>
+          <a:prstDash val="solid"/>
+        </a:ln>
+        <a:ln w="38100" cap="flat" cmpd="sng" algn="ctr">
+          <a:solidFill>
+            <a:schemeClr val="phClr"/>
+          </a:solidFill>
+          <a:prstDash val="solid"/>
+        </a:ln>
+      </a:lnStyleLst>
+      <a:effectStyleLst>
+        <a:effectStyle>
+          <a:effectLst>
+            <a:outerShdw blurRad="40000" dist="20000" dir="5400000" rotWithShape="0">
+              <a:srgbClr val="000000">
+                <a:alpha val="38000"/>
+              </a:srgbClr>
+            </a:outerShdw>
+          </a:effectLst>
+        </a:effectStyle>
+        <a:effectStyle>
+          <a:effectLst>
+            <a:outerShdw blurRad="40000" dist="23000" dir="5400000" rotWithShape="0">
+              <a:srgbClr val="000000">
+                <a:alpha val="35000"/>
+              </a:srgbClr>
+            </a:outerShdw>
+          </a:effectLst>
+        </a:effectStyle>
+        <a:effectStyle>
+          <a:effectLst>
+            <a:outerShdw blurRad="40000" dist="23000" dir="5400000" rotWithShape="0">
+              <a:srgbClr val="000000">
+                <a:alpha val="35000"/>
+              </a:srgbClr>
+            </a:outerShdw>
+          </a:effectLst>
+          <a:scene3d>
+            <a:camera prst="orthographicFront">
+              <a:rot lat="0" lon="0" rev="0"/>
+            </a:camera>
+            <a:lightRig rig="threePt" dir="t">
+              <a:rot lat="0" lon="0" rev="1200000"/>
+            </a:lightRig>
+          </a:scene3d>
+          <a:sp3d>
+            <a:bevelT w="63500" h="25400"/>
+          </a:sp3d>
+        </a:effectStyle>
+      </a:effectStyleLst>
+      <a:bgFillStyleLst>
+        <a:solidFill>
+          <a:schemeClr val="phClr"/>
+        </a:solidFill>
+        <a:gradFill rotWithShape="1">
+          <a:gsLst>
+            <a:gs pos="0">
+              <a:schemeClr val="phClr">
+                <a:tint val="40000"/>
+                <a:satMod val="350000"/>
+              </a:schemeClr>
+            </a:gs>
+            <a:gs pos="40000">
+              <a:schemeClr val="phClr">
+                <a:tint val="45000"/>
+                <a:shade val="99000"/>
+                <a:satMod val="350000"/>
+              </a:schemeClr>
+            </a:gs>
+            <a:gs pos="100000">
+              <a:schemeClr val="phClr">
+                <a:shade val="20000"/>
+                <a:satMod val="255000"/>
+              </a:schemeClr>
+            </a:gs>
+          </a:gsLst>
+          <a:path path="circle">
+            <a:fillToRect l="50000" t="-80000" r="50000" b="180000"/>
+          </a:path>
+        </a:gradFill>
+        <a:gradFill rotWithShape="1">
+          <a:gsLst>
+            <a:gs pos="0">
+              <a:schemeClr val="phClr">
+                <a:tint val="80000"/>
+                <a:satMod val="300000"/>
+              </a:schemeClr>
+            </a:gs>
+            <a:gs pos="100000">
+              <a:schemeClr val="phClr">
+                <a:shade val="30000"/>
+                <a:satMod val="200000"/>
+              </a:schemeClr>
+            </a:gs>
+          </a:gsLst>
+          <a:path path="circle">
+            <a:fillToRect l="50000" t="50000" r="50000" b="50000"/>
+          </a:path>
+        </a:gradFill>
+      </a:bgFillStyleLst>
+    </a:fmtScheme>
+  </a:themeElements>
+  <a:objectDefaults/>
+  <a:extraClrSchemeLst/>
+</a:theme>
+</file>
+
+<file path=ppt/theme/theme2.xml><?xml version="1.0" encoding="utf-8"?>
+<a:theme xmlns:a="http://schemas.openxmlformats.org/drawingml/2006/main" name="Custom Theme">
   <a:themeElements>
     <a:clrScheme name="Default">
       <a:dk1>
@@ -6700,284 +7771,7 @@
       </a:bgFillStyleLst>
     </a:fmtScheme>
   </a:themeElements>
-</a:theme>
-</file>
-
-<file path=ppt/theme/theme2.xml><?xml version="1.0" encoding="utf-8"?>
-<a:theme xmlns:a="http://schemas.openxmlformats.org/drawingml/2006/main" xmlns:r="http://schemas.openxmlformats.org/officeDocument/2006/relationships" name="Simple Light">
-  <a:themeElements>
-    <a:clrScheme name="Simple Light">
-      <a:dk1>
-        <a:srgbClr val="000000"/>
-      </a:dk1>
-      <a:lt1>
-        <a:srgbClr val="FFFFFF"/>
-      </a:lt1>
-      <a:dk2>
-        <a:srgbClr val="595959"/>
-      </a:dk2>
-      <a:lt2>
-        <a:srgbClr val="EEEEEE"/>
-      </a:lt2>
-      <a:accent1>
-        <a:srgbClr val="FFAB40"/>
-      </a:accent1>
-      <a:accent2>
-        <a:srgbClr val="212121"/>
-      </a:accent2>
-      <a:accent3>
-        <a:srgbClr val="78909C"/>
-      </a:accent3>
-      <a:accent4>
-        <a:srgbClr val="FFAB40"/>
-      </a:accent4>
-      <a:accent5>
-        <a:srgbClr val="0097A7"/>
-      </a:accent5>
-      <a:accent6>
-        <a:srgbClr val="EEFF41"/>
-      </a:accent6>
-      <a:hlink>
-        <a:srgbClr val="0097A7"/>
-      </a:hlink>
-      <a:folHlink>
-        <a:srgbClr val="0097A7"/>
-      </a:folHlink>
-    </a:clrScheme>
-    <a:fontScheme name="Office">
-      <a:majorFont>
-        <a:latin typeface="Arial"/>
-        <a:ea typeface=""/>
-        <a:cs typeface=""/>
-        <a:font script="Jpan" typeface="ＭＳ Ｐゴシック"/>
-        <a:font script="Hang" typeface="맑은 고딕"/>
-        <a:font script="Hans" typeface="宋体"/>
-        <a:font script="Hant" typeface="新細明體"/>
-        <a:font script="Arab" typeface="Times New Roman"/>
-        <a:font script="Hebr" typeface="Times New Roman"/>
-        <a:font script="Thai" typeface="Angsana New"/>
-        <a:font script="Ethi" typeface="Nyala"/>
-        <a:font script="Beng" typeface="Vrinda"/>
-        <a:font script="Gujr" typeface="Shruti"/>
-        <a:font script="Khmr" typeface="MoolBoran"/>
-        <a:font script="Knda" typeface="Tunga"/>
-        <a:font script="Guru" typeface="Raavi"/>
-        <a:font script="Cans" typeface="Euphemia"/>
-        <a:font script="Cher" typeface="Plantagenet Cherokee"/>
-        <a:font script="Yiii" typeface="Microsoft Yi Baiti"/>
-        <a:font script="Tibt" typeface="Microsoft Himalaya"/>
-        <a:font script="Thaa" typeface="MV Boli"/>
-        <a:font script="Deva" typeface="Mangal"/>
-        <a:font script="Telu" typeface="Gautami"/>
-        <a:font script="Taml" typeface="Latha"/>
-        <a:font script="Syrc" typeface="Estrangelo Edessa"/>
-        <a:font script="Orya" typeface="Kalinga"/>
-        <a:font script="Mlym" typeface="Kartika"/>
-        <a:font script="Laoo" typeface="DokChampa"/>
-        <a:font script="Sinh" typeface="Iskoola Pota"/>
-        <a:font script="Mong" typeface="Mongolian Baiti"/>
-        <a:font script="Viet" typeface="Times New Roman"/>
-        <a:font script="Uigh" typeface="Microsoft Uighur"/>
-        <a:font script="Geor" typeface="Sylfaen"/>
-      </a:majorFont>
-      <a:minorFont>
-        <a:latin typeface="Arial"/>
-        <a:ea typeface=""/>
-        <a:cs typeface=""/>
-        <a:font script="Jpan" typeface="ＭＳ Ｐゴシック"/>
-        <a:font script="Hang" typeface="맑은 고딕"/>
-        <a:font script="Hans" typeface="宋体"/>
-        <a:font script="Hant" typeface="新細明體"/>
-        <a:font script="Arab" typeface="Arial"/>
-        <a:font script="Hebr" typeface="Arial"/>
-        <a:font script="Thai" typeface="Cordia New"/>
-        <a:font script="Ethi" typeface="Nyala"/>
-        <a:font script="Beng" typeface="Vrinda"/>
-        <a:font script="Gujr" typeface="Shruti"/>
-        <a:font script="Khmr" typeface="DaunPenh"/>
-        <a:font script="Knda" typeface="Tunga"/>
-        <a:font script="Guru" typeface="Raavi"/>
-        <a:font script="Cans" typeface="Euphemia"/>
-        <a:font script="Cher" typeface="Plantagenet Cherokee"/>
-        <a:font script="Yiii" typeface="Microsoft Yi Baiti"/>
-        <a:font script="Tibt" typeface="Microsoft Himalaya"/>
-        <a:font script="Thaa" typeface="MV Boli"/>
-        <a:font script="Deva" typeface="Mangal"/>
-        <a:font script="Telu" typeface="Gautami"/>
-        <a:font script="Taml" typeface="Latha"/>
-        <a:font script="Syrc" typeface="Estrangelo Edessa"/>
-        <a:font script="Orya" typeface="Kalinga"/>
-        <a:font script="Mlym" typeface="Kartika"/>
-        <a:font script="Laoo" typeface="DokChampa"/>
-        <a:font script="Sinh" typeface="Iskoola Pota"/>
-        <a:font script="Mong" typeface="Mongolian Baiti"/>
-        <a:font script="Viet" typeface="Arial"/>
-        <a:font script="Uigh" typeface="Microsoft Uighur"/>
-        <a:font script="Geor" typeface="Sylfaen"/>
-      </a:minorFont>
-    </a:fontScheme>
-    <a:fmtScheme name="Office">
-      <a:fillStyleLst>
-        <a:solidFill>
-          <a:schemeClr val="phClr"/>
-        </a:solidFill>
-        <a:gradFill rotWithShape="1">
-          <a:gsLst>
-            <a:gs pos="0">
-              <a:schemeClr val="phClr">
-                <a:tint val="50000"/>
-                <a:satMod val="300000"/>
-              </a:schemeClr>
-            </a:gs>
-            <a:gs pos="35000">
-              <a:schemeClr val="phClr">
-                <a:tint val="37000"/>
-                <a:satMod val="300000"/>
-              </a:schemeClr>
-            </a:gs>
-            <a:gs pos="100000">
-              <a:schemeClr val="phClr">
-                <a:tint val="15000"/>
-                <a:satMod val="350000"/>
-              </a:schemeClr>
-            </a:gs>
-          </a:gsLst>
-          <a:lin ang="16200000" scaled="1"/>
-        </a:gradFill>
-        <a:gradFill rotWithShape="1">
-          <a:gsLst>
-            <a:gs pos="0">
-              <a:schemeClr val="phClr">
-                <a:tint val="100000"/>
-                <a:shade val="100000"/>
-                <a:satMod val="130000"/>
-              </a:schemeClr>
-            </a:gs>
-            <a:gs pos="100000">
-              <a:schemeClr val="phClr">
-                <a:tint val="50000"/>
-                <a:shade val="100000"/>
-                <a:satMod val="350000"/>
-              </a:schemeClr>
-            </a:gs>
-          </a:gsLst>
-          <a:lin ang="16200000" scaled="0"/>
-        </a:gradFill>
-      </a:fillStyleLst>
-      <a:lnStyleLst>
-        <a:ln w="9525" cap="flat" cmpd="sng" algn="ctr">
-          <a:solidFill>
-            <a:schemeClr val="phClr">
-              <a:shade val="95000"/>
-              <a:satMod val="105000"/>
-            </a:schemeClr>
-          </a:solidFill>
-          <a:prstDash val="solid"/>
-        </a:ln>
-        <a:ln w="25400" cap="flat" cmpd="sng" algn="ctr">
-          <a:solidFill>
-            <a:schemeClr val="phClr"/>
-          </a:solidFill>
-          <a:prstDash val="solid"/>
-        </a:ln>
-        <a:ln w="38100" cap="flat" cmpd="sng" algn="ctr">
-          <a:solidFill>
-            <a:schemeClr val="phClr"/>
-          </a:solidFill>
-          <a:prstDash val="solid"/>
-        </a:ln>
-      </a:lnStyleLst>
-      <a:effectStyleLst>
-        <a:effectStyle>
-          <a:effectLst>
-            <a:outerShdw blurRad="40000" dist="20000" dir="5400000" rotWithShape="0">
-              <a:srgbClr val="000000">
-                <a:alpha val="38000"/>
-              </a:srgbClr>
-            </a:outerShdw>
-          </a:effectLst>
-        </a:effectStyle>
-        <a:effectStyle>
-          <a:effectLst>
-            <a:outerShdw blurRad="40000" dist="23000" dir="5400000" rotWithShape="0">
-              <a:srgbClr val="000000">
-                <a:alpha val="35000"/>
-              </a:srgbClr>
-            </a:outerShdw>
-          </a:effectLst>
-        </a:effectStyle>
-        <a:effectStyle>
-          <a:effectLst>
-            <a:outerShdw blurRad="40000" dist="23000" dir="5400000" rotWithShape="0">
-              <a:srgbClr val="000000">
-                <a:alpha val="35000"/>
-              </a:srgbClr>
-            </a:outerShdw>
-          </a:effectLst>
-          <a:scene3d>
-            <a:camera prst="orthographicFront">
-              <a:rot lat="0" lon="0" rev="0"/>
-            </a:camera>
-            <a:lightRig rig="threePt" dir="t">
-              <a:rot lat="0" lon="0" rev="1200000"/>
-            </a:lightRig>
-          </a:scene3d>
-          <a:sp3d>
-            <a:bevelT w="63500" h="25400"/>
-          </a:sp3d>
-        </a:effectStyle>
-      </a:effectStyleLst>
-      <a:bgFillStyleLst>
-        <a:solidFill>
-          <a:schemeClr val="phClr"/>
-        </a:solidFill>
-        <a:gradFill rotWithShape="1">
-          <a:gsLst>
-            <a:gs pos="0">
-              <a:schemeClr val="phClr">
-                <a:tint val="40000"/>
-                <a:satMod val="350000"/>
-              </a:schemeClr>
-            </a:gs>
-            <a:gs pos="40000">
-              <a:schemeClr val="phClr">
-                <a:tint val="45000"/>
-                <a:shade val="99000"/>
-                <a:satMod val="350000"/>
-              </a:schemeClr>
-            </a:gs>
-            <a:gs pos="100000">
-              <a:schemeClr val="phClr">
-                <a:shade val="20000"/>
-                <a:satMod val="255000"/>
-              </a:schemeClr>
-            </a:gs>
-          </a:gsLst>
-          <a:path path="circle">
-            <a:fillToRect l="50000" t="-80000" r="50000" b="180000"/>
-          </a:path>
-        </a:gradFill>
-        <a:gradFill rotWithShape="1">
-          <a:gsLst>
-            <a:gs pos="0">
-              <a:schemeClr val="phClr">
-                <a:tint val="80000"/>
-                <a:satMod val="300000"/>
-              </a:schemeClr>
-            </a:gs>
-            <a:gs pos="100000">
-              <a:schemeClr val="phClr">
-                <a:shade val="30000"/>
-                <a:satMod val="200000"/>
-              </a:schemeClr>
-            </a:gs>
-          </a:gsLst>
-          <a:path path="circle">
-            <a:fillToRect l="50000" t="50000" r="50000" b="50000"/>
-          </a:path>
-        </a:gradFill>
-      </a:bgFillStyleLst>
-    </a:fmtScheme>
-  </a:themeElements>
+  <a:objectDefaults/>
+  <a:extraClrSchemeLst/>
 </a:theme>
 </file>